--- a/Introduction.pptx
+++ b/Introduction.pptx
@@ -5,30 +5,32 @@
     <p:sldMasterId id="2147483660" r:id="rId1"/>
   </p:sldMasterIdLst>
   <p:notesMasterIdLst>
-    <p:notesMasterId r:id="rId23"/>
+    <p:notesMasterId r:id="rId25"/>
   </p:notesMasterIdLst>
   <p:sldIdLst>
     <p:sldId id="256" r:id="rId2"/>
     <p:sldId id="269" r:id="rId3"/>
-    <p:sldId id="270" r:id="rId4"/>
-    <p:sldId id="271" r:id="rId5"/>
-    <p:sldId id="273" r:id="rId6"/>
-    <p:sldId id="272" r:id="rId7"/>
-    <p:sldId id="257" r:id="rId8"/>
-    <p:sldId id="258" r:id="rId9"/>
-    <p:sldId id="259" r:id="rId10"/>
-    <p:sldId id="260" r:id="rId11"/>
-    <p:sldId id="261" r:id="rId12"/>
-    <p:sldId id="268" r:id="rId13"/>
-    <p:sldId id="263" r:id="rId14"/>
-    <p:sldId id="262" r:id="rId15"/>
-    <p:sldId id="264" r:id="rId16"/>
-    <p:sldId id="265" r:id="rId17"/>
-    <p:sldId id="274" r:id="rId18"/>
-    <p:sldId id="277" r:id="rId19"/>
-    <p:sldId id="275" r:id="rId20"/>
-    <p:sldId id="278" r:id="rId21"/>
-    <p:sldId id="276" r:id="rId22"/>
+    <p:sldId id="280" r:id="rId4"/>
+    <p:sldId id="279" r:id="rId5"/>
+    <p:sldId id="270" r:id="rId6"/>
+    <p:sldId id="271" r:id="rId7"/>
+    <p:sldId id="273" r:id="rId8"/>
+    <p:sldId id="272" r:id="rId9"/>
+    <p:sldId id="257" r:id="rId10"/>
+    <p:sldId id="258" r:id="rId11"/>
+    <p:sldId id="259" r:id="rId12"/>
+    <p:sldId id="260" r:id="rId13"/>
+    <p:sldId id="261" r:id="rId14"/>
+    <p:sldId id="268" r:id="rId15"/>
+    <p:sldId id="263" r:id="rId16"/>
+    <p:sldId id="262" r:id="rId17"/>
+    <p:sldId id="264" r:id="rId18"/>
+    <p:sldId id="265" r:id="rId19"/>
+    <p:sldId id="274" r:id="rId20"/>
+    <p:sldId id="277" r:id="rId21"/>
+    <p:sldId id="275" r:id="rId22"/>
+    <p:sldId id="278" r:id="rId23"/>
+    <p:sldId id="276" r:id="rId24"/>
   </p:sldIdLst>
   <p:sldSz cx="12192000" cy="6858000"/>
   <p:notesSz cx="6858000" cy="9144000"/>
@@ -217,7 +219,7 @@
           <a:p>
             <a:fld id="{9D46689B-8FBB-4C06-A74A-ED2FBE7CBE61}" type="datetimeFigureOut">
               <a:rPr lang="en-US" smtClean="0"/>
-              <a:t>5/26/2019</a:t>
+              <a:t>10/20/2020</a:t>
             </a:fld>
             <a:endParaRPr lang="en-US"/>
           </a:p>
@@ -623,6 +625,292 @@
           <a:bodyPr/>
           <a:lstStyle/>
           <a:p>
+            <a:r>
+              <a:rPr lang="en-US" sz="1200" b="0" i="0" kern="1200" dirty="0">
+                <a:solidFill>
+                  <a:schemeClr val="tx1"/>
+                </a:solidFill>
+                <a:effectLst/>
+                <a:latin typeface="+mn-lt"/>
+                <a:ea typeface="+mn-ea"/>
+                <a:cs typeface="+mn-cs"/>
+              </a:rPr>
+              <a:t>A </a:t>
+            </a:r>
+            <a:r>
+              <a:rPr lang="en-US" sz="1200" b="1" i="0" kern="1200" dirty="0">
+                <a:solidFill>
+                  <a:schemeClr val="tx1"/>
+                </a:solidFill>
+                <a:effectLst/>
+                <a:latin typeface="+mn-lt"/>
+                <a:ea typeface="+mn-ea"/>
+                <a:cs typeface="+mn-cs"/>
+              </a:rPr>
+              <a:t>routed event</a:t>
+            </a:r>
+            <a:r>
+              <a:rPr lang="en-US" sz="1200" b="0" i="0" kern="1200" dirty="0">
+                <a:solidFill>
+                  <a:schemeClr val="tx1"/>
+                </a:solidFill>
+                <a:effectLst/>
+                <a:latin typeface="+mn-lt"/>
+                <a:ea typeface="+mn-ea"/>
+                <a:cs typeface="+mn-cs"/>
+              </a:rPr>
+              <a:t> is a type of event that can invoke handlers on multiple listeners in an element tree rather than just the object that raised the event. </a:t>
+            </a:r>
+            <a:endParaRPr lang="en-US" dirty="0"/>
+          </a:p>
+          <a:p>
+            <a:endParaRPr lang="en-US" dirty="0"/>
+          </a:p>
+          <a:p>
+            <a:r>
+              <a:rPr lang="en-US" dirty="0"/>
+              <a:t>2. </a:t>
+            </a:r>
+            <a:r>
+              <a:rPr lang="en-US" sz="1200" b="1" i="0" kern="1200" dirty="0">
+                <a:solidFill>
+                  <a:schemeClr val="tx1"/>
+                </a:solidFill>
+                <a:effectLst/>
+                <a:latin typeface="+mn-lt"/>
+                <a:ea typeface="+mn-ea"/>
+                <a:cs typeface="+mn-cs"/>
+              </a:rPr>
+              <a:t>Tunneling</a:t>
+            </a:r>
+            <a:r>
+              <a:rPr lang="en-US" sz="1200" b="0" i="0" kern="1200" dirty="0">
+                <a:solidFill>
+                  <a:schemeClr val="tx1"/>
+                </a:solidFill>
+                <a:effectLst/>
+                <a:latin typeface="+mn-lt"/>
+                <a:ea typeface="+mn-ea"/>
+                <a:cs typeface="+mn-cs"/>
+              </a:rPr>
+              <a:t> The event is raised on the root element and navigates down to the visual tree until it reaches the source element or until the tunneling is stopped by marking the event as </a:t>
+            </a:r>
+            <a:r>
+              <a:rPr lang="en-US" sz="1200" b="0" i="0" kern="1200" dirty="0" err="1">
+                <a:solidFill>
+                  <a:schemeClr val="tx1"/>
+                </a:solidFill>
+                <a:effectLst/>
+                <a:latin typeface="+mn-lt"/>
+                <a:ea typeface="+mn-ea"/>
+                <a:cs typeface="+mn-cs"/>
+              </a:rPr>
+              <a:t>handeld</a:t>
+            </a:r>
+            <a:r>
+              <a:rPr lang="en-US" sz="1200" b="0" i="0" kern="1200" dirty="0">
+                <a:solidFill>
+                  <a:schemeClr val="tx1"/>
+                </a:solidFill>
+                <a:effectLst/>
+                <a:latin typeface="+mn-lt"/>
+                <a:ea typeface="+mn-ea"/>
+                <a:cs typeface="+mn-cs"/>
+              </a:rPr>
+              <a:t>. By naming convention it is called </a:t>
+            </a:r>
+            <a:r>
+              <a:rPr lang="en-US" dirty="0"/>
+              <a:t>Preview...</a:t>
+            </a:r>
+            <a:r>
+              <a:rPr lang="en-US" sz="1200" b="0" i="0" kern="1200" dirty="0">
+                <a:solidFill>
+                  <a:schemeClr val="tx1"/>
+                </a:solidFill>
+                <a:effectLst/>
+                <a:latin typeface="+mn-lt"/>
+                <a:ea typeface="+mn-ea"/>
+                <a:cs typeface="+mn-cs"/>
+              </a:rPr>
+              <a:t> and appears before corresponding bubbling event.</a:t>
+            </a:r>
+          </a:p>
+          <a:p>
+            <a:endParaRPr lang="en-US" sz="1200" b="0" i="0" kern="1200" dirty="0">
+              <a:solidFill>
+                <a:schemeClr val="tx1"/>
+              </a:solidFill>
+              <a:effectLst/>
+              <a:latin typeface="+mn-lt"/>
+              <a:ea typeface="+mn-ea"/>
+              <a:cs typeface="+mn-cs"/>
+            </a:endParaRPr>
+          </a:p>
+          <a:p>
+            <a:r>
+              <a:rPr lang="en-US" sz="1200" b="0" i="0" kern="1200" dirty="0">
+                <a:solidFill>
+                  <a:schemeClr val="tx1"/>
+                </a:solidFill>
+                <a:effectLst/>
+                <a:latin typeface="+mn-lt"/>
+                <a:ea typeface="+mn-ea"/>
+                <a:cs typeface="+mn-cs"/>
+              </a:rPr>
+              <a:t>3. </a:t>
+            </a:r>
+            <a:r>
+              <a:rPr lang="en-US" sz="1200" b="1" i="0" kern="1200" dirty="0">
+                <a:solidFill>
+                  <a:schemeClr val="tx1"/>
+                </a:solidFill>
+                <a:effectLst/>
+                <a:latin typeface="+mn-lt"/>
+                <a:ea typeface="+mn-ea"/>
+                <a:cs typeface="+mn-cs"/>
+              </a:rPr>
+              <a:t>Bubbling</a:t>
+            </a:r>
+            <a:r>
+              <a:rPr lang="en-US" sz="1200" b="0" i="0" kern="1200" dirty="0">
+                <a:solidFill>
+                  <a:schemeClr val="tx1"/>
+                </a:solidFill>
+                <a:effectLst/>
+                <a:latin typeface="+mn-lt"/>
+                <a:ea typeface="+mn-ea"/>
+                <a:cs typeface="+mn-cs"/>
+              </a:rPr>
+              <a:t> The event is raised on the source element and navigates up to the visual tree until it reaches the root element or until the bubbling is stopped by marking the event as handled. The bubbling event is raised after the tunneling event.</a:t>
+            </a:r>
+          </a:p>
+          <a:p>
+            <a:endParaRPr lang="en-US" sz="1200" b="0" i="0" kern="1200" dirty="0">
+              <a:solidFill>
+                <a:schemeClr val="tx1"/>
+              </a:solidFill>
+              <a:effectLst/>
+              <a:latin typeface="+mn-lt"/>
+              <a:ea typeface="+mn-ea"/>
+              <a:cs typeface="+mn-cs"/>
+            </a:endParaRPr>
+          </a:p>
+          <a:p>
+            <a:endParaRPr lang="en-US" sz="1200" b="0" i="0" kern="1200" dirty="0">
+              <a:solidFill>
+                <a:schemeClr val="tx1"/>
+              </a:solidFill>
+              <a:effectLst/>
+              <a:latin typeface="+mn-lt"/>
+              <a:ea typeface="+mn-ea"/>
+              <a:cs typeface="+mn-cs"/>
+            </a:endParaRPr>
+          </a:p>
+          <a:p>
+            <a:r>
+              <a:rPr lang="en-US" sz="1200" b="0" i="0" kern="1200" dirty="0">
+                <a:solidFill>
+                  <a:schemeClr val="tx1"/>
+                </a:solidFill>
+                <a:effectLst/>
+                <a:latin typeface="+mn-lt"/>
+                <a:ea typeface="+mn-ea"/>
+                <a:cs typeface="+mn-cs"/>
+              </a:rPr>
+              <a:t>To stop routing then you have to set </a:t>
+            </a:r>
+            <a:r>
+              <a:rPr lang="en-US" dirty="0" err="1"/>
+              <a:t>e.Handled</a:t>
+            </a:r>
+            <a:r>
+              <a:rPr lang="en-US" dirty="0"/>
+              <a:t> = true;</a:t>
+            </a:r>
+          </a:p>
+        </p:txBody>
+      </p:sp>
+      <p:sp>
+        <p:nvSpPr>
+          <p:cNvPr id="4" name="Slide Number Placeholder 3"/>
+          <p:cNvSpPr>
+            <a:spLocks noGrp="1"/>
+          </p:cNvSpPr>
+          <p:nvPr>
+            <p:ph type="sldNum" sz="quarter" idx="5"/>
+          </p:nvPr>
+        </p:nvSpPr>
+        <p:spPr/>
+        <p:txBody>
+          <a:bodyPr/>
+          <a:lstStyle/>
+          <a:p>
+            <a:fld id="{E6532497-3FB9-4DCA-9824-DA2EA9A612CE}" type="slidenum">
+              <a:rPr lang="en-US" smtClean="0"/>
+              <a:t>16</a:t>
+            </a:fld>
+            <a:endParaRPr lang="en-US"/>
+          </a:p>
+        </p:txBody>
+      </p:sp>
+    </p:spTree>
+    <p:extLst>
+      <p:ext uri="{BB962C8B-B14F-4D97-AF65-F5344CB8AC3E}">
+        <p14:creationId xmlns:p14="http://schemas.microsoft.com/office/powerpoint/2010/main" val="3780686618"/>
+      </p:ext>
+    </p:extLst>
+  </p:cSld>
+  <p:clrMapOvr>
+    <a:masterClrMapping/>
+  </p:clrMapOvr>
+</p:notes>
+</file>
+
+<file path=ppt/notesSlides/notesSlide11.xml><?xml version="1.0" encoding="utf-8"?>
+<p:notes xmlns:a="http://schemas.openxmlformats.org/drawingml/2006/main" xmlns:r="http://schemas.openxmlformats.org/officeDocument/2006/relationships" xmlns:p="http://schemas.openxmlformats.org/presentationml/2006/main">
+  <p:cSld>
+    <p:spTree>
+      <p:nvGrpSpPr>
+        <p:cNvPr id="1" name=""/>
+        <p:cNvGrpSpPr/>
+        <p:nvPr/>
+      </p:nvGrpSpPr>
+      <p:grpSpPr>
+        <a:xfrm>
+          <a:off x="0" y="0"/>
+          <a:ext cx="0" cy="0"/>
+          <a:chOff x="0" y="0"/>
+          <a:chExt cx="0" cy="0"/>
+        </a:xfrm>
+      </p:grpSpPr>
+      <p:sp>
+        <p:nvSpPr>
+          <p:cNvPr id="2" name="Slide Image Placeholder 1"/>
+          <p:cNvSpPr>
+            <a:spLocks noGrp="1" noRot="1" noChangeAspect="1"/>
+          </p:cNvSpPr>
+          <p:nvPr>
+            <p:ph type="sldImg"/>
+          </p:nvPr>
+        </p:nvSpPr>
+        <p:spPr/>
+      </p:sp>
+      <p:sp>
+        <p:nvSpPr>
+          <p:cNvPr id="3" name="Notes Placeholder 2"/>
+          <p:cNvSpPr>
+            <a:spLocks noGrp="1"/>
+          </p:cNvSpPr>
+          <p:nvPr>
+            <p:ph type="body" idx="1"/>
+          </p:nvPr>
+        </p:nvSpPr>
+        <p:spPr/>
+        <p:txBody>
+          <a:bodyPr/>
+          <a:lstStyle/>
+          <a:p>
             <a:pPr marL="0" marR="0" lvl="0" indent="0" algn="l" defTabSz="914400" rtl="0" eaLnBrk="1" fontAlgn="auto" latinLnBrk="0" hangingPunct="1">
               <a:lnSpc>
                 <a:spcPct val="100000"/>
@@ -723,7 +1011,7 @@
           <a:p>
             <a:fld id="{E6532497-3FB9-4DCA-9824-DA2EA9A612CE}" type="slidenum">
               <a:rPr lang="en-US" smtClean="0"/>
-              <a:t>19</a:t>
+              <a:t>21</a:t>
             </a:fld>
             <a:endParaRPr lang="en-US"/>
           </a:p>
@@ -1562,7 +1850,7 @@
           <a:p>
             <a:fld id="{E6532497-3FB9-4DCA-9824-DA2EA9A612CE}" type="slidenum">
               <a:rPr lang="en-US" smtClean="0"/>
-              <a:t>3</a:t>
+              <a:t>4</a:t>
             </a:fld>
             <a:endParaRPr lang="en-US"/>
           </a:p>
@@ -1571,7 +1859,7 @@
     </p:spTree>
     <p:extLst>
       <p:ext uri="{BB962C8B-B14F-4D97-AF65-F5344CB8AC3E}">
-        <p14:creationId xmlns:p14="http://schemas.microsoft.com/office/powerpoint/2010/main" val="2059023489"/>
+        <p14:creationId xmlns:p14="http://schemas.microsoft.com/office/powerpoint/2010/main" val="92865699"/>
       </p:ext>
     </p:extLst>
   </p:cSld>
@@ -1625,53 +1913,7 @@
           <a:bodyPr/>
           <a:lstStyle/>
           <a:p>
-            <a:r>
-              <a:rPr lang="en-US" dirty="0"/>
-              <a:t>WPF uses vector rendering engine which uses the hardware acceleration of modern graphic card.</a:t>
-            </a:r>
-          </a:p>
-          <a:p>
             <a:endParaRPr lang="en-US" dirty="0"/>
-          </a:p>
-          <a:p>
-            <a:r>
-              <a:rPr lang="en-US" dirty="0"/>
-              <a:t>There are 2 types of documents supported by WPF:</a:t>
-            </a:r>
-          </a:p>
-          <a:p>
-            <a:pPr marL="228600" indent="-228600">
-              <a:buAutoNum type="arabicPeriod"/>
-            </a:pPr>
-            <a:r>
-              <a:rPr lang="en-US" dirty="0"/>
-              <a:t>Fixed document : </a:t>
-            </a:r>
-            <a:r>
-              <a:rPr lang="en-US" sz="1200" b="0" i="0" kern="1200" dirty="0">
-                <a:solidFill>
-                  <a:schemeClr val="tx1"/>
-                </a:solidFill>
-                <a:effectLst/>
-                <a:latin typeface="+mn-lt"/>
-                <a:ea typeface="+mn-ea"/>
-                <a:cs typeface="+mn-cs"/>
-              </a:rPr>
-              <a:t>They are XPS (Open XML Paper Specification) based fixed type set documents which are print ready. </a:t>
-            </a:r>
-            <a:br>
-              <a:rPr lang="en-US" dirty="0"/>
-            </a:br>
-            <a:endParaRPr lang="en-US" dirty="0"/>
-          </a:p>
-          <a:p>
-            <a:pPr marL="228600" indent="-228600">
-              <a:buAutoNum type="arabicPeriod"/>
-            </a:pPr>
-            <a:r>
-              <a:rPr lang="en-US" dirty="0"/>
-              <a:t>Flow document</a:t>
-            </a:r>
           </a:p>
         </p:txBody>
       </p:sp>
@@ -1692,7 +1934,7 @@
           <a:p>
             <a:fld id="{E6532497-3FB9-4DCA-9824-DA2EA9A612CE}" type="slidenum">
               <a:rPr lang="en-US" smtClean="0"/>
-              <a:t>7</a:t>
+              <a:t>5</a:t>
             </a:fld>
             <a:endParaRPr lang="en-US"/>
           </a:p>
@@ -1701,7 +1943,7 @@
     </p:spTree>
     <p:extLst>
       <p:ext uri="{BB962C8B-B14F-4D97-AF65-F5344CB8AC3E}">
-        <p14:creationId xmlns:p14="http://schemas.microsoft.com/office/powerpoint/2010/main" val="112658866"/>
+        <p14:creationId xmlns:p14="http://schemas.microsoft.com/office/powerpoint/2010/main" val="2059023489"/>
       </p:ext>
     </p:extLst>
   </p:cSld>
@@ -1756,6 +1998,28 @@
           <a:lstStyle/>
           <a:p>
             <a:r>
+              <a:rPr lang="en-US" dirty="0"/>
+              <a:t>WPF uses vector rendering engine which uses the hardware acceleration of modern graphic card.</a:t>
+            </a:r>
+          </a:p>
+          <a:p>
+            <a:endParaRPr lang="en-US" dirty="0"/>
+          </a:p>
+          <a:p>
+            <a:r>
+              <a:rPr lang="en-US" dirty="0"/>
+              <a:t>There are 2 types of documents supported by WPF:</a:t>
+            </a:r>
+          </a:p>
+          <a:p>
+            <a:pPr marL="228600" indent="-228600">
+              <a:buAutoNum type="arabicPeriod"/>
+            </a:pPr>
+            <a:r>
+              <a:rPr lang="en-US" dirty="0"/>
+              <a:t>Fixed document : </a:t>
+            </a:r>
+            <a:r>
               <a:rPr lang="en-US" sz="1200" b="0" i="0" kern="1200" dirty="0">
                 <a:solidFill>
                   <a:schemeClr val="tx1"/>
@@ -1765,9 +2029,21 @@
                 <a:ea typeface="+mn-ea"/>
                 <a:cs typeface="+mn-cs"/>
               </a:rPr>
-              <a:t>Resolution Independent : All measures in WPF are logical units - not pixels. A logical unit is a 1/96 of an inch.</a:t>
-            </a:r>
+              <a:t>They are XPS (Open XML Paper Specification) based fixed type set documents which are print ready. </a:t>
+            </a:r>
+            <a:br>
+              <a:rPr lang="en-US" dirty="0"/>
+            </a:br>
             <a:endParaRPr lang="en-US" dirty="0"/>
+          </a:p>
+          <a:p>
+            <a:pPr marL="228600" indent="-228600">
+              <a:buAutoNum type="arabicPeriod"/>
+            </a:pPr>
+            <a:r>
+              <a:rPr lang="en-US" dirty="0"/>
+              <a:t>Flow document</a:t>
+            </a:r>
           </a:p>
         </p:txBody>
       </p:sp>
@@ -1797,7 +2073,7 @@
     </p:spTree>
     <p:extLst>
       <p:ext uri="{BB962C8B-B14F-4D97-AF65-F5344CB8AC3E}">
-        <p14:creationId xmlns:p14="http://schemas.microsoft.com/office/powerpoint/2010/main" val="3145991344"/>
+        <p14:creationId xmlns:p14="http://schemas.microsoft.com/office/powerpoint/2010/main" val="112658866"/>
       </p:ext>
     </p:extLst>
   </p:cSld>
@@ -1852,17 +2128,18 @@
           <a:lstStyle/>
           <a:p>
             <a:r>
-              <a:rPr lang="en-US" dirty="0"/>
-              <a:t>If you want to use another file’s info, you need to add namespace first - </a:t>
-            </a:r>
-            <a:r>
-              <a:rPr lang="en-US" dirty="0" err="1"/>
-              <a:t>xmlns</a:t>
-            </a:r>
-            <a:r>
-              <a:rPr lang="en-US" dirty="0"/>
-              <a:t>.</a:t>
-            </a:r>
+              <a:rPr lang="en-US" sz="1200" b="0" i="0" kern="1200" dirty="0">
+                <a:solidFill>
+                  <a:schemeClr val="tx1"/>
+                </a:solidFill>
+                <a:effectLst/>
+                <a:latin typeface="+mn-lt"/>
+                <a:ea typeface="+mn-ea"/>
+                <a:cs typeface="+mn-cs"/>
+              </a:rPr>
+              <a:t>Resolution Independent : All measures in WPF are logical units - not pixels. A logical unit is a 1/96 of an inch.</a:t>
+            </a:r>
+            <a:endParaRPr lang="en-US" dirty="0"/>
           </a:p>
         </p:txBody>
       </p:sp>
@@ -1883,7 +2160,7 @@
           <a:p>
             <a:fld id="{E6532497-3FB9-4DCA-9824-DA2EA9A612CE}" type="slidenum">
               <a:rPr lang="en-US" smtClean="0"/>
-              <a:t>10</a:t>
+              <a:t>11</a:t>
             </a:fld>
             <a:endParaRPr lang="en-US"/>
           </a:p>
@@ -1892,7 +2169,7 @@
     </p:spTree>
     <p:extLst>
       <p:ext uri="{BB962C8B-B14F-4D97-AF65-F5344CB8AC3E}">
-        <p14:creationId xmlns:p14="http://schemas.microsoft.com/office/powerpoint/2010/main" val="1233536208"/>
+        <p14:creationId xmlns:p14="http://schemas.microsoft.com/office/powerpoint/2010/main" val="3145991344"/>
       </p:ext>
     </p:extLst>
   </p:cSld>
@@ -1946,39 +2223,18 @@
           <a:bodyPr/>
           <a:lstStyle/>
           <a:p>
-            <a:pPr marL="0" marR="0" lvl="0" indent="0" algn="l" defTabSz="914400" rtl="0" eaLnBrk="1" fontAlgn="auto" latinLnBrk="0" hangingPunct="1">
-              <a:lnSpc>
-                <a:spcPct val="100000"/>
-              </a:lnSpc>
-              <a:spcBef>
-                <a:spcPts val="0"/>
-              </a:spcBef>
-              <a:spcAft>
-                <a:spcPts val="0"/>
-              </a:spcAft>
-              <a:buClrTx/>
-              <a:buSzTx/>
-              <a:buFontTx/>
-              <a:buNone/>
-              <a:tabLst/>
-              <a:defRPr/>
-            </a:pPr>
-            <a:r>
-              <a:rPr lang="en-US" sz="1200" b="0" i="0" kern="1200" dirty="0">
-                <a:solidFill>
-                  <a:schemeClr val="tx1"/>
-                </a:solidFill>
-                <a:effectLst/>
-                <a:latin typeface="+mn-lt"/>
-                <a:ea typeface="+mn-ea"/>
-                <a:cs typeface="+mn-cs"/>
-              </a:rPr>
-              <a:t>The purpose of dependency properties is to provide a way to compute the value of a property based on the value of other inputs. These other inputs might include system properties such as themes and user preference, just-in-time property determination mechanisms such as data binding and animations/storyboards, multiple-use templates such as resources and styles, or values known through parent-child relationships with other elements in the element tree. In addition, a dependency property can be implemented to provide self-contained validation, default values, callbacks that monitor changes to other properties, and a system that can coerce property values based on potentially runtime information. </a:t>
-            </a:r>
-            <a:endParaRPr lang="en-US" dirty="0"/>
-          </a:p>
-          <a:p>
-            <a:endParaRPr lang="en-US" dirty="0"/>
+            <a:r>
+              <a:rPr lang="en-US" dirty="0"/>
+              <a:t>If you want to use another file’s info, you need to add namespace first - </a:t>
+            </a:r>
+            <a:r>
+              <a:rPr lang="en-US" dirty="0" err="1"/>
+              <a:t>xmlns</a:t>
+            </a:r>
+            <a:r>
+              <a:rPr lang="en-US" dirty="0"/>
+              <a:t>.</a:t>
+            </a:r>
           </a:p>
         </p:txBody>
       </p:sp>
@@ -1999,7 +2255,7 @@
           <a:p>
             <a:fld id="{E6532497-3FB9-4DCA-9824-DA2EA9A612CE}" type="slidenum">
               <a:rPr lang="en-US" smtClean="0"/>
-              <a:t>11</a:t>
+              <a:t>12</a:t>
             </a:fld>
             <a:endParaRPr lang="en-US"/>
           </a:p>
@@ -2008,7 +2264,7 @@
     </p:spTree>
     <p:extLst>
       <p:ext uri="{BB962C8B-B14F-4D97-AF65-F5344CB8AC3E}">
-        <p14:creationId xmlns:p14="http://schemas.microsoft.com/office/powerpoint/2010/main" val="3354552481"/>
+        <p14:creationId xmlns:p14="http://schemas.microsoft.com/office/powerpoint/2010/main" val="1233536208"/>
       </p:ext>
     </p:extLst>
   </p:cSld>
@@ -2062,6 +2318,38 @@
           <a:bodyPr/>
           <a:lstStyle/>
           <a:p>
+            <a:pPr marL="0" marR="0" lvl="0" indent="0" algn="l" defTabSz="914400" rtl="0" eaLnBrk="1" fontAlgn="auto" latinLnBrk="0" hangingPunct="1">
+              <a:lnSpc>
+                <a:spcPct val="100000"/>
+              </a:lnSpc>
+              <a:spcBef>
+                <a:spcPts val="0"/>
+              </a:spcBef>
+              <a:spcAft>
+                <a:spcPts val="0"/>
+              </a:spcAft>
+              <a:buClrTx/>
+              <a:buSzTx/>
+              <a:buFontTx/>
+              <a:buNone/>
+              <a:tabLst/>
+              <a:defRPr/>
+            </a:pPr>
+            <a:r>
+              <a:rPr lang="en-US" sz="1200" b="0" i="0" kern="1200" dirty="0">
+                <a:solidFill>
+                  <a:schemeClr val="tx1"/>
+                </a:solidFill>
+                <a:effectLst/>
+                <a:latin typeface="+mn-lt"/>
+                <a:ea typeface="+mn-ea"/>
+                <a:cs typeface="+mn-cs"/>
+              </a:rPr>
+              <a:t>The purpose of dependency properties is to provide a way to compute the value of a property based on the value of other inputs. These other inputs might include system properties such as themes and user preference, just-in-time property determination mechanisms such as data binding and animations/storyboards, multiple-use templates such as resources and styles, or values known through parent-child relationships with other elements in the element tree. In addition, a dependency property can be implemented to provide self-contained validation, default values, callbacks that monitor changes to other properties, and a system that can coerce property values based on potentially runtime information. </a:t>
+            </a:r>
+            <a:endParaRPr lang="en-US" dirty="0"/>
+          </a:p>
+          <a:p>
             <a:endParaRPr lang="en-US" dirty="0"/>
           </a:p>
         </p:txBody>
@@ -2083,7 +2371,7 @@
           <a:p>
             <a:fld id="{E6532497-3FB9-4DCA-9824-DA2EA9A612CE}" type="slidenum">
               <a:rPr lang="en-US" smtClean="0"/>
-              <a:t>12</a:t>
+              <a:t>13</a:t>
             </a:fld>
             <a:endParaRPr lang="en-US"/>
           </a:p>
@@ -2092,7 +2380,7 @@
     </p:spTree>
     <p:extLst>
       <p:ext uri="{BB962C8B-B14F-4D97-AF65-F5344CB8AC3E}">
-        <p14:creationId xmlns:p14="http://schemas.microsoft.com/office/powerpoint/2010/main" val="909798280"/>
+        <p14:creationId xmlns:p14="http://schemas.microsoft.com/office/powerpoint/2010/main" val="3354552481"/>
       </p:ext>
     </p:extLst>
   </p:cSld>
@@ -2146,209 +2434,7 @@
           <a:bodyPr/>
           <a:lstStyle/>
           <a:p>
-            <a:r>
-              <a:rPr lang="en-US" sz="1200" b="0" i="0" kern="1200" dirty="0">
-                <a:solidFill>
-                  <a:schemeClr val="tx1"/>
-                </a:solidFill>
-                <a:effectLst/>
-                <a:latin typeface="+mn-lt"/>
-                <a:ea typeface="+mn-ea"/>
-                <a:cs typeface="+mn-cs"/>
-              </a:rPr>
-              <a:t>A </a:t>
-            </a:r>
-            <a:r>
-              <a:rPr lang="en-US" sz="1200" b="1" i="0" kern="1200" dirty="0">
-                <a:solidFill>
-                  <a:schemeClr val="tx1"/>
-                </a:solidFill>
-                <a:effectLst/>
-                <a:latin typeface="+mn-lt"/>
-                <a:ea typeface="+mn-ea"/>
-                <a:cs typeface="+mn-cs"/>
-              </a:rPr>
-              <a:t>routed event</a:t>
-            </a:r>
-            <a:r>
-              <a:rPr lang="en-US" sz="1200" b="0" i="0" kern="1200" dirty="0">
-                <a:solidFill>
-                  <a:schemeClr val="tx1"/>
-                </a:solidFill>
-                <a:effectLst/>
-                <a:latin typeface="+mn-lt"/>
-                <a:ea typeface="+mn-ea"/>
-                <a:cs typeface="+mn-cs"/>
-              </a:rPr>
-              <a:t> is a type of event that can invoke handlers on multiple listeners in an element tree rather than just the object that raised the event. </a:t>
-            </a:r>
             <a:endParaRPr lang="en-US" dirty="0"/>
-          </a:p>
-          <a:p>
-            <a:endParaRPr lang="en-US" dirty="0"/>
-          </a:p>
-          <a:p>
-            <a:r>
-              <a:rPr lang="en-US" dirty="0"/>
-              <a:t>2. </a:t>
-            </a:r>
-            <a:r>
-              <a:rPr lang="en-US" sz="1200" b="1" i="0" kern="1200" dirty="0">
-                <a:solidFill>
-                  <a:schemeClr val="tx1"/>
-                </a:solidFill>
-                <a:effectLst/>
-                <a:latin typeface="+mn-lt"/>
-                <a:ea typeface="+mn-ea"/>
-                <a:cs typeface="+mn-cs"/>
-              </a:rPr>
-              <a:t>Tunneling</a:t>
-            </a:r>
-            <a:r>
-              <a:rPr lang="en-US" sz="1200" b="0" i="0" kern="1200" dirty="0">
-                <a:solidFill>
-                  <a:schemeClr val="tx1"/>
-                </a:solidFill>
-                <a:effectLst/>
-                <a:latin typeface="+mn-lt"/>
-                <a:ea typeface="+mn-ea"/>
-                <a:cs typeface="+mn-cs"/>
-              </a:rPr>
-              <a:t> The event is raised on the root element and navigates down to the visual tree until it reaches the source element or until the tunneling is stopped by marking the event as </a:t>
-            </a:r>
-            <a:r>
-              <a:rPr lang="en-US" sz="1200" b="0" i="0" kern="1200" dirty="0" err="1">
-                <a:solidFill>
-                  <a:schemeClr val="tx1"/>
-                </a:solidFill>
-                <a:effectLst/>
-                <a:latin typeface="+mn-lt"/>
-                <a:ea typeface="+mn-ea"/>
-                <a:cs typeface="+mn-cs"/>
-              </a:rPr>
-              <a:t>handeld</a:t>
-            </a:r>
-            <a:r>
-              <a:rPr lang="en-US" sz="1200" b="0" i="0" kern="1200" dirty="0">
-                <a:solidFill>
-                  <a:schemeClr val="tx1"/>
-                </a:solidFill>
-                <a:effectLst/>
-                <a:latin typeface="+mn-lt"/>
-                <a:ea typeface="+mn-ea"/>
-                <a:cs typeface="+mn-cs"/>
-              </a:rPr>
-              <a:t>. By naming convention it is called </a:t>
-            </a:r>
-            <a:r>
-              <a:rPr lang="en-US" dirty="0"/>
-              <a:t>Preview...</a:t>
-            </a:r>
-            <a:r>
-              <a:rPr lang="en-US" sz="1200" b="0" i="0" kern="1200" dirty="0">
-                <a:solidFill>
-                  <a:schemeClr val="tx1"/>
-                </a:solidFill>
-                <a:effectLst/>
-                <a:latin typeface="+mn-lt"/>
-                <a:ea typeface="+mn-ea"/>
-                <a:cs typeface="+mn-cs"/>
-              </a:rPr>
-              <a:t> and appears before corresponding bubbling event.</a:t>
-            </a:r>
-          </a:p>
-          <a:p>
-            <a:endParaRPr lang="en-US" sz="1200" b="0" i="0" kern="1200" dirty="0">
-              <a:solidFill>
-                <a:schemeClr val="tx1"/>
-              </a:solidFill>
-              <a:effectLst/>
-              <a:latin typeface="+mn-lt"/>
-              <a:ea typeface="+mn-ea"/>
-              <a:cs typeface="+mn-cs"/>
-            </a:endParaRPr>
-          </a:p>
-          <a:p>
-            <a:r>
-              <a:rPr lang="en-US" sz="1200" b="0" i="0" kern="1200" dirty="0">
-                <a:solidFill>
-                  <a:schemeClr val="tx1"/>
-                </a:solidFill>
-                <a:effectLst/>
-                <a:latin typeface="+mn-lt"/>
-                <a:ea typeface="+mn-ea"/>
-                <a:cs typeface="+mn-cs"/>
-              </a:rPr>
-              <a:t>3. </a:t>
-            </a:r>
-            <a:r>
-              <a:rPr lang="en-US" sz="1200" b="1" i="0" kern="1200" dirty="0">
-                <a:solidFill>
-                  <a:schemeClr val="tx1"/>
-                </a:solidFill>
-                <a:effectLst/>
-                <a:latin typeface="+mn-lt"/>
-                <a:ea typeface="+mn-ea"/>
-                <a:cs typeface="+mn-cs"/>
-              </a:rPr>
-              <a:t>Bubbling</a:t>
-            </a:r>
-            <a:r>
-              <a:rPr lang="en-US" sz="1200" b="0" i="0" kern="1200" dirty="0">
-                <a:solidFill>
-                  <a:schemeClr val="tx1"/>
-                </a:solidFill>
-                <a:effectLst/>
-                <a:latin typeface="+mn-lt"/>
-                <a:ea typeface="+mn-ea"/>
-                <a:cs typeface="+mn-cs"/>
-              </a:rPr>
-              <a:t> The event is raised on the source element and navigates up to the visual tree until it reaches the root element or until the bubbling is stopped by marking the event as handled. The bubbling event is raised after the tunneling event.</a:t>
-            </a:r>
-          </a:p>
-          <a:p>
-            <a:endParaRPr lang="en-US" sz="1200" b="0" i="0" kern="1200" dirty="0">
-              <a:solidFill>
-                <a:schemeClr val="tx1"/>
-              </a:solidFill>
-              <a:effectLst/>
-              <a:latin typeface="+mn-lt"/>
-              <a:ea typeface="+mn-ea"/>
-              <a:cs typeface="+mn-cs"/>
-            </a:endParaRPr>
-          </a:p>
-          <a:p>
-            <a:endParaRPr lang="en-US" sz="1200" b="0" i="0" kern="1200" dirty="0">
-              <a:solidFill>
-                <a:schemeClr val="tx1"/>
-              </a:solidFill>
-              <a:effectLst/>
-              <a:latin typeface="+mn-lt"/>
-              <a:ea typeface="+mn-ea"/>
-              <a:cs typeface="+mn-cs"/>
-            </a:endParaRPr>
-          </a:p>
-          <a:p>
-            <a:r>
-              <a:rPr lang="en-US" sz="1200" b="0" i="0" kern="1200" dirty="0">
-                <a:solidFill>
-                  <a:schemeClr val="tx1"/>
-                </a:solidFill>
-                <a:effectLst/>
-                <a:latin typeface="+mn-lt"/>
-                <a:ea typeface="+mn-ea"/>
-                <a:cs typeface="+mn-cs"/>
-              </a:rPr>
-              <a:t>To stop routing then you have to set </a:t>
-            </a:r>
-            <a:r>
-              <a:rPr lang="en-US" dirty="0" err="1"/>
-              <a:t>e.Handled</a:t>
-            </a:r>
-            <a:r>
-              <a:rPr lang="en-US" dirty="0"/>
-              <a:t> = true;</a:t>
-            </a:r>
           </a:p>
         </p:txBody>
       </p:sp>
@@ -2378,7 +2464,7 @@
     </p:spTree>
     <p:extLst>
       <p:ext uri="{BB962C8B-B14F-4D97-AF65-F5344CB8AC3E}">
-        <p14:creationId xmlns:p14="http://schemas.microsoft.com/office/powerpoint/2010/main" val="3780686618"/>
+        <p14:creationId xmlns:p14="http://schemas.microsoft.com/office/powerpoint/2010/main" val="909798280"/>
       </p:ext>
     </p:extLst>
   </p:cSld>
@@ -2633,7 +2719,7 @@
           <a:p>
             <a:fld id="{C5C6E621-F223-41F5-8420-74EB8708A5A2}" type="datetimeFigureOut">
               <a:rPr lang="en-US" smtClean="0"/>
-              <a:t>5/26/2019</a:t>
+              <a:t>10/20/2020</a:t>
             </a:fld>
             <a:endParaRPr lang="en-US"/>
           </a:p>
@@ -2895,7 +2981,7 @@
           <a:p>
             <a:fld id="{C5C6E621-F223-41F5-8420-74EB8708A5A2}" type="datetimeFigureOut">
               <a:rPr lang="en-US" smtClean="0"/>
-              <a:t>5/26/2019</a:t>
+              <a:t>10/20/2020</a:t>
             </a:fld>
             <a:endParaRPr lang="en-US"/>
           </a:p>
@@ -3130,7 +3216,7 @@
           <a:p>
             <a:fld id="{C5C6E621-F223-41F5-8420-74EB8708A5A2}" type="datetimeFigureOut">
               <a:rPr lang="en-US" smtClean="0"/>
-              <a:t>5/26/2019</a:t>
+              <a:t>10/20/2020</a:t>
             </a:fld>
             <a:endParaRPr lang="en-US"/>
           </a:p>
@@ -3370,7 +3456,7 @@
           <a:p>
             <a:fld id="{C5C6E621-F223-41F5-8420-74EB8708A5A2}" type="datetimeFigureOut">
               <a:rPr lang="en-US" smtClean="0"/>
-              <a:t>5/26/2019</a:t>
+              <a:t>10/20/2020</a:t>
             </a:fld>
             <a:endParaRPr lang="en-US"/>
           </a:p>
@@ -3677,7 +3763,7 @@
           <a:p>
             <a:fld id="{C5C6E621-F223-41F5-8420-74EB8708A5A2}" type="datetimeFigureOut">
               <a:rPr lang="en-US" smtClean="0"/>
-              <a:t>5/26/2019</a:t>
+              <a:t>10/20/2020</a:t>
             </a:fld>
             <a:endParaRPr lang="en-US"/>
           </a:p>
@@ -3979,7 +4065,7 @@
           <a:p>
             <a:fld id="{C5C6E621-F223-41F5-8420-74EB8708A5A2}" type="datetimeFigureOut">
               <a:rPr lang="en-US" smtClean="0"/>
-              <a:t>5/26/2019</a:t>
+              <a:t>10/20/2020</a:t>
             </a:fld>
             <a:endParaRPr lang="en-US"/>
           </a:p>
@@ -4401,7 +4487,7 @@
           <a:p>
             <a:fld id="{C5C6E621-F223-41F5-8420-74EB8708A5A2}" type="datetimeFigureOut">
               <a:rPr lang="en-US" smtClean="0"/>
-              <a:t>5/26/2019</a:t>
+              <a:t>10/20/2020</a:t>
             </a:fld>
             <a:endParaRPr lang="en-US"/>
           </a:p>
@@ -4563,7 +4649,7 @@
           <a:p>
             <a:fld id="{C5C6E621-F223-41F5-8420-74EB8708A5A2}" type="datetimeFigureOut">
               <a:rPr lang="en-US" smtClean="0"/>
-              <a:t>5/26/2019</a:t>
+              <a:t>10/20/2020</a:t>
             </a:fld>
             <a:endParaRPr lang="en-US"/>
           </a:p>
@@ -4658,7 +4744,7 @@
           <a:p>
             <a:fld id="{C5C6E621-F223-41F5-8420-74EB8708A5A2}" type="datetimeFigureOut">
               <a:rPr lang="en-US" smtClean="0"/>
-              <a:t>5/26/2019</a:t>
+              <a:t>10/20/2020</a:t>
             </a:fld>
             <a:endParaRPr lang="en-US"/>
           </a:p>
@@ -5036,7 +5122,7 @@
           <a:p>
             <a:fld id="{C5C6E621-F223-41F5-8420-74EB8708A5A2}" type="datetimeFigureOut">
               <a:rPr lang="en-US" smtClean="0"/>
-              <a:t>5/26/2019</a:t>
+              <a:t>10/20/2020</a:t>
             </a:fld>
             <a:endParaRPr lang="en-US"/>
           </a:p>
@@ -5325,7 +5411,7 @@
           <a:p>
             <a:fld id="{C5C6E621-F223-41F5-8420-74EB8708A5A2}" type="datetimeFigureOut">
               <a:rPr lang="en-US" smtClean="0"/>
-              <a:t>5/26/2019</a:t>
+              <a:t>10/20/2020</a:t>
             </a:fld>
             <a:endParaRPr lang="en-US"/>
           </a:p>
@@ -5536,7 +5622,7 @@
           <a:p>
             <a:fld id="{C5C6E621-F223-41F5-8420-74EB8708A5A2}" type="datetimeFigureOut">
               <a:rPr lang="en-US" smtClean="0"/>
-              <a:t>5/26/2019</a:t>
+              <a:t>10/20/2020</a:t>
             </a:fld>
             <a:endParaRPr lang="en-US"/>
           </a:p>
@@ -6196,7 +6282,7 @@
             </a:r>
             <a:r>
               <a:rPr lang="en-US" dirty="0"/>
-              <a:t> framework 3.0</a:t>
+              <a:t> framework 3.5</a:t>
             </a:r>
           </a:p>
         </p:txBody>
@@ -6579,6 +6665,1103 @@
 </file>
 
 <file path=ppt/slides/slide10.xml><?xml version="1.0" encoding="utf-8"?>
+<p:sld xmlns:a="http://schemas.openxmlformats.org/drawingml/2006/main" xmlns:r="http://schemas.openxmlformats.org/officeDocument/2006/relationships" xmlns:p="http://schemas.openxmlformats.org/presentationml/2006/main">
+  <p:cSld>
+    <p:spTree>
+      <p:nvGrpSpPr>
+        <p:cNvPr id="1" name=""/>
+        <p:cNvGrpSpPr/>
+        <p:nvPr/>
+      </p:nvGrpSpPr>
+      <p:grpSpPr>
+        <a:xfrm>
+          <a:off x="0" y="0"/>
+          <a:ext cx="0" cy="0"/>
+          <a:chOff x="0" y="0"/>
+          <a:chExt cx="0" cy="0"/>
+        </a:xfrm>
+      </p:grpSpPr>
+      <p:sp>
+        <p:nvSpPr>
+          <p:cNvPr id="2" name="Title 1">
+            <a:extLst>
+              <a:ext uri="{FF2B5EF4-FFF2-40B4-BE49-F238E27FC236}">
+                <a16:creationId xmlns:a16="http://schemas.microsoft.com/office/drawing/2014/main" id="{98AE3BDA-62F1-48C0-A34F-10CCD6897A5E}"/>
+              </a:ext>
+            </a:extLst>
+          </p:cNvPr>
+          <p:cNvSpPr>
+            <a:spLocks noGrp="1"/>
+          </p:cNvSpPr>
+          <p:nvPr>
+            <p:ph type="title"/>
+          </p:nvPr>
+        </p:nvSpPr>
+        <p:spPr/>
+        <p:txBody>
+          <a:bodyPr/>
+          <a:lstStyle/>
+          <a:p>
+            <a:r>
+              <a:rPr lang="en-US" b="1" dirty="0"/>
+              <a:t>Separation of Appearance and Behavior</a:t>
+            </a:r>
+            <a:endParaRPr lang="en-US" dirty="0"/>
+          </a:p>
+        </p:txBody>
+      </p:sp>
+      <p:sp>
+        <p:nvSpPr>
+          <p:cNvPr id="3" name="Content Placeholder 2">
+            <a:extLst>
+              <a:ext uri="{FF2B5EF4-FFF2-40B4-BE49-F238E27FC236}">
+                <a16:creationId xmlns:a16="http://schemas.microsoft.com/office/drawing/2014/main" id="{C02A9C6F-DFE5-4310-9481-92D5AF26050C}"/>
+              </a:ext>
+            </a:extLst>
+          </p:cNvPr>
+          <p:cNvSpPr>
+            <a:spLocks noGrp="1"/>
+          </p:cNvSpPr>
+          <p:nvPr>
+            <p:ph idx="1"/>
+          </p:nvPr>
+        </p:nvSpPr>
+        <p:spPr/>
+        <p:txBody>
+          <a:bodyPr>
+            <a:normAutofit/>
+          </a:bodyPr>
+          <a:lstStyle/>
+          <a:p>
+            <a:pPr marL="0" indent="0">
+              <a:buNone/>
+            </a:pPr>
+            <a:r>
+              <a:rPr lang="en-US" dirty="0"/>
+              <a:t>Every View screen  has two files</a:t>
+            </a:r>
+          </a:p>
+          <a:p>
+            <a:pPr marL="0" indent="0">
+              <a:buNone/>
+            </a:pPr>
+            <a:r>
+              <a:rPr lang="en-US" dirty="0"/>
+              <a:t>	1. XAML </a:t>
+            </a:r>
+          </a:p>
+          <a:p>
+            <a:pPr marL="0" indent="0">
+              <a:buNone/>
+            </a:pPr>
+            <a:r>
+              <a:rPr lang="en-US" dirty="0"/>
+              <a:t>	2. .cs File</a:t>
+            </a:r>
+          </a:p>
+          <a:p>
+            <a:pPr marL="0" indent="0">
+              <a:buNone/>
+            </a:pPr>
+            <a:endParaRPr lang="en-US" dirty="0"/>
+          </a:p>
+          <a:p>
+            <a:pPr marL="0" indent="0">
+              <a:buNone/>
+            </a:pPr>
+            <a:r>
+              <a:rPr lang="en-US" dirty="0"/>
+              <a:t>Benefits:</a:t>
+            </a:r>
+          </a:p>
+          <a:p>
+            <a:r>
+              <a:rPr lang="en-US" sz="1800" dirty="0"/>
+              <a:t>Appearance and behavior are loosely coupled</a:t>
+            </a:r>
+          </a:p>
+          <a:p>
+            <a:r>
+              <a:rPr lang="en-US" sz="1800" dirty="0"/>
+              <a:t>Designers and developers can work on separate models.</a:t>
+            </a:r>
+          </a:p>
+        </p:txBody>
+      </p:sp>
+    </p:spTree>
+    <p:extLst>
+      <p:ext uri="{BB962C8B-B14F-4D97-AF65-F5344CB8AC3E}">
+        <p14:creationId xmlns:p14="http://schemas.microsoft.com/office/powerpoint/2010/main" val="640307417"/>
+      </p:ext>
+    </p:extLst>
+  </p:cSld>
+  <p:clrMapOvr>
+    <a:masterClrMapping/>
+  </p:clrMapOvr>
+</p:sld>
+</file>
+
+<file path=ppt/slides/slide11.xml><?xml version="1.0" encoding="utf-8"?>
+<p:sld xmlns:a="http://schemas.openxmlformats.org/drawingml/2006/main" xmlns:r="http://schemas.openxmlformats.org/officeDocument/2006/relationships" xmlns:p="http://schemas.openxmlformats.org/presentationml/2006/main">
+  <p:cSld>
+    <p:spTree>
+      <p:nvGrpSpPr>
+        <p:cNvPr id="1" name=""/>
+        <p:cNvGrpSpPr/>
+        <p:nvPr/>
+      </p:nvGrpSpPr>
+      <p:grpSpPr>
+        <a:xfrm>
+          <a:off x="0" y="0"/>
+          <a:ext cx="0" cy="0"/>
+          <a:chOff x="0" y="0"/>
+          <a:chExt cx="0" cy="0"/>
+        </a:xfrm>
+      </p:grpSpPr>
+      <p:sp>
+        <p:nvSpPr>
+          <p:cNvPr id="2" name="Title 1">
+            <a:extLst>
+              <a:ext uri="{FF2B5EF4-FFF2-40B4-BE49-F238E27FC236}">
+                <a16:creationId xmlns:a16="http://schemas.microsoft.com/office/drawing/2014/main" id="{614C9108-D82D-43DE-A35E-E2E57FC0ED55}"/>
+              </a:ext>
+            </a:extLst>
+          </p:cNvPr>
+          <p:cNvSpPr>
+            <a:spLocks noGrp="1"/>
+          </p:cNvSpPr>
+          <p:nvPr>
+            <p:ph type="title"/>
+          </p:nvPr>
+        </p:nvSpPr>
+        <p:spPr/>
+        <p:txBody>
+          <a:bodyPr/>
+          <a:lstStyle/>
+          <a:p>
+            <a:r>
+              <a:rPr lang="en-US" dirty="0"/>
+              <a:t>Highly Customizable</a:t>
+            </a:r>
+          </a:p>
+        </p:txBody>
+      </p:sp>
+      <p:sp>
+        <p:nvSpPr>
+          <p:cNvPr id="3" name="Content Placeholder 2">
+            <a:extLst>
+              <a:ext uri="{FF2B5EF4-FFF2-40B4-BE49-F238E27FC236}">
+                <a16:creationId xmlns:a16="http://schemas.microsoft.com/office/drawing/2014/main" id="{0994B96E-E96B-4316-9488-4ADDF0DF0E6B}"/>
+              </a:ext>
+            </a:extLst>
+          </p:cNvPr>
+          <p:cNvSpPr>
+            <a:spLocks noGrp="1"/>
+          </p:cNvSpPr>
+          <p:nvPr>
+            <p:ph idx="1"/>
+          </p:nvPr>
+        </p:nvSpPr>
+        <p:spPr/>
+        <p:txBody>
+          <a:bodyPr/>
+          <a:lstStyle/>
+          <a:p>
+            <a:pPr marL="514350" indent="-514350">
+              <a:buFont typeface="+mj-lt"/>
+              <a:buAutoNum type="arabicPeriod"/>
+            </a:pPr>
+            <a:r>
+              <a:rPr lang="en-US" dirty="0"/>
+              <a:t>Rich Composition </a:t>
+            </a:r>
+          </a:p>
+          <a:p>
+            <a:pPr marL="514350" indent="-514350">
+              <a:buFont typeface="+mj-lt"/>
+              <a:buAutoNum type="arabicPeriod"/>
+            </a:pPr>
+            <a:r>
+              <a:rPr lang="en-US" dirty="0"/>
+              <a:t>Styling – Style and Template</a:t>
+            </a:r>
+          </a:p>
+          <a:p>
+            <a:pPr marL="514350" indent="-514350">
+              <a:buFont typeface="+mj-lt"/>
+              <a:buAutoNum type="arabicPeriod"/>
+            </a:pPr>
+            <a:r>
+              <a:rPr lang="en-US" dirty="0"/>
+              <a:t>Resolution Independent</a:t>
+            </a:r>
+          </a:p>
+          <a:p>
+            <a:pPr marL="0" indent="0">
+              <a:buNone/>
+            </a:pPr>
+            <a:endParaRPr lang="en-US" dirty="0"/>
+          </a:p>
+          <a:p>
+            <a:pPr marL="514350" indent="-514350">
+              <a:buFont typeface="+mj-lt"/>
+              <a:buAutoNum type="arabicPeriod"/>
+            </a:pPr>
+            <a:endParaRPr lang="en-US" dirty="0"/>
+          </a:p>
+        </p:txBody>
+      </p:sp>
+      <p:sp>
+        <p:nvSpPr>
+          <p:cNvPr id="4" name="Rectangle 1">
+            <a:extLst>
+              <a:ext uri="{FF2B5EF4-FFF2-40B4-BE49-F238E27FC236}">
+                <a16:creationId xmlns:a16="http://schemas.microsoft.com/office/drawing/2014/main" id="{6D3CD992-0AAF-4D8F-B968-634C610B0A39}"/>
+              </a:ext>
+            </a:extLst>
+          </p:cNvPr>
+          <p:cNvSpPr>
+            <a:spLocks noChangeArrowheads="1"/>
+          </p:cNvSpPr>
+          <p:nvPr/>
+        </p:nvSpPr>
+        <p:spPr bwMode="auto">
+          <a:xfrm>
+            <a:off x="1810043" y="4001294"/>
+            <a:ext cx="7160455" cy="3070792"/>
+          </a:xfrm>
+          <a:prstGeom prst="rect">
+            <a:avLst/>
+          </a:prstGeom>
+          <a:noFill/>
+          <a:ln>
+            <a:noFill/>
+          </a:ln>
+          <a:effectLst/>
+          <a:extLst>
+            <a:ext uri="{909E8E84-426E-40DD-AFC4-6F175D3DCCD1}">
+              <a14:hiddenFill xmlns:a14="http://schemas.microsoft.com/office/drawing/2010/main">
+                <a:solidFill>
+                  <a:schemeClr val="accent1"/>
+                </a:solidFill>
+              </a14:hiddenFill>
+            </a:ext>
+            <a:ext uri="{91240B29-F687-4F45-9708-019B960494DF}">
+              <a14:hiddenLine xmlns:a14="http://schemas.microsoft.com/office/drawing/2010/main" w="9525">
+                <a:solidFill>
+                  <a:schemeClr val="tx1"/>
+                </a:solidFill>
+                <a:miter lim="800000"/>
+                <a:headEnd/>
+                <a:tailEnd/>
+              </a14:hiddenLine>
+            </a:ext>
+            <a:ext uri="{AF507438-7753-43E0-B8FC-AC1667EBCBE1}">
+              <a14:hiddenEffects xmlns:a14="http://schemas.microsoft.com/office/drawing/2010/main">
+                <a:effectLst>
+                  <a:outerShdw dist="35921" dir="2700000" algn="ctr" rotWithShape="0">
+                    <a:schemeClr val="bg2"/>
+                  </a:outerShdw>
+                </a:effectLst>
+              </a14:hiddenEffects>
+            </a:ext>
+          </a:extLst>
+        </p:spPr>
+        <p:txBody>
+          <a:bodyPr vert="horz" wrap="square" lIns="0" tIns="-71415" rIns="-71415" bIns="-179331" numCol="1" anchor="ctr" anchorCtr="0" compatLnSpc="1">
+            <a:prstTxWarp prst="textNoShape">
+              <a:avLst/>
+            </a:prstTxWarp>
+            <a:spAutoFit/>
+          </a:bodyPr>
+          <a:lstStyle/>
+          <a:p>
+            <a:pPr marL="0" marR="0" lvl="0" indent="0" algn="l" defTabSz="914400" rtl="0" eaLnBrk="0" fontAlgn="base" latinLnBrk="0" hangingPunct="0">
+              <a:lnSpc>
+                <a:spcPct val="100000"/>
+              </a:lnSpc>
+              <a:spcBef>
+                <a:spcPct val="0"/>
+              </a:spcBef>
+              <a:spcAft>
+                <a:spcPct val="0"/>
+              </a:spcAft>
+              <a:buClrTx/>
+              <a:buSzTx/>
+              <a:buFontTx/>
+              <a:buNone/>
+              <a:tabLst/>
+            </a:pPr>
+            <a:endParaRPr kumimoji="0" lang="en-US" altLang="en-US" b="0" i="0" u="none" strike="noStrike" cap="none" normalizeH="0" baseline="0" dirty="0">
+              <a:ln>
+                <a:noFill/>
+              </a:ln>
+              <a:solidFill>
+                <a:srgbClr val="800000"/>
+              </a:solidFill>
+              <a:effectLst/>
+              <a:latin typeface="Courier New" panose="02070309020205020404" pitchFamily="49" charset="0"/>
+              <a:cs typeface="Courier New" panose="02070309020205020404" pitchFamily="49" charset="0"/>
+            </a:endParaRPr>
+          </a:p>
+          <a:p>
+            <a:pPr marL="0" marR="0" lvl="0" indent="0" algn="l" defTabSz="914400" rtl="0" eaLnBrk="0" fontAlgn="base" latinLnBrk="0" hangingPunct="0">
+              <a:lnSpc>
+                <a:spcPct val="100000"/>
+              </a:lnSpc>
+              <a:spcBef>
+                <a:spcPct val="0"/>
+              </a:spcBef>
+              <a:spcAft>
+                <a:spcPct val="0"/>
+              </a:spcAft>
+              <a:buClrTx/>
+              <a:buSzTx/>
+              <a:buFontTx/>
+              <a:buNone/>
+              <a:tabLst/>
+            </a:pPr>
+            <a:endParaRPr lang="en-US" altLang="en-US" dirty="0">
+              <a:solidFill>
+                <a:srgbClr val="800000"/>
+              </a:solidFill>
+              <a:latin typeface="Courier New" panose="02070309020205020404" pitchFamily="49" charset="0"/>
+              <a:cs typeface="Courier New" panose="02070309020205020404" pitchFamily="49" charset="0"/>
+            </a:endParaRPr>
+          </a:p>
+          <a:p>
+            <a:pPr marL="0" marR="0" lvl="0" indent="0" algn="l" defTabSz="914400" rtl="0" eaLnBrk="0" fontAlgn="base" latinLnBrk="0" hangingPunct="0">
+              <a:lnSpc>
+                <a:spcPct val="100000"/>
+              </a:lnSpc>
+              <a:spcBef>
+                <a:spcPct val="0"/>
+              </a:spcBef>
+              <a:spcAft>
+                <a:spcPct val="0"/>
+              </a:spcAft>
+              <a:buClrTx/>
+              <a:buSzTx/>
+              <a:buFontTx/>
+              <a:buNone/>
+              <a:tabLst/>
+            </a:pPr>
+            <a:r>
+              <a:rPr kumimoji="0" lang="en-US" altLang="en-US" b="0" i="0" u="none" strike="noStrike" cap="none" normalizeH="0" baseline="0" dirty="0">
+                <a:ln>
+                  <a:noFill/>
+                </a:ln>
+                <a:solidFill>
+                  <a:srgbClr val="800000"/>
+                </a:solidFill>
+                <a:effectLst/>
+                <a:latin typeface="Courier New" panose="02070309020205020404" pitchFamily="49" charset="0"/>
+                <a:cs typeface="Courier New" panose="02070309020205020404" pitchFamily="49" charset="0"/>
+              </a:rPr>
+              <a:t>&lt;Button&gt;</a:t>
+            </a:r>
+            <a:r>
+              <a:rPr kumimoji="0" lang="en-US" altLang="en-US" b="0" i="0" u="none" strike="noStrike" cap="none" normalizeH="0" baseline="0" dirty="0">
+                <a:ln>
+                  <a:noFill/>
+                </a:ln>
+                <a:solidFill>
+                  <a:srgbClr val="444444"/>
+                </a:solidFill>
+                <a:effectLst/>
+                <a:latin typeface="Courier New" panose="02070309020205020404" pitchFamily="49" charset="0"/>
+                <a:cs typeface="Courier New" panose="02070309020205020404" pitchFamily="49" charset="0"/>
+              </a:rPr>
+              <a:t> </a:t>
+            </a:r>
+          </a:p>
+          <a:p>
+            <a:pPr marL="0" marR="0" lvl="0" indent="0" algn="l" defTabSz="914400" rtl="0" eaLnBrk="0" fontAlgn="base" latinLnBrk="0" hangingPunct="0">
+              <a:lnSpc>
+                <a:spcPct val="100000"/>
+              </a:lnSpc>
+              <a:spcBef>
+                <a:spcPct val="0"/>
+              </a:spcBef>
+              <a:spcAft>
+                <a:spcPct val="0"/>
+              </a:spcAft>
+              <a:buClrTx/>
+              <a:buSzTx/>
+              <a:buFontTx/>
+              <a:buNone/>
+              <a:tabLst/>
+            </a:pPr>
+            <a:r>
+              <a:rPr kumimoji="0" lang="en-US" altLang="en-US" b="0" i="0" u="none" strike="noStrike" cap="none" normalizeH="0" baseline="0" dirty="0">
+                <a:ln>
+                  <a:noFill/>
+                </a:ln>
+                <a:solidFill>
+                  <a:srgbClr val="800000"/>
+                </a:solidFill>
+                <a:effectLst/>
+                <a:latin typeface="Courier New" panose="02070309020205020404" pitchFamily="49" charset="0"/>
+                <a:cs typeface="Courier New" panose="02070309020205020404" pitchFamily="49" charset="0"/>
+              </a:rPr>
+              <a:t>	&lt;</a:t>
+            </a:r>
+            <a:r>
+              <a:rPr kumimoji="0" lang="en-US" altLang="en-US" b="0" i="0" u="none" strike="noStrike" cap="none" normalizeH="0" baseline="0" dirty="0" err="1">
+                <a:ln>
+                  <a:noFill/>
+                </a:ln>
+                <a:solidFill>
+                  <a:srgbClr val="800000"/>
+                </a:solidFill>
+                <a:effectLst/>
+                <a:latin typeface="Courier New" panose="02070309020205020404" pitchFamily="49" charset="0"/>
+                <a:cs typeface="Courier New" panose="02070309020205020404" pitchFamily="49" charset="0"/>
+              </a:rPr>
+              <a:t>StackPanel</a:t>
+            </a:r>
+            <a:r>
+              <a:rPr kumimoji="0" lang="en-US" altLang="en-US" b="0" i="0" u="none" strike="noStrike" cap="none" normalizeH="0" baseline="0" dirty="0">
+                <a:ln>
+                  <a:noFill/>
+                </a:ln>
+                <a:solidFill>
+                  <a:srgbClr val="800000"/>
+                </a:solidFill>
+                <a:effectLst/>
+                <a:latin typeface="Courier New" panose="02070309020205020404" pitchFamily="49" charset="0"/>
+                <a:cs typeface="Courier New" panose="02070309020205020404" pitchFamily="49" charset="0"/>
+              </a:rPr>
+              <a:t> </a:t>
+            </a:r>
+            <a:r>
+              <a:rPr kumimoji="0" lang="en-US" altLang="en-US" b="0" i="0" u="none" strike="noStrike" cap="none" normalizeH="0" baseline="0" dirty="0">
+                <a:ln>
+                  <a:noFill/>
+                </a:ln>
+                <a:solidFill>
+                  <a:srgbClr val="FF0000"/>
+                </a:solidFill>
+                <a:effectLst/>
+                <a:latin typeface="Courier New" panose="02070309020205020404" pitchFamily="49" charset="0"/>
+                <a:cs typeface="Courier New" panose="02070309020205020404" pitchFamily="49" charset="0"/>
+              </a:rPr>
+              <a:t>Orientation</a:t>
+            </a:r>
+            <a:r>
+              <a:rPr kumimoji="0" lang="en-US" altLang="en-US" b="0" i="0" u="none" strike="noStrike" cap="none" normalizeH="0" baseline="0" dirty="0">
+                <a:ln>
+                  <a:noFill/>
+                </a:ln>
+                <a:solidFill>
+                  <a:srgbClr val="800000"/>
+                </a:solidFill>
+                <a:effectLst/>
+                <a:latin typeface="Courier New" panose="02070309020205020404" pitchFamily="49" charset="0"/>
+                <a:cs typeface="Courier New" panose="02070309020205020404" pitchFamily="49" charset="0"/>
+              </a:rPr>
+              <a:t>=</a:t>
+            </a:r>
+            <a:r>
+              <a:rPr kumimoji="0" lang="en-US" altLang="en-US" b="0" i="0" u="none" strike="noStrike" cap="none" normalizeH="0" baseline="0" dirty="0">
+                <a:ln>
+                  <a:noFill/>
+                </a:ln>
+                <a:solidFill>
+                  <a:srgbClr val="0000FF"/>
+                </a:solidFill>
+                <a:effectLst/>
+                <a:latin typeface="Courier New" panose="02070309020205020404" pitchFamily="49" charset="0"/>
+                <a:cs typeface="Courier New" panose="02070309020205020404" pitchFamily="49" charset="0"/>
+              </a:rPr>
+              <a:t>"Horizontal"</a:t>
+            </a:r>
+            <a:r>
+              <a:rPr kumimoji="0" lang="en-US" altLang="en-US" b="0" i="0" u="none" strike="noStrike" cap="none" normalizeH="0" baseline="0" dirty="0">
+                <a:ln>
+                  <a:noFill/>
+                </a:ln>
+                <a:solidFill>
+                  <a:srgbClr val="800000"/>
+                </a:solidFill>
+                <a:effectLst/>
+                <a:latin typeface="Courier New" panose="02070309020205020404" pitchFamily="49" charset="0"/>
+                <a:cs typeface="Courier New" panose="02070309020205020404" pitchFamily="49" charset="0"/>
+              </a:rPr>
+              <a:t>&gt;</a:t>
+            </a:r>
+            <a:r>
+              <a:rPr kumimoji="0" lang="en-US" altLang="en-US" b="0" i="0" u="none" strike="noStrike" cap="none" normalizeH="0" baseline="0" dirty="0">
+                <a:ln>
+                  <a:noFill/>
+                </a:ln>
+                <a:solidFill>
+                  <a:srgbClr val="444444"/>
+                </a:solidFill>
+                <a:effectLst/>
+                <a:latin typeface="Courier New" panose="02070309020205020404" pitchFamily="49" charset="0"/>
+                <a:cs typeface="Courier New" panose="02070309020205020404" pitchFamily="49" charset="0"/>
+              </a:rPr>
+              <a:t> </a:t>
+            </a:r>
+          </a:p>
+          <a:p>
+            <a:pPr marL="0" marR="0" lvl="0" indent="0" algn="l" defTabSz="914400" rtl="0" eaLnBrk="0" fontAlgn="base" latinLnBrk="0" hangingPunct="0">
+              <a:lnSpc>
+                <a:spcPct val="100000"/>
+              </a:lnSpc>
+              <a:spcBef>
+                <a:spcPct val="0"/>
+              </a:spcBef>
+              <a:spcAft>
+                <a:spcPct val="0"/>
+              </a:spcAft>
+              <a:buClrTx/>
+              <a:buSzTx/>
+              <a:buFontTx/>
+              <a:buNone/>
+              <a:tabLst/>
+            </a:pPr>
+            <a:r>
+              <a:rPr kumimoji="0" lang="en-US" altLang="en-US" b="0" i="0" u="none" strike="noStrike" cap="none" normalizeH="0" baseline="0" dirty="0">
+                <a:ln>
+                  <a:noFill/>
+                </a:ln>
+                <a:solidFill>
+                  <a:srgbClr val="800000"/>
+                </a:solidFill>
+                <a:effectLst/>
+                <a:latin typeface="Courier New" panose="02070309020205020404" pitchFamily="49" charset="0"/>
+                <a:cs typeface="Courier New" panose="02070309020205020404" pitchFamily="49" charset="0"/>
+              </a:rPr>
+              <a:t>		&lt;Image </a:t>
+            </a:r>
+            <a:r>
+              <a:rPr kumimoji="0" lang="en-US" altLang="en-US" b="0" i="0" u="none" strike="noStrike" cap="none" normalizeH="0" baseline="0" dirty="0">
+                <a:ln>
+                  <a:noFill/>
+                </a:ln>
+                <a:solidFill>
+                  <a:srgbClr val="FF0000"/>
+                </a:solidFill>
+                <a:effectLst/>
+                <a:latin typeface="Courier New" panose="02070309020205020404" pitchFamily="49" charset="0"/>
+                <a:cs typeface="Courier New" panose="02070309020205020404" pitchFamily="49" charset="0"/>
+              </a:rPr>
+              <a:t>Source</a:t>
+            </a:r>
+            <a:r>
+              <a:rPr kumimoji="0" lang="en-US" altLang="en-US" b="0" i="0" u="none" strike="noStrike" cap="none" normalizeH="0" baseline="0" dirty="0">
+                <a:ln>
+                  <a:noFill/>
+                </a:ln>
+                <a:solidFill>
+                  <a:srgbClr val="800000"/>
+                </a:solidFill>
+                <a:effectLst/>
+                <a:latin typeface="Courier New" panose="02070309020205020404" pitchFamily="49" charset="0"/>
+                <a:cs typeface="Courier New" panose="02070309020205020404" pitchFamily="49" charset="0"/>
+              </a:rPr>
+              <a:t>=</a:t>
+            </a:r>
+            <a:r>
+              <a:rPr kumimoji="0" lang="en-US" altLang="en-US" b="0" i="0" u="none" strike="noStrike" cap="none" normalizeH="0" baseline="0" dirty="0">
+                <a:ln>
+                  <a:noFill/>
+                </a:ln>
+                <a:solidFill>
+                  <a:srgbClr val="0000FF"/>
+                </a:solidFill>
+                <a:effectLst/>
+                <a:latin typeface="Courier New" panose="02070309020205020404" pitchFamily="49" charset="0"/>
+                <a:cs typeface="Courier New" panose="02070309020205020404" pitchFamily="49" charset="0"/>
+              </a:rPr>
+              <a:t>"speaker.png"</a:t>
+            </a:r>
+            <a:r>
+              <a:rPr kumimoji="0" lang="en-US" altLang="en-US" b="0" i="0" u="none" strike="noStrike" cap="none" normalizeH="0" baseline="0" dirty="0">
+                <a:ln>
+                  <a:noFill/>
+                </a:ln>
+                <a:solidFill>
+                  <a:srgbClr val="800000"/>
+                </a:solidFill>
+                <a:effectLst/>
+                <a:latin typeface="Courier New" panose="02070309020205020404" pitchFamily="49" charset="0"/>
+                <a:cs typeface="Courier New" panose="02070309020205020404" pitchFamily="49" charset="0"/>
+              </a:rPr>
+              <a:t> 				 </a:t>
+            </a:r>
+            <a:r>
+              <a:rPr kumimoji="0" lang="en-US" altLang="en-US" b="0" i="0" u="none" strike="noStrike" cap="none" normalizeH="0" baseline="0" dirty="0">
+                <a:ln>
+                  <a:noFill/>
+                </a:ln>
+                <a:solidFill>
+                  <a:srgbClr val="FF0000"/>
+                </a:solidFill>
+                <a:effectLst/>
+                <a:latin typeface="Courier New" panose="02070309020205020404" pitchFamily="49" charset="0"/>
+                <a:cs typeface="Courier New" panose="02070309020205020404" pitchFamily="49" charset="0"/>
+              </a:rPr>
+              <a:t>Stretch</a:t>
+            </a:r>
+            <a:r>
+              <a:rPr kumimoji="0" lang="en-US" altLang="en-US" b="0" i="0" u="none" strike="noStrike" cap="none" normalizeH="0" baseline="0" dirty="0">
+                <a:ln>
+                  <a:noFill/>
+                </a:ln>
+                <a:solidFill>
+                  <a:srgbClr val="800000"/>
+                </a:solidFill>
+                <a:effectLst/>
+                <a:latin typeface="Courier New" panose="02070309020205020404" pitchFamily="49" charset="0"/>
+                <a:cs typeface="Courier New" panose="02070309020205020404" pitchFamily="49" charset="0"/>
+              </a:rPr>
+              <a:t>=</a:t>
+            </a:r>
+            <a:r>
+              <a:rPr kumimoji="0" lang="en-US" altLang="en-US" b="0" i="0" u="none" strike="noStrike" cap="none" normalizeH="0" baseline="0" dirty="0">
+                <a:ln>
+                  <a:noFill/>
+                </a:ln>
+                <a:solidFill>
+                  <a:srgbClr val="0000FF"/>
+                </a:solidFill>
+                <a:effectLst/>
+                <a:latin typeface="Courier New" panose="02070309020205020404" pitchFamily="49" charset="0"/>
+                <a:cs typeface="Courier New" panose="02070309020205020404" pitchFamily="49" charset="0"/>
+              </a:rPr>
+              <a:t>"Uniform"</a:t>
+            </a:r>
+            <a:r>
+              <a:rPr kumimoji="0" lang="en-US" altLang="en-US" b="0" i="0" u="none" strike="noStrike" cap="none" normalizeH="0" baseline="0" dirty="0">
+                <a:ln>
+                  <a:noFill/>
+                </a:ln>
+                <a:solidFill>
+                  <a:srgbClr val="800000"/>
+                </a:solidFill>
+                <a:effectLst/>
+                <a:latin typeface="Courier New" panose="02070309020205020404" pitchFamily="49" charset="0"/>
+                <a:cs typeface="Courier New" panose="02070309020205020404" pitchFamily="49" charset="0"/>
+              </a:rPr>
+              <a:t>/&gt;</a:t>
+            </a:r>
+          </a:p>
+          <a:p>
+            <a:pPr marL="0" marR="0" lvl="0" indent="0" algn="l" defTabSz="914400" rtl="0" eaLnBrk="0" fontAlgn="base" latinLnBrk="0" hangingPunct="0">
+              <a:lnSpc>
+                <a:spcPct val="100000"/>
+              </a:lnSpc>
+              <a:spcBef>
+                <a:spcPct val="0"/>
+              </a:spcBef>
+              <a:spcAft>
+                <a:spcPct val="0"/>
+              </a:spcAft>
+              <a:buClrTx/>
+              <a:buSzTx/>
+              <a:buFontTx/>
+              <a:buNone/>
+              <a:tabLst/>
+            </a:pPr>
+            <a:r>
+              <a:rPr lang="en-US" altLang="en-US" dirty="0">
+                <a:solidFill>
+                  <a:srgbClr val="800000"/>
+                </a:solidFill>
+                <a:latin typeface="Courier New" panose="02070309020205020404" pitchFamily="49" charset="0"/>
+                <a:cs typeface="Courier New" panose="02070309020205020404" pitchFamily="49" charset="0"/>
+              </a:rPr>
+              <a:t>			</a:t>
+            </a:r>
+            <a:r>
+              <a:rPr kumimoji="0" lang="en-US" altLang="en-US" b="0" i="0" u="none" strike="noStrike" cap="none" normalizeH="0" baseline="0" dirty="0">
+                <a:ln>
+                  <a:noFill/>
+                </a:ln>
+                <a:solidFill>
+                  <a:srgbClr val="444444"/>
+                </a:solidFill>
+                <a:effectLst/>
+                <a:latin typeface="Courier New" panose="02070309020205020404" pitchFamily="49" charset="0"/>
+                <a:cs typeface="Courier New" panose="02070309020205020404" pitchFamily="49" charset="0"/>
+              </a:rPr>
+              <a:t> </a:t>
+            </a:r>
+            <a:r>
+              <a:rPr kumimoji="0" lang="en-US" altLang="en-US" b="0" i="0" u="none" strike="noStrike" cap="none" normalizeH="0" baseline="0" dirty="0">
+                <a:ln>
+                  <a:noFill/>
+                </a:ln>
+                <a:solidFill>
+                  <a:srgbClr val="800000"/>
+                </a:solidFill>
+                <a:effectLst/>
+                <a:latin typeface="Courier New" panose="02070309020205020404" pitchFamily="49" charset="0"/>
+                <a:cs typeface="Courier New" panose="02070309020205020404" pitchFamily="49" charset="0"/>
+              </a:rPr>
+              <a:t>&lt;</a:t>
+            </a:r>
+            <a:r>
+              <a:rPr kumimoji="0" lang="en-US" altLang="en-US" b="0" i="0" u="none" strike="noStrike" cap="none" normalizeH="0" baseline="0" dirty="0" err="1">
+                <a:ln>
+                  <a:noFill/>
+                </a:ln>
+                <a:solidFill>
+                  <a:srgbClr val="800000"/>
+                </a:solidFill>
+                <a:effectLst/>
+                <a:latin typeface="Courier New" panose="02070309020205020404" pitchFamily="49" charset="0"/>
+                <a:cs typeface="Courier New" panose="02070309020205020404" pitchFamily="49" charset="0"/>
+              </a:rPr>
+              <a:t>TextBlock</a:t>
+            </a:r>
+            <a:r>
+              <a:rPr kumimoji="0" lang="en-US" altLang="en-US" b="0" i="0" u="none" strike="noStrike" cap="none" normalizeH="0" baseline="0" dirty="0">
+                <a:ln>
+                  <a:noFill/>
+                </a:ln>
+                <a:solidFill>
+                  <a:srgbClr val="800000"/>
+                </a:solidFill>
+                <a:effectLst/>
+                <a:latin typeface="Courier New" panose="02070309020205020404" pitchFamily="49" charset="0"/>
+                <a:cs typeface="Courier New" panose="02070309020205020404" pitchFamily="49" charset="0"/>
+              </a:rPr>
+              <a:t> </a:t>
+            </a:r>
+            <a:r>
+              <a:rPr kumimoji="0" lang="en-US" altLang="en-US" b="0" i="0" u="none" strike="noStrike" cap="none" normalizeH="0" baseline="0" dirty="0">
+                <a:ln>
+                  <a:noFill/>
+                </a:ln>
+                <a:solidFill>
+                  <a:srgbClr val="FF0000"/>
+                </a:solidFill>
+                <a:effectLst/>
+                <a:latin typeface="Courier New" panose="02070309020205020404" pitchFamily="49" charset="0"/>
+                <a:cs typeface="Courier New" panose="02070309020205020404" pitchFamily="49" charset="0"/>
+              </a:rPr>
+              <a:t>Text</a:t>
+            </a:r>
+            <a:r>
+              <a:rPr kumimoji="0" lang="en-US" altLang="en-US" b="0" i="0" u="none" strike="noStrike" cap="none" normalizeH="0" baseline="0" dirty="0">
+                <a:ln>
+                  <a:noFill/>
+                </a:ln>
+                <a:solidFill>
+                  <a:srgbClr val="800000"/>
+                </a:solidFill>
+                <a:effectLst/>
+                <a:latin typeface="Courier New" panose="02070309020205020404" pitchFamily="49" charset="0"/>
+                <a:cs typeface="Courier New" panose="02070309020205020404" pitchFamily="49" charset="0"/>
+              </a:rPr>
+              <a:t>=</a:t>
+            </a:r>
+            <a:r>
+              <a:rPr kumimoji="0" lang="en-US" altLang="en-US" b="0" i="0" u="none" strike="noStrike" cap="none" normalizeH="0" baseline="0" dirty="0">
+                <a:ln>
+                  <a:noFill/>
+                </a:ln>
+                <a:solidFill>
+                  <a:srgbClr val="0000FF"/>
+                </a:solidFill>
+                <a:effectLst/>
+                <a:latin typeface="Courier New" panose="02070309020205020404" pitchFamily="49" charset="0"/>
+                <a:cs typeface="Courier New" panose="02070309020205020404" pitchFamily="49" charset="0"/>
+              </a:rPr>
+              <a:t>"Play Sound"</a:t>
+            </a:r>
+            <a:r>
+              <a:rPr kumimoji="0" lang="en-US" altLang="en-US" b="0" i="0" u="none" strike="noStrike" cap="none" normalizeH="0" baseline="0" dirty="0">
+                <a:ln>
+                  <a:noFill/>
+                </a:ln>
+                <a:solidFill>
+                  <a:srgbClr val="800000"/>
+                </a:solidFill>
+                <a:effectLst/>
+                <a:latin typeface="Courier New" panose="02070309020205020404" pitchFamily="49" charset="0"/>
+                <a:cs typeface="Courier New" panose="02070309020205020404" pitchFamily="49" charset="0"/>
+              </a:rPr>
+              <a:t> /&gt;</a:t>
+            </a:r>
+            <a:r>
+              <a:rPr kumimoji="0" lang="en-US" altLang="en-US" b="0" i="0" u="none" strike="noStrike" cap="none" normalizeH="0" baseline="0" dirty="0">
+                <a:ln>
+                  <a:noFill/>
+                </a:ln>
+                <a:solidFill>
+                  <a:srgbClr val="444444"/>
+                </a:solidFill>
+                <a:effectLst/>
+                <a:latin typeface="Courier New" panose="02070309020205020404" pitchFamily="49" charset="0"/>
+                <a:cs typeface="Courier New" panose="02070309020205020404" pitchFamily="49" charset="0"/>
+              </a:rPr>
+              <a:t> 	</a:t>
+            </a:r>
+            <a:r>
+              <a:rPr kumimoji="0" lang="en-US" altLang="en-US" b="0" i="0" u="none" strike="noStrike" cap="none" normalizeH="0" baseline="0" dirty="0">
+                <a:ln>
+                  <a:noFill/>
+                </a:ln>
+                <a:solidFill>
+                  <a:srgbClr val="800000"/>
+                </a:solidFill>
+                <a:effectLst/>
+                <a:latin typeface="Courier New" panose="02070309020205020404" pitchFamily="49" charset="0"/>
+                <a:cs typeface="Courier New" panose="02070309020205020404" pitchFamily="49" charset="0"/>
+              </a:rPr>
+              <a:t>&lt;/</a:t>
+            </a:r>
+            <a:r>
+              <a:rPr kumimoji="0" lang="en-US" altLang="en-US" b="0" i="0" u="none" strike="noStrike" cap="none" normalizeH="0" baseline="0" dirty="0" err="1">
+                <a:ln>
+                  <a:noFill/>
+                </a:ln>
+                <a:solidFill>
+                  <a:srgbClr val="800000"/>
+                </a:solidFill>
+                <a:effectLst/>
+                <a:latin typeface="Courier New" panose="02070309020205020404" pitchFamily="49" charset="0"/>
+                <a:cs typeface="Courier New" panose="02070309020205020404" pitchFamily="49" charset="0"/>
+              </a:rPr>
+              <a:t>StackPanel</a:t>
+            </a:r>
+            <a:r>
+              <a:rPr kumimoji="0" lang="en-US" altLang="en-US" b="0" i="0" u="none" strike="noStrike" cap="none" normalizeH="0" baseline="0" dirty="0">
+                <a:ln>
+                  <a:noFill/>
+                </a:ln>
+                <a:solidFill>
+                  <a:srgbClr val="800000"/>
+                </a:solidFill>
+                <a:effectLst/>
+                <a:latin typeface="Courier New" panose="02070309020205020404" pitchFamily="49" charset="0"/>
+                <a:cs typeface="Courier New" panose="02070309020205020404" pitchFamily="49" charset="0"/>
+              </a:rPr>
+              <a:t>&gt;</a:t>
+            </a:r>
+            <a:r>
+              <a:rPr kumimoji="0" lang="en-US" altLang="en-US" b="0" i="0" u="none" strike="noStrike" cap="none" normalizeH="0" baseline="0" dirty="0">
+                <a:ln>
+                  <a:noFill/>
+                </a:ln>
+                <a:solidFill>
+                  <a:srgbClr val="444444"/>
+                </a:solidFill>
+                <a:effectLst/>
+                <a:latin typeface="Courier New" panose="02070309020205020404" pitchFamily="49" charset="0"/>
+                <a:cs typeface="Courier New" panose="02070309020205020404" pitchFamily="49" charset="0"/>
+              </a:rPr>
+              <a:t> </a:t>
+            </a:r>
+          </a:p>
+          <a:p>
+            <a:pPr marL="0" marR="0" lvl="0" indent="0" algn="l" defTabSz="914400" rtl="0" eaLnBrk="0" fontAlgn="base" latinLnBrk="0" hangingPunct="0">
+              <a:lnSpc>
+                <a:spcPct val="100000"/>
+              </a:lnSpc>
+              <a:spcBef>
+                <a:spcPct val="0"/>
+              </a:spcBef>
+              <a:spcAft>
+                <a:spcPct val="0"/>
+              </a:spcAft>
+              <a:buClrTx/>
+              <a:buSzTx/>
+              <a:buFontTx/>
+              <a:buNone/>
+              <a:tabLst/>
+            </a:pPr>
+            <a:r>
+              <a:rPr kumimoji="0" lang="en-US" altLang="en-US" b="0" i="0" u="none" strike="noStrike" cap="none" normalizeH="0" baseline="0" dirty="0">
+                <a:ln>
+                  <a:noFill/>
+                </a:ln>
+                <a:solidFill>
+                  <a:srgbClr val="800000"/>
+                </a:solidFill>
+                <a:effectLst/>
+                <a:latin typeface="Courier New" panose="02070309020205020404" pitchFamily="49" charset="0"/>
+                <a:cs typeface="Courier New" panose="02070309020205020404" pitchFamily="49" charset="0"/>
+              </a:rPr>
+              <a:t>&lt;/Button&gt;</a:t>
+            </a:r>
+            <a:r>
+              <a:rPr kumimoji="0" lang="en-US" altLang="en-US" b="0" i="0" u="none" strike="noStrike" cap="none" normalizeH="0" baseline="0" dirty="0">
+                <a:ln>
+                  <a:noFill/>
+                </a:ln>
+                <a:solidFill>
+                  <a:schemeClr val="tx1"/>
+                </a:solidFill>
+                <a:effectLst/>
+              </a:rPr>
+              <a:t> </a:t>
+            </a:r>
+          </a:p>
+          <a:p>
+            <a:pPr marL="0" marR="0" lvl="0" indent="0" algn="l" defTabSz="914400" rtl="0" eaLnBrk="0" fontAlgn="base" latinLnBrk="0" hangingPunct="0">
+              <a:lnSpc>
+                <a:spcPct val="100000"/>
+              </a:lnSpc>
+              <a:spcBef>
+                <a:spcPct val="0"/>
+              </a:spcBef>
+              <a:spcAft>
+                <a:spcPct val="0"/>
+              </a:spcAft>
+              <a:buClrTx/>
+              <a:buSzTx/>
+              <a:buFontTx/>
+              <a:buNone/>
+              <a:tabLst/>
+            </a:pPr>
+            <a:endParaRPr lang="en-US" altLang="en-US" dirty="0">
+              <a:latin typeface="Arial" panose="020B0604020202020204" pitchFamily="34" charset="0"/>
+            </a:endParaRPr>
+          </a:p>
+          <a:p>
+            <a:pPr marL="0" marR="0" lvl="0" indent="0" algn="l" defTabSz="914400" rtl="0" eaLnBrk="0" fontAlgn="base" latinLnBrk="0" hangingPunct="0">
+              <a:lnSpc>
+                <a:spcPct val="100000"/>
+              </a:lnSpc>
+              <a:spcBef>
+                <a:spcPct val="0"/>
+              </a:spcBef>
+              <a:spcAft>
+                <a:spcPct val="0"/>
+              </a:spcAft>
+              <a:buClrTx/>
+              <a:buSzTx/>
+              <a:buFontTx/>
+              <a:buNone/>
+              <a:tabLst/>
+            </a:pPr>
+            <a:endParaRPr kumimoji="0" lang="en-US" altLang="en-US" b="0" i="0" u="none" strike="noStrike" cap="none" normalizeH="0" baseline="0" dirty="0">
+              <a:ln>
+                <a:noFill/>
+              </a:ln>
+              <a:solidFill>
+                <a:schemeClr val="tx1"/>
+              </a:solidFill>
+              <a:effectLst/>
+              <a:latin typeface="Arial" panose="020B0604020202020204" pitchFamily="34" charset="0"/>
+            </a:endParaRPr>
+          </a:p>
+          <a:p>
+            <a:pPr marL="0" marR="0" lvl="0" indent="0" algn="l" defTabSz="914400" rtl="0" eaLnBrk="0" fontAlgn="base" latinLnBrk="0" hangingPunct="0">
+              <a:lnSpc>
+                <a:spcPct val="100000"/>
+              </a:lnSpc>
+              <a:spcBef>
+                <a:spcPct val="0"/>
+              </a:spcBef>
+              <a:spcAft>
+                <a:spcPct val="0"/>
+              </a:spcAft>
+              <a:buClrTx/>
+              <a:buSzTx/>
+              <a:buFontTx/>
+              <a:buNone/>
+              <a:tabLst/>
+            </a:pPr>
+            <a:endParaRPr kumimoji="0" lang="en-US" altLang="en-US" b="0" i="0" u="none" strike="noStrike" cap="none" normalizeH="0" baseline="0" dirty="0">
+              <a:ln>
+                <a:noFill/>
+              </a:ln>
+              <a:solidFill>
+                <a:schemeClr val="tx1"/>
+              </a:solidFill>
+              <a:effectLst/>
+              <a:latin typeface="Arial" panose="020B0604020202020204" pitchFamily="34" charset="0"/>
+            </a:endParaRPr>
+          </a:p>
+        </p:txBody>
+      </p:sp>
+      <p:sp>
+        <p:nvSpPr>
+          <p:cNvPr id="5" name="TextBox 4">
+            <a:extLst>
+              <a:ext uri="{FF2B5EF4-FFF2-40B4-BE49-F238E27FC236}">
+                <a16:creationId xmlns:a16="http://schemas.microsoft.com/office/drawing/2014/main" id="{9146446C-E63E-49A7-B41A-9F87D13B62E3}"/>
+              </a:ext>
+            </a:extLst>
+          </p:cNvPr>
+          <p:cNvSpPr txBox="1"/>
+          <p:nvPr/>
+        </p:nvSpPr>
+        <p:spPr>
+          <a:xfrm>
+            <a:off x="6513342" y="2309880"/>
+            <a:ext cx="5219113" cy="1200329"/>
+          </a:xfrm>
+          <a:prstGeom prst="rect">
+            <a:avLst/>
+          </a:prstGeom>
+          <a:noFill/>
+        </p:spPr>
+        <p:txBody>
+          <a:bodyPr wrap="square" rtlCol="0">
+            <a:spAutoFit/>
+          </a:bodyPr>
+          <a:lstStyle/>
+          <a:p>
+            <a:r>
+              <a:rPr lang="en-US" dirty="0"/>
+              <a:t>&lt;Style </a:t>
+            </a:r>
+            <a:r>
+              <a:rPr lang="en-US" dirty="0" err="1"/>
+              <a:t>TargetType</a:t>
+            </a:r>
+            <a:r>
+              <a:rPr lang="en-US" dirty="0"/>
+              <a:t>="Button"&gt;</a:t>
+            </a:r>
+          </a:p>
+          <a:p>
+            <a:r>
+              <a:rPr lang="en-US" dirty="0"/>
+              <a:t>            &lt;Setter Property="</a:t>
+            </a:r>
+            <a:r>
+              <a:rPr lang="en-US" dirty="0" err="1"/>
+              <a:t>FontSize</a:t>
+            </a:r>
+            <a:r>
+              <a:rPr lang="en-US" dirty="0"/>
+              <a:t>" Value="14"/&gt;</a:t>
+            </a:r>
+          </a:p>
+          <a:p>
+            <a:r>
+              <a:rPr lang="en-US" dirty="0"/>
+              <a:t>&lt;/Style&gt;</a:t>
+            </a:r>
+          </a:p>
+          <a:p>
+            <a:endParaRPr lang="en-US" dirty="0"/>
+          </a:p>
+        </p:txBody>
+      </p:sp>
+    </p:spTree>
+    <p:extLst>
+      <p:ext uri="{BB962C8B-B14F-4D97-AF65-F5344CB8AC3E}">
+        <p14:creationId xmlns:p14="http://schemas.microsoft.com/office/powerpoint/2010/main" val="1723496461"/>
+      </p:ext>
+    </p:extLst>
+  </p:cSld>
+  <p:clrMapOvr>
+    <a:masterClrMapping/>
+  </p:clrMapOvr>
+</p:sld>
+</file>
+
+<file path=ppt/slides/slide12.xml><?xml version="1.0" encoding="utf-8"?>
 <p:sld xmlns:a="http://schemas.openxmlformats.org/drawingml/2006/main" xmlns:r="http://schemas.openxmlformats.org/officeDocument/2006/relationships" xmlns:p="http://schemas.openxmlformats.org/presentationml/2006/main">
   <p:cSld>
     <p:spTree>
@@ -6806,7 +7989,7 @@
 </p:sld>
 </file>
 
-<file path=ppt/slides/slide11.xml><?xml version="1.0" encoding="utf-8"?>
+<file path=ppt/slides/slide13.xml><?xml version="1.0" encoding="utf-8"?>
 <p:sld xmlns:a="http://schemas.openxmlformats.org/drawingml/2006/main" xmlns:r="http://schemas.openxmlformats.org/officeDocument/2006/relationships" xmlns:p="http://schemas.openxmlformats.org/presentationml/2006/main">
   <p:cSld>
     <p:spTree>
@@ -7039,7 +8222,7 @@
 </p:sld>
 </file>
 
-<file path=ppt/slides/slide12.xml><?xml version="1.0" encoding="utf-8"?>
+<file path=ppt/slides/slide14.xml><?xml version="1.0" encoding="utf-8"?>
 <p:sld xmlns:a="http://schemas.openxmlformats.org/drawingml/2006/main" xmlns:r="http://schemas.openxmlformats.org/officeDocument/2006/relationships" xmlns:p="http://schemas.openxmlformats.org/presentationml/2006/main">
   <p:cSld>
     <p:spTree>
@@ -7167,7 +8350,7 @@
 </p:sld>
 </file>
 
-<file path=ppt/slides/slide13.xml><?xml version="1.0" encoding="utf-8"?>
+<file path=ppt/slides/slide15.xml><?xml version="1.0" encoding="utf-8"?>
 <p:sld xmlns:a="http://schemas.openxmlformats.org/drawingml/2006/main" xmlns:r="http://schemas.openxmlformats.org/officeDocument/2006/relationships" xmlns:p="http://schemas.openxmlformats.org/presentationml/2006/main">
   <p:cSld>
     <p:spTree>
@@ -7341,7 +8524,7 @@
 </p:sld>
 </file>
 
-<file path=ppt/slides/slide14.xml><?xml version="1.0" encoding="utf-8"?>
+<file path=ppt/slides/slide16.xml><?xml version="1.0" encoding="utf-8"?>
 <p:sld xmlns:a="http://schemas.openxmlformats.org/drawingml/2006/main" xmlns:r="http://schemas.openxmlformats.org/officeDocument/2006/relationships" xmlns:p="http://schemas.openxmlformats.org/presentationml/2006/main">
   <p:cSld>
     <p:spTree>
@@ -7730,7 +8913,7 @@
 </p:sld>
 </file>
 
-<file path=ppt/slides/slide15.xml><?xml version="1.0" encoding="utf-8"?>
+<file path=ppt/slides/slide17.xml><?xml version="1.0" encoding="utf-8"?>
 <p:sld xmlns:a="http://schemas.openxmlformats.org/drawingml/2006/main" xmlns:r="http://schemas.openxmlformats.org/officeDocument/2006/relationships" xmlns:p="http://schemas.openxmlformats.org/presentationml/2006/main">
   <p:cSld>
     <p:spTree>
@@ -8470,7 +9653,7 @@
 </p:sld>
 </file>
 
-<file path=ppt/slides/slide16.xml><?xml version="1.0" encoding="utf-8"?>
+<file path=ppt/slides/slide18.xml><?xml version="1.0" encoding="utf-8"?>
 <p:sld xmlns:a="http://schemas.openxmlformats.org/drawingml/2006/main" xmlns:r="http://schemas.openxmlformats.org/officeDocument/2006/relationships" xmlns:p="http://schemas.openxmlformats.org/presentationml/2006/main">
   <p:cSld>
     <p:spTree>
@@ -8757,7 +9940,7 @@
 </p:sld>
 </file>
 
-<file path=ppt/slides/slide17.xml><?xml version="1.0" encoding="utf-8"?>
+<file path=ppt/slides/slide19.xml><?xml version="1.0" encoding="utf-8"?>
 <p:sld xmlns:a="http://schemas.openxmlformats.org/drawingml/2006/main" xmlns:r="http://schemas.openxmlformats.org/officeDocument/2006/relationships" xmlns:p="http://schemas.openxmlformats.org/presentationml/2006/main">
   <p:cSld>
     <p:spTree>
@@ -8992,7 +10175,97 @@
 </p:sld>
 </file>
 
-<file path=ppt/slides/slide18.xml><?xml version="1.0" encoding="utf-8"?>
+<file path=ppt/slides/slide2.xml><?xml version="1.0" encoding="utf-8"?>
+<p:sld xmlns:a="http://schemas.openxmlformats.org/drawingml/2006/main" xmlns:r="http://schemas.openxmlformats.org/officeDocument/2006/relationships" xmlns:p="http://schemas.openxmlformats.org/presentationml/2006/main">
+  <p:cSld>
+    <p:spTree>
+      <p:nvGrpSpPr>
+        <p:cNvPr id="1" name=""/>
+        <p:cNvGrpSpPr/>
+        <p:nvPr/>
+      </p:nvGrpSpPr>
+      <p:grpSpPr>
+        <a:xfrm>
+          <a:off x="0" y="0"/>
+          <a:ext cx="0" cy="0"/>
+          <a:chOff x="0" y="0"/>
+          <a:chExt cx="0" cy="0"/>
+        </a:xfrm>
+      </p:grpSpPr>
+      <p:sp>
+        <p:nvSpPr>
+          <p:cNvPr id="2" name="Title 1">
+            <a:extLst>
+              <a:ext uri="{FF2B5EF4-FFF2-40B4-BE49-F238E27FC236}">
+                <a16:creationId xmlns:a16="http://schemas.microsoft.com/office/drawing/2014/main" id="{BD02AA72-54F3-4892-80A7-E3D0753CE290}"/>
+              </a:ext>
+            </a:extLst>
+          </p:cNvPr>
+          <p:cNvSpPr>
+            <a:spLocks noGrp="1"/>
+          </p:cNvSpPr>
+          <p:nvPr>
+            <p:ph type="title"/>
+          </p:nvPr>
+        </p:nvSpPr>
+        <p:spPr/>
+        <p:txBody>
+          <a:bodyPr/>
+          <a:lstStyle/>
+          <a:p>
+            <a:r>
+              <a:rPr lang="en-US" dirty="0"/>
+              <a:t>Architecture</a:t>
+            </a:r>
+          </a:p>
+        </p:txBody>
+      </p:sp>
+      <p:pic>
+        <p:nvPicPr>
+          <p:cNvPr id="4" name="Content Placeholder 3">
+            <a:extLst>
+              <a:ext uri="{FF2B5EF4-FFF2-40B4-BE49-F238E27FC236}">
+                <a16:creationId xmlns:a16="http://schemas.microsoft.com/office/drawing/2014/main" id="{ADC5818F-ABB9-4D6A-BE55-284E91FD3A41}"/>
+              </a:ext>
+            </a:extLst>
+          </p:cNvPr>
+          <p:cNvPicPr>
+            <a:picLocks noGrp="1" noChangeAspect="1"/>
+          </p:cNvPicPr>
+          <p:nvPr>
+            <p:ph idx="1"/>
+          </p:nvPr>
+        </p:nvPicPr>
+        <p:blipFill>
+          <a:blip r:embed="rId3"/>
+          <a:stretch>
+            <a:fillRect/>
+          </a:stretch>
+        </p:blipFill>
+        <p:spPr>
+          <a:xfrm>
+            <a:off x="1552796" y="2152589"/>
+            <a:ext cx="9086408" cy="4550651"/>
+          </a:xfrm>
+          <a:prstGeom prst="rect">
+            <a:avLst/>
+          </a:prstGeom>
+        </p:spPr>
+      </p:pic>
+    </p:spTree>
+    <p:extLst>
+      <p:ext uri="{BB962C8B-B14F-4D97-AF65-F5344CB8AC3E}">
+        <p14:creationId xmlns:p14="http://schemas.microsoft.com/office/powerpoint/2010/main" val="1234860948"/>
+      </p:ext>
+    </p:extLst>
+  </p:cSld>
+  <p:clrMapOvr>
+    <a:masterClrMapping/>
+  </p:clrMapOvr>
+</p:sld>
+</file>
+
+<file path=ppt/slides/slide20.xml><?xml version="1.0" encoding="utf-8"?>
 <p:sld xmlns:a="http://schemas.openxmlformats.org/drawingml/2006/main" xmlns:r="http://schemas.openxmlformats.org/officeDocument/2006/relationships" xmlns:p="http://schemas.openxmlformats.org/presentationml/2006/main">
   <p:cSld>
     <p:spTree>
@@ -9521,7 +10794,7 @@
 </p:sld>
 </file>
 
-<file path=ppt/slides/slide19.xml><?xml version="1.0" encoding="utf-8"?>
+<file path=ppt/slides/slide21.xml><?xml version="1.0" encoding="utf-8"?>
 <p:sld xmlns:a="http://schemas.openxmlformats.org/drawingml/2006/main" xmlns:r="http://schemas.openxmlformats.org/officeDocument/2006/relationships" xmlns:p="http://schemas.openxmlformats.org/presentationml/2006/main">
   <p:cSld>
     <p:spTree>
@@ -9640,7 +10913,7 @@
 </p:sld>
 </file>
 
-<file path=ppt/slides/slide2.xml><?xml version="1.0" encoding="utf-8"?>
+<file path=ppt/slides/slide22.xml><?xml version="1.0" encoding="utf-8"?>
 <p:sld xmlns:a="http://schemas.openxmlformats.org/drawingml/2006/main" xmlns:r="http://schemas.openxmlformats.org/officeDocument/2006/relationships" xmlns:p="http://schemas.openxmlformats.org/presentationml/2006/main">
   <p:cSld>
     <p:spTree>
@@ -9662,96 +10935,6 @@
           <p:cNvPr id="2" name="Title 1">
             <a:extLst>
               <a:ext uri="{FF2B5EF4-FFF2-40B4-BE49-F238E27FC236}">
-                <a16:creationId xmlns:a16="http://schemas.microsoft.com/office/drawing/2014/main" id="{BD02AA72-54F3-4892-80A7-E3D0753CE290}"/>
-              </a:ext>
-            </a:extLst>
-          </p:cNvPr>
-          <p:cNvSpPr>
-            <a:spLocks noGrp="1"/>
-          </p:cNvSpPr>
-          <p:nvPr>
-            <p:ph type="title"/>
-          </p:nvPr>
-        </p:nvSpPr>
-        <p:spPr/>
-        <p:txBody>
-          <a:bodyPr/>
-          <a:lstStyle/>
-          <a:p>
-            <a:r>
-              <a:rPr lang="en-US" dirty="0"/>
-              <a:t>Architecture</a:t>
-            </a:r>
-          </a:p>
-        </p:txBody>
-      </p:sp>
-      <p:pic>
-        <p:nvPicPr>
-          <p:cNvPr id="4" name="Content Placeholder 3">
-            <a:extLst>
-              <a:ext uri="{FF2B5EF4-FFF2-40B4-BE49-F238E27FC236}">
-                <a16:creationId xmlns:a16="http://schemas.microsoft.com/office/drawing/2014/main" id="{ADC5818F-ABB9-4D6A-BE55-284E91FD3A41}"/>
-              </a:ext>
-            </a:extLst>
-          </p:cNvPr>
-          <p:cNvPicPr>
-            <a:picLocks noGrp="1" noChangeAspect="1"/>
-          </p:cNvPicPr>
-          <p:nvPr>
-            <p:ph idx="1"/>
-          </p:nvPr>
-        </p:nvPicPr>
-        <p:blipFill>
-          <a:blip r:embed="rId3"/>
-          <a:stretch>
-            <a:fillRect/>
-          </a:stretch>
-        </p:blipFill>
-        <p:spPr>
-          <a:xfrm>
-            <a:off x="1552796" y="2152589"/>
-            <a:ext cx="9086408" cy="4550651"/>
-          </a:xfrm>
-          <a:prstGeom prst="rect">
-            <a:avLst/>
-          </a:prstGeom>
-        </p:spPr>
-      </p:pic>
-    </p:spTree>
-    <p:extLst>
-      <p:ext uri="{BB962C8B-B14F-4D97-AF65-F5344CB8AC3E}">
-        <p14:creationId xmlns:p14="http://schemas.microsoft.com/office/powerpoint/2010/main" val="1234860948"/>
-      </p:ext>
-    </p:extLst>
-  </p:cSld>
-  <p:clrMapOvr>
-    <a:masterClrMapping/>
-  </p:clrMapOvr>
-</p:sld>
-</file>
-
-<file path=ppt/slides/slide20.xml><?xml version="1.0" encoding="utf-8"?>
-<p:sld xmlns:a="http://schemas.openxmlformats.org/drawingml/2006/main" xmlns:r="http://schemas.openxmlformats.org/officeDocument/2006/relationships" xmlns:p="http://schemas.openxmlformats.org/presentationml/2006/main">
-  <p:cSld>
-    <p:spTree>
-      <p:nvGrpSpPr>
-        <p:cNvPr id="1" name=""/>
-        <p:cNvGrpSpPr/>
-        <p:nvPr/>
-      </p:nvGrpSpPr>
-      <p:grpSpPr>
-        <a:xfrm>
-          <a:off x="0" y="0"/>
-          <a:ext cx="0" cy="0"/>
-          <a:chOff x="0" y="0"/>
-          <a:chExt cx="0" cy="0"/>
-        </a:xfrm>
-      </p:grpSpPr>
-      <p:sp>
-        <p:nvSpPr>
-          <p:cNvPr id="2" name="Title 1">
-            <a:extLst>
-              <a:ext uri="{FF2B5EF4-FFF2-40B4-BE49-F238E27FC236}">
                 <a16:creationId xmlns:a16="http://schemas.microsoft.com/office/drawing/2014/main" id="{9DBF968D-7D6D-44F5-8278-B9768AE73343}"/>
               </a:ext>
             </a:extLst>
@@ -9842,7 +11025,7 @@
 </p:sld>
 </file>
 
-<file path=ppt/slides/slide21.xml><?xml version="1.0" encoding="utf-8"?>
+<file path=ppt/slides/slide23.xml><?xml version="1.0" encoding="utf-8"?>
 <p:sld xmlns:a="http://schemas.openxmlformats.org/drawingml/2006/main" xmlns:r="http://schemas.openxmlformats.org/officeDocument/2006/relationships" xmlns:p="http://schemas.openxmlformats.org/presentationml/2006/main">
   <p:cSld>
     <p:spTree>
@@ -9929,7 +11112,7 @@
           <p:cNvPr id="2" name="Title 1">
             <a:extLst>
               <a:ext uri="{FF2B5EF4-FFF2-40B4-BE49-F238E27FC236}">
-                <a16:creationId xmlns:a16="http://schemas.microsoft.com/office/drawing/2014/main" id="{E87A335C-CC75-44BC-AA8F-7BB4B188619E}"/>
+                <a16:creationId xmlns:a16="http://schemas.microsoft.com/office/drawing/2014/main" id="{66E5AC6E-EB96-445E-87FF-88B355FEC93A}"/>
               </a:ext>
             </a:extLst>
           </p:cNvPr>
@@ -9947,246 +11130,87 @@
           <a:p>
             <a:r>
               <a:rPr lang="en-US" dirty="0"/>
-              <a:t>WPF : Class Hierarchy</a:t>
-            </a:r>
-          </a:p>
-        </p:txBody>
-      </p:sp>
-      <p:pic>
-        <p:nvPicPr>
-          <p:cNvPr id="5" name="Content Placeholder 4">
+              <a:t>WPF Architecture</a:t>
+            </a:r>
+          </a:p>
+        </p:txBody>
+      </p:sp>
+      <p:sp>
+        <p:nvSpPr>
+          <p:cNvPr id="3" name="Content Placeholder 2">
             <a:extLst>
               <a:ext uri="{FF2B5EF4-FFF2-40B4-BE49-F238E27FC236}">
-                <a16:creationId xmlns:a16="http://schemas.microsoft.com/office/drawing/2014/main" id="{58003423-3410-4395-80C5-987BE0AB05E7}"/>
+                <a16:creationId xmlns:a16="http://schemas.microsoft.com/office/drawing/2014/main" id="{925050A1-D1D5-4862-BCA5-33D745F4EAD7}"/>
               </a:ext>
             </a:extLst>
           </p:cNvPr>
-          <p:cNvPicPr>
-            <a:picLocks noGrp="1" noChangeAspect="1"/>
-          </p:cNvPicPr>
+          <p:cNvSpPr>
+            <a:spLocks noGrp="1"/>
+          </p:cNvSpPr>
           <p:nvPr>
             <p:ph idx="1"/>
           </p:nvPr>
-        </p:nvPicPr>
-        <p:blipFill>
-          <a:blip r:embed="rId3">
-            <a:extLst>
-              <a:ext uri="{28A0092B-C50C-407E-A947-70E740481C1C}">
-                <a14:useLocalDpi xmlns:a14="http://schemas.microsoft.com/office/drawing/2010/main" val="0"/>
-              </a:ext>
-            </a:extLst>
-          </a:blip>
-          <a:stretch>
-            <a:fillRect/>
-          </a:stretch>
-        </p:blipFill>
-        <p:spPr>
-          <a:xfrm>
-            <a:off x="581192" y="2477606"/>
-            <a:ext cx="2974682" cy="3678238"/>
-          </a:xfrm>
-        </p:spPr>
-      </p:pic>
-      <p:sp>
-        <p:nvSpPr>
-          <p:cNvPr id="6" name="TextBox 5">
-            <a:extLst>
-              <a:ext uri="{FF2B5EF4-FFF2-40B4-BE49-F238E27FC236}">
-                <a16:creationId xmlns:a16="http://schemas.microsoft.com/office/drawing/2014/main" id="{05AB6C2D-FEF3-493E-965E-96D2A5397128}"/>
-              </a:ext>
-            </a:extLst>
-          </p:cNvPr>
-          <p:cNvSpPr txBox="1"/>
-          <p:nvPr/>
-        </p:nvSpPr>
-        <p:spPr>
-          <a:xfrm>
-            <a:off x="4240695" y="2372821"/>
-            <a:ext cx="7951305" cy="3783023"/>
-          </a:xfrm>
-          <a:prstGeom prst="rect">
-            <a:avLst/>
-          </a:prstGeom>
-          <a:noFill/>
-        </p:spPr>
-        <p:txBody>
-          <a:bodyPr wrap="square" rtlCol="0">
-            <a:spAutoFit/>
-          </a:bodyPr>
+        </p:nvSpPr>
+        <p:spPr/>
+        <p:txBody>
+          <a:bodyPr/>
           <a:lstStyle/>
           <a:p>
-            <a:pPr marL="285750" indent="-285750">
-              <a:lnSpc>
-                <a:spcPct val="150000"/>
-              </a:lnSpc>
-              <a:buFont typeface="Arial" panose="020B0604020202020204" pitchFamily="34" charset="0"/>
-              <a:buChar char="•"/>
-            </a:pPr>
-            <a:r>
-              <a:rPr lang="en-US" dirty="0" err="1"/>
-              <a:t>DispatcherObject</a:t>
+            <a:r>
+              <a:rPr lang="en-US" b="1" dirty="0"/>
+              <a:t>DirectX</a:t>
             </a:r>
             <a:r>
               <a:rPr lang="en-US" dirty="0"/>
-              <a:t>: Mother of all WPF controls which takes care of UI thread</a:t>
-            </a:r>
-          </a:p>
-          <a:p>
-            <a:pPr marL="285750" indent="-285750">
-              <a:lnSpc>
-                <a:spcPct val="150000"/>
-              </a:lnSpc>
-              <a:buFont typeface="Arial" panose="020B0604020202020204" pitchFamily="34" charset="0"/>
-              <a:buChar char="•"/>
-            </a:pPr>
-            <a:r>
-              <a:rPr lang="en-US" dirty="0" err="1"/>
-              <a:t>DependencyObject</a:t>
+              <a:t>:  Responsible to render all the elements of WPF.</a:t>
+            </a:r>
+          </a:p>
+          <a:p>
+            <a:r>
+              <a:rPr lang="en-US" b="1" dirty="0"/>
+              <a:t>User32:</a:t>
             </a:r>
             <a:r>
               <a:rPr lang="en-US" dirty="0"/>
-              <a:t>: Builds the Observer for Dependency Properties</a:t>
-            </a:r>
-          </a:p>
-          <a:p>
-            <a:pPr marL="285750" indent="-285750">
-              <a:lnSpc>
-                <a:spcPct val="150000"/>
-              </a:lnSpc>
-              <a:buFont typeface="Arial" panose="020B0604020202020204" pitchFamily="34" charset="0"/>
-              <a:buChar char="•"/>
-            </a:pPr>
+              <a:t> Manages memory and process separation and decides which element will be placed where on screen. </a:t>
+            </a:r>
+          </a:p>
+          <a:p>
+            <a:r>
+              <a:rPr lang="en-US" b="1" dirty="0"/>
+              <a:t>GDI</a:t>
+            </a:r>
             <a:r>
               <a:rPr lang="en-US" dirty="0"/>
-              <a:t>Visual: Links between managed libraries and </a:t>
-            </a:r>
-            <a:r>
-              <a:rPr lang="en-US" dirty="0" err="1"/>
-              <a:t>milcore</a:t>
-            </a:r>
-            <a:endParaRPr lang="en-US" dirty="0"/>
-          </a:p>
-          <a:p>
-            <a:pPr marL="285750" indent="-285750">
-              <a:lnSpc>
-                <a:spcPct val="150000"/>
-              </a:lnSpc>
-              <a:buFont typeface="Arial" panose="020B0604020202020204" pitchFamily="34" charset="0"/>
-              <a:buChar char="•"/>
-            </a:pPr>
-            <a:r>
-              <a:rPr lang="en-US" dirty="0" err="1"/>
-              <a:t>UIElement</a:t>
+              <a:t>: Graphic Device Interface – Renders the GUI on the screen.</a:t>
+            </a:r>
+          </a:p>
+          <a:p>
+            <a:r>
+              <a:rPr lang="en-US" b="1" dirty="0"/>
+              <a:t>CLR</a:t>
             </a:r>
             <a:r>
               <a:rPr lang="en-US" dirty="0"/>
-              <a:t>: Adds supports for WPF features like layout, input, events, etc.</a:t>
-            </a:r>
-          </a:p>
-          <a:p>
-            <a:pPr marL="285750" indent="-285750">
-              <a:lnSpc>
-                <a:spcPct val="150000"/>
-              </a:lnSpc>
-              <a:buFont typeface="Arial" panose="020B0604020202020204" pitchFamily="34" charset="0"/>
-              <a:buChar char="•"/>
-            </a:pPr>
-            <a:r>
-              <a:rPr lang="en-US" dirty="0" err="1"/>
-              <a:t>FrameworkElement</a:t>
+              <a:t>: leverages the full .NET Framework and executes CLR.</a:t>
+            </a:r>
+          </a:p>
+          <a:p>
+            <a:r>
+              <a:rPr lang="en-US" b="1" dirty="0"/>
+              <a:t>Device</a:t>
             </a:r>
             <a:r>
               <a:rPr lang="en-US" dirty="0"/>
-              <a:t>: Implementation of </a:t>
-            </a:r>
-            <a:r>
-              <a:rPr lang="en-US" dirty="0" err="1"/>
-              <a:t>UIElement</a:t>
-            </a:r>
-            <a:endParaRPr lang="en-US" dirty="0"/>
-          </a:p>
-          <a:p>
-            <a:pPr marL="285750" indent="-285750">
-              <a:lnSpc>
-                <a:spcPct val="150000"/>
-              </a:lnSpc>
-              <a:buFont typeface="Arial" panose="020B0604020202020204" pitchFamily="34" charset="0"/>
-              <a:buChar char="•"/>
-            </a:pPr>
+              <a:t> </a:t>
+            </a:r>
+            <a:r>
+              <a:rPr lang="en-US" b="1" dirty="0"/>
+              <a:t>Drivers</a:t>
+            </a:r>
             <a:r>
               <a:rPr lang="en-US" dirty="0"/>
-              <a:t>Shape: Base class of all the Basic Shapes</a:t>
-            </a:r>
-          </a:p>
-          <a:p>
-            <a:pPr marL="285750" indent="-285750">
-              <a:lnSpc>
-                <a:spcPct val="150000"/>
-              </a:lnSpc>
-              <a:buFont typeface="Arial" panose="020B0604020202020204" pitchFamily="34" charset="0"/>
-              <a:buChar char="•"/>
-            </a:pPr>
-            <a:r>
-              <a:rPr lang="en-US" dirty="0"/>
-              <a:t>Panel: </a:t>
-            </a:r>
-            <a:r>
-              <a:rPr lang="en-US" dirty="0" err="1"/>
-              <a:t>Baseclass</a:t>
-            </a:r>
-            <a:r>
-              <a:rPr lang="en-US" dirty="0"/>
-              <a:t> of all panels which show one or more controls within it</a:t>
-            </a:r>
-          </a:p>
-          <a:p>
-            <a:pPr marL="285750" indent="-285750">
-              <a:lnSpc>
-                <a:spcPct val="150000"/>
-              </a:lnSpc>
-              <a:buFont typeface="Arial" panose="020B0604020202020204" pitchFamily="34" charset="0"/>
-              <a:buChar char="•"/>
-            </a:pPr>
-            <a:r>
-              <a:rPr lang="en-US" dirty="0" err="1"/>
-              <a:t>ItemsControl</a:t>
-            </a:r>
-            <a:r>
-              <a:rPr lang="en-US" dirty="0"/>
-              <a:t>: </a:t>
-            </a:r>
-            <a:r>
-              <a:rPr lang="en-US" dirty="0" err="1"/>
-              <a:t>Baseclass</a:t>
-            </a:r>
-            <a:r>
-              <a:rPr lang="en-US" dirty="0"/>
-              <a:t> for all controls that show a collection</a:t>
-            </a:r>
-          </a:p>
-          <a:p>
-            <a:pPr marL="285750" indent="-285750">
-              <a:lnSpc>
-                <a:spcPct val="150000"/>
-              </a:lnSpc>
-              <a:buFont typeface="Arial" panose="020B0604020202020204" pitchFamily="34" charset="0"/>
-              <a:buChar char="•"/>
-            </a:pPr>
-            <a:r>
-              <a:rPr lang="en-US" dirty="0" err="1"/>
-              <a:t>ContentControl</a:t>
-            </a:r>
-            <a:r>
-              <a:rPr lang="en-US" dirty="0"/>
-              <a:t>: </a:t>
-            </a:r>
-            <a:r>
-              <a:rPr lang="en-US" dirty="0" err="1"/>
-              <a:t>Baseclass</a:t>
-            </a:r>
-            <a:r>
-              <a:rPr lang="en-US" dirty="0"/>
-              <a:t> of all controls that have single content</a:t>
+              <a:t>: Device Drivers are used by the applications to access low-level APIs.</a:t>
             </a:r>
           </a:p>
         </p:txBody>
@@ -10194,7 +11218,7 @@
     </p:spTree>
     <p:extLst>
       <p:ext uri="{BB962C8B-B14F-4D97-AF65-F5344CB8AC3E}">
-        <p14:creationId xmlns:p14="http://schemas.microsoft.com/office/powerpoint/2010/main" val="2090836958"/>
+        <p14:creationId xmlns:p14="http://schemas.microsoft.com/office/powerpoint/2010/main" val="2020960799"/>
       </p:ext>
     </p:extLst>
   </p:cSld>
@@ -10226,7 +11250,7 @@
           <p:cNvPr id="2" name="Title 1">
             <a:extLst>
               <a:ext uri="{FF2B5EF4-FFF2-40B4-BE49-F238E27FC236}">
-                <a16:creationId xmlns:a16="http://schemas.microsoft.com/office/drawing/2014/main" id="{1C3414DE-87C0-4249-AC50-8BC298205449}"/>
+                <a16:creationId xmlns:a16="http://schemas.microsoft.com/office/drawing/2014/main" id="{BD904D7D-3A23-441C-9C80-3D5EBBBB5EC5}"/>
               </a:ext>
             </a:extLst>
           </p:cNvPr>
@@ -10244,7 +11268,7 @@
           <a:p>
             <a:r>
               <a:rPr lang="en-US" dirty="0"/>
-              <a:t>Types of windows</a:t>
+              <a:t>WPF Architecture</a:t>
             </a:r>
           </a:p>
         </p:txBody>
@@ -10254,7 +11278,7 @@
           <p:cNvPr id="3" name="Content Placeholder 2">
             <a:extLst>
               <a:ext uri="{FF2B5EF4-FFF2-40B4-BE49-F238E27FC236}">
-                <a16:creationId xmlns:a16="http://schemas.microsoft.com/office/drawing/2014/main" id="{DD04E693-A9C1-464B-AB98-E7C409316441}"/>
+                <a16:creationId xmlns:a16="http://schemas.microsoft.com/office/drawing/2014/main" id="{94DD05BB-7236-4119-A184-7FABBDE55F6D}"/>
               </a:ext>
             </a:extLst>
           </p:cNvPr>
@@ -10271,20 +11295,53 @@
           <a:lstStyle/>
           <a:p>
             <a:r>
+              <a:rPr lang="en-US" b="1" dirty="0"/>
+              <a:t>Managed Module</a:t>
+            </a:r>
+          </a:p>
+          <a:p>
+            <a:pPr lvl="1"/>
+            <a:r>
               <a:rPr lang="en-US" dirty="0"/>
-              <a:t>Normal Window</a:t>
-            </a:r>
-          </a:p>
-          <a:p>
+              <a:t>PresentationFramework.dll – contains feature which helps to build application like  Windows, Panels, controls, panel...etc.</a:t>
+            </a:r>
+          </a:p>
+          <a:p>
+            <a:pPr lvl="1"/>
             <a:r>
               <a:rPr lang="en-US" dirty="0"/>
-              <a:t>Navigation Window</a:t>
-            </a:r>
-          </a:p>
-          <a:p>
+              <a:t>PresentationCore.dll – contains low level API exposed by WPF to enable 2D and 3D geometry.</a:t>
+            </a:r>
+          </a:p>
+          <a:p>
+            <a:pPr lvl="1"/>
             <a:r>
               <a:rPr lang="en-US" dirty="0"/>
-              <a:t>Page </a:t>
+              <a:t>WindowsBase.dll – contains elements which can be reused in WPF like dispatcher objects and dependency objects.</a:t>
+            </a:r>
+          </a:p>
+          <a:p>
+            <a:r>
+              <a:rPr lang="en-US" b="1" dirty="0"/>
+              <a:t>Unmanaged Module – </a:t>
+            </a:r>
+            <a:r>
+              <a:rPr lang="en-US" sz="1600" dirty="0"/>
+              <a:t>Bridge between WPF components and OS </a:t>
+            </a:r>
+          </a:p>
+          <a:p>
+            <a:pPr lvl="1"/>
+            <a:r>
+              <a:rPr lang="en-US" dirty="0"/>
+              <a:t>milCore.dll – media integration layer</a:t>
+            </a:r>
+          </a:p>
+          <a:p>
+            <a:pPr lvl="1"/>
+            <a:r>
+              <a:rPr lang="en-US" dirty="0"/>
+              <a:t>WindowsCodecs.dll – supports feature like image processing, image display and so on.</a:t>
             </a:r>
           </a:p>
         </p:txBody>
@@ -10292,7 +11349,7 @@
     </p:spTree>
     <p:extLst>
       <p:ext uri="{BB962C8B-B14F-4D97-AF65-F5344CB8AC3E}">
-        <p14:creationId xmlns:p14="http://schemas.microsoft.com/office/powerpoint/2010/main" val="2013910492"/>
+        <p14:creationId xmlns:p14="http://schemas.microsoft.com/office/powerpoint/2010/main" val="2764592472"/>
       </p:ext>
     </p:extLst>
   </p:cSld>
@@ -10324,6 +11381,401 @@
           <p:cNvPr id="2" name="Title 1">
             <a:extLst>
               <a:ext uri="{FF2B5EF4-FFF2-40B4-BE49-F238E27FC236}">
+                <a16:creationId xmlns:a16="http://schemas.microsoft.com/office/drawing/2014/main" id="{E87A335C-CC75-44BC-AA8F-7BB4B188619E}"/>
+              </a:ext>
+            </a:extLst>
+          </p:cNvPr>
+          <p:cNvSpPr>
+            <a:spLocks noGrp="1"/>
+          </p:cNvSpPr>
+          <p:nvPr>
+            <p:ph type="title"/>
+          </p:nvPr>
+        </p:nvSpPr>
+        <p:spPr/>
+        <p:txBody>
+          <a:bodyPr/>
+          <a:lstStyle/>
+          <a:p>
+            <a:r>
+              <a:rPr lang="en-US" dirty="0"/>
+              <a:t>WPF : Class Hierarchy</a:t>
+            </a:r>
+          </a:p>
+        </p:txBody>
+      </p:sp>
+      <p:pic>
+        <p:nvPicPr>
+          <p:cNvPr id="5" name="Content Placeholder 4">
+            <a:extLst>
+              <a:ext uri="{FF2B5EF4-FFF2-40B4-BE49-F238E27FC236}">
+                <a16:creationId xmlns:a16="http://schemas.microsoft.com/office/drawing/2014/main" id="{58003423-3410-4395-80C5-987BE0AB05E7}"/>
+              </a:ext>
+            </a:extLst>
+          </p:cNvPr>
+          <p:cNvPicPr>
+            <a:picLocks noGrp="1" noChangeAspect="1"/>
+          </p:cNvPicPr>
+          <p:nvPr>
+            <p:ph idx="1"/>
+          </p:nvPr>
+        </p:nvPicPr>
+        <p:blipFill>
+          <a:blip r:embed="rId3">
+            <a:extLst>
+              <a:ext uri="{28A0092B-C50C-407E-A947-70E740481C1C}">
+                <a14:useLocalDpi xmlns:a14="http://schemas.microsoft.com/office/drawing/2010/main" val="0"/>
+              </a:ext>
+            </a:extLst>
+          </a:blip>
+          <a:stretch>
+            <a:fillRect/>
+          </a:stretch>
+        </p:blipFill>
+        <p:spPr>
+          <a:xfrm>
+            <a:off x="581192" y="2477606"/>
+            <a:ext cx="2974682" cy="3678238"/>
+          </a:xfrm>
+        </p:spPr>
+      </p:pic>
+      <p:sp>
+        <p:nvSpPr>
+          <p:cNvPr id="6" name="TextBox 5">
+            <a:extLst>
+              <a:ext uri="{FF2B5EF4-FFF2-40B4-BE49-F238E27FC236}">
+                <a16:creationId xmlns:a16="http://schemas.microsoft.com/office/drawing/2014/main" id="{05AB6C2D-FEF3-493E-965E-96D2A5397128}"/>
+              </a:ext>
+            </a:extLst>
+          </p:cNvPr>
+          <p:cNvSpPr txBox="1"/>
+          <p:nvPr/>
+        </p:nvSpPr>
+        <p:spPr>
+          <a:xfrm>
+            <a:off x="4240695" y="2372821"/>
+            <a:ext cx="7951305" cy="3783023"/>
+          </a:xfrm>
+          <a:prstGeom prst="rect">
+            <a:avLst/>
+          </a:prstGeom>
+          <a:noFill/>
+        </p:spPr>
+        <p:txBody>
+          <a:bodyPr wrap="square" rtlCol="0">
+            <a:spAutoFit/>
+          </a:bodyPr>
+          <a:lstStyle/>
+          <a:p>
+            <a:pPr marL="285750" indent="-285750">
+              <a:lnSpc>
+                <a:spcPct val="150000"/>
+              </a:lnSpc>
+              <a:buFont typeface="Arial" panose="020B0604020202020204" pitchFamily="34" charset="0"/>
+              <a:buChar char="•"/>
+            </a:pPr>
+            <a:r>
+              <a:rPr lang="en-US" dirty="0" err="1"/>
+              <a:t>DispatcherObject</a:t>
+            </a:r>
+            <a:r>
+              <a:rPr lang="en-US" dirty="0"/>
+              <a:t>: Mother of all WPF controls which takes care of UI thread</a:t>
+            </a:r>
+          </a:p>
+          <a:p>
+            <a:pPr marL="285750" indent="-285750">
+              <a:lnSpc>
+                <a:spcPct val="150000"/>
+              </a:lnSpc>
+              <a:buFont typeface="Arial" panose="020B0604020202020204" pitchFamily="34" charset="0"/>
+              <a:buChar char="•"/>
+            </a:pPr>
+            <a:r>
+              <a:rPr lang="en-US" dirty="0" err="1"/>
+              <a:t>DependencyObject</a:t>
+            </a:r>
+            <a:r>
+              <a:rPr lang="en-US" dirty="0"/>
+              <a:t>: Builds the Observer for Dependency Properties</a:t>
+            </a:r>
+          </a:p>
+          <a:p>
+            <a:pPr marL="285750" indent="-285750">
+              <a:lnSpc>
+                <a:spcPct val="150000"/>
+              </a:lnSpc>
+              <a:buFont typeface="Arial" panose="020B0604020202020204" pitchFamily="34" charset="0"/>
+              <a:buChar char="•"/>
+            </a:pPr>
+            <a:r>
+              <a:rPr lang="en-US" dirty="0"/>
+              <a:t>Visual: Links between managed libraries and </a:t>
+            </a:r>
+            <a:r>
+              <a:rPr lang="en-US" dirty="0" err="1"/>
+              <a:t>milcore</a:t>
+            </a:r>
+            <a:endParaRPr lang="en-US" dirty="0"/>
+          </a:p>
+          <a:p>
+            <a:pPr marL="285750" indent="-285750">
+              <a:lnSpc>
+                <a:spcPct val="150000"/>
+              </a:lnSpc>
+              <a:buFont typeface="Arial" panose="020B0604020202020204" pitchFamily="34" charset="0"/>
+              <a:buChar char="•"/>
+            </a:pPr>
+            <a:r>
+              <a:rPr lang="en-US" dirty="0" err="1"/>
+              <a:t>UIElement</a:t>
+            </a:r>
+            <a:r>
+              <a:rPr lang="en-US" dirty="0"/>
+              <a:t>: Adds supports for WPF features like layout, input, events, etc.</a:t>
+            </a:r>
+          </a:p>
+          <a:p>
+            <a:pPr marL="285750" indent="-285750">
+              <a:lnSpc>
+                <a:spcPct val="150000"/>
+              </a:lnSpc>
+              <a:buFont typeface="Arial" panose="020B0604020202020204" pitchFamily="34" charset="0"/>
+              <a:buChar char="•"/>
+            </a:pPr>
+            <a:r>
+              <a:rPr lang="en-US" dirty="0" err="1"/>
+              <a:t>FrameworkElement</a:t>
+            </a:r>
+            <a:r>
+              <a:rPr lang="en-US" dirty="0"/>
+              <a:t>: Implementation of </a:t>
+            </a:r>
+            <a:r>
+              <a:rPr lang="en-US" dirty="0" err="1"/>
+              <a:t>UIElement</a:t>
+            </a:r>
+            <a:endParaRPr lang="en-US" dirty="0"/>
+          </a:p>
+          <a:p>
+            <a:pPr marL="285750" indent="-285750">
+              <a:lnSpc>
+                <a:spcPct val="150000"/>
+              </a:lnSpc>
+              <a:buFont typeface="Arial" panose="020B0604020202020204" pitchFamily="34" charset="0"/>
+              <a:buChar char="•"/>
+            </a:pPr>
+            <a:r>
+              <a:rPr lang="en-US" dirty="0"/>
+              <a:t>Shape: Base class of all the Basic Shapes</a:t>
+            </a:r>
+          </a:p>
+          <a:p>
+            <a:pPr marL="285750" indent="-285750">
+              <a:lnSpc>
+                <a:spcPct val="150000"/>
+              </a:lnSpc>
+              <a:buFont typeface="Arial" panose="020B0604020202020204" pitchFamily="34" charset="0"/>
+              <a:buChar char="•"/>
+            </a:pPr>
+            <a:r>
+              <a:rPr lang="en-US" dirty="0"/>
+              <a:t>Panel: </a:t>
+            </a:r>
+            <a:r>
+              <a:rPr lang="en-US" dirty="0" err="1"/>
+              <a:t>Baseclass</a:t>
+            </a:r>
+            <a:r>
+              <a:rPr lang="en-US" dirty="0"/>
+              <a:t> of all panels which show one or more controls within it</a:t>
+            </a:r>
+          </a:p>
+          <a:p>
+            <a:pPr marL="285750" indent="-285750">
+              <a:lnSpc>
+                <a:spcPct val="150000"/>
+              </a:lnSpc>
+              <a:buFont typeface="Arial" panose="020B0604020202020204" pitchFamily="34" charset="0"/>
+              <a:buChar char="•"/>
+            </a:pPr>
+            <a:r>
+              <a:rPr lang="en-US" dirty="0" err="1"/>
+              <a:t>ItemsControl</a:t>
+            </a:r>
+            <a:r>
+              <a:rPr lang="en-US" dirty="0"/>
+              <a:t>: </a:t>
+            </a:r>
+            <a:r>
+              <a:rPr lang="en-US" dirty="0" err="1"/>
+              <a:t>Baseclass</a:t>
+            </a:r>
+            <a:r>
+              <a:rPr lang="en-US" dirty="0"/>
+              <a:t> for all controls that show a collection</a:t>
+            </a:r>
+          </a:p>
+          <a:p>
+            <a:pPr marL="285750" indent="-285750">
+              <a:lnSpc>
+                <a:spcPct val="150000"/>
+              </a:lnSpc>
+              <a:buFont typeface="Arial" panose="020B0604020202020204" pitchFamily="34" charset="0"/>
+              <a:buChar char="•"/>
+            </a:pPr>
+            <a:r>
+              <a:rPr lang="en-US" dirty="0" err="1"/>
+              <a:t>ContentControl</a:t>
+            </a:r>
+            <a:r>
+              <a:rPr lang="en-US" dirty="0"/>
+              <a:t>: </a:t>
+            </a:r>
+            <a:r>
+              <a:rPr lang="en-US" dirty="0" err="1"/>
+              <a:t>Baseclass</a:t>
+            </a:r>
+            <a:r>
+              <a:rPr lang="en-US" dirty="0"/>
+              <a:t> of all controls that have single content</a:t>
+            </a:r>
+          </a:p>
+        </p:txBody>
+      </p:sp>
+    </p:spTree>
+    <p:extLst>
+      <p:ext uri="{BB962C8B-B14F-4D97-AF65-F5344CB8AC3E}">
+        <p14:creationId xmlns:p14="http://schemas.microsoft.com/office/powerpoint/2010/main" val="2090836958"/>
+      </p:ext>
+    </p:extLst>
+  </p:cSld>
+  <p:clrMapOvr>
+    <a:masterClrMapping/>
+  </p:clrMapOvr>
+</p:sld>
+</file>
+
+<file path=ppt/slides/slide6.xml><?xml version="1.0" encoding="utf-8"?>
+<p:sld xmlns:a="http://schemas.openxmlformats.org/drawingml/2006/main" xmlns:r="http://schemas.openxmlformats.org/officeDocument/2006/relationships" xmlns:p="http://schemas.openxmlformats.org/presentationml/2006/main">
+  <p:cSld>
+    <p:spTree>
+      <p:nvGrpSpPr>
+        <p:cNvPr id="1" name=""/>
+        <p:cNvGrpSpPr/>
+        <p:nvPr/>
+      </p:nvGrpSpPr>
+      <p:grpSpPr>
+        <a:xfrm>
+          <a:off x="0" y="0"/>
+          <a:ext cx="0" cy="0"/>
+          <a:chOff x="0" y="0"/>
+          <a:chExt cx="0" cy="0"/>
+        </a:xfrm>
+      </p:grpSpPr>
+      <p:sp>
+        <p:nvSpPr>
+          <p:cNvPr id="2" name="Title 1">
+            <a:extLst>
+              <a:ext uri="{FF2B5EF4-FFF2-40B4-BE49-F238E27FC236}">
+                <a16:creationId xmlns:a16="http://schemas.microsoft.com/office/drawing/2014/main" id="{1C3414DE-87C0-4249-AC50-8BC298205449}"/>
+              </a:ext>
+            </a:extLst>
+          </p:cNvPr>
+          <p:cNvSpPr>
+            <a:spLocks noGrp="1"/>
+          </p:cNvSpPr>
+          <p:nvPr>
+            <p:ph type="title"/>
+          </p:nvPr>
+        </p:nvSpPr>
+        <p:spPr/>
+        <p:txBody>
+          <a:bodyPr/>
+          <a:lstStyle/>
+          <a:p>
+            <a:r>
+              <a:rPr lang="en-US" dirty="0"/>
+              <a:t>Types of windows</a:t>
+            </a:r>
+          </a:p>
+        </p:txBody>
+      </p:sp>
+      <p:sp>
+        <p:nvSpPr>
+          <p:cNvPr id="3" name="Content Placeholder 2">
+            <a:extLst>
+              <a:ext uri="{FF2B5EF4-FFF2-40B4-BE49-F238E27FC236}">
+                <a16:creationId xmlns:a16="http://schemas.microsoft.com/office/drawing/2014/main" id="{DD04E693-A9C1-464B-AB98-E7C409316441}"/>
+              </a:ext>
+            </a:extLst>
+          </p:cNvPr>
+          <p:cNvSpPr>
+            <a:spLocks noGrp="1"/>
+          </p:cNvSpPr>
+          <p:nvPr>
+            <p:ph idx="1"/>
+          </p:nvPr>
+        </p:nvSpPr>
+        <p:spPr/>
+        <p:txBody>
+          <a:bodyPr/>
+          <a:lstStyle/>
+          <a:p>
+            <a:r>
+              <a:rPr lang="en-US" dirty="0"/>
+              <a:t>Normal Window</a:t>
+            </a:r>
+          </a:p>
+          <a:p>
+            <a:r>
+              <a:rPr lang="en-US" dirty="0"/>
+              <a:t>Navigation Window</a:t>
+            </a:r>
+          </a:p>
+          <a:p>
+            <a:r>
+              <a:rPr lang="en-US" dirty="0"/>
+              <a:t>Page </a:t>
+            </a:r>
+          </a:p>
+        </p:txBody>
+      </p:sp>
+    </p:spTree>
+    <p:extLst>
+      <p:ext uri="{BB962C8B-B14F-4D97-AF65-F5344CB8AC3E}">
+        <p14:creationId xmlns:p14="http://schemas.microsoft.com/office/powerpoint/2010/main" val="2013910492"/>
+      </p:ext>
+    </p:extLst>
+  </p:cSld>
+  <p:clrMapOvr>
+    <a:masterClrMapping/>
+  </p:clrMapOvr>
+</p:sld>
+</file>
+
+<file path=ppt/slides/slide7.xml><?xml version="1.0" encoding="utf-8"?>
+<p:sld xmlns:a="http://schemas.openxmlformats.org/drawingml/2006/main" xmlns:r="http://schemas.openxmlformats.org/officeDocument/2006/relationships" xmlns:p="http://schemas.openxmlformats.org/presentationml/2006/main">
+  <p:cSld>
+    <p:spTree>
+      <p:nvGrpSpPr>
+        <p:cNvPr id="1" name=""/>
+        <p:cNvGrpSpPr/>
+        <p:nvPr/>
+      </p:nvGrpSpPr>
+      <p:grpSpPr>
+        <a:xfrm>
+          <a:off x="0" y="0"/>
+          <a:ext cx="0" cy="0"/>
+          <a:chOff x="0" y="0"/>
+          <a:chExt cx="0" cy="0"/>
+        </a:xfrm>
+      </p:grpSpPr>
+      <p:sp>
+        <p:nvSpPr>
+          <p:cNvPr id="2" name="Title 1">
+            <a:extLst>
+              <a:ext uri="{FF2B5EF4-FFF2-40B4-BE49-F238E27FC236}">
                 <a16:creationId xmlns:a16="http://schemas.microsoft.com/office/drawing/2014/main" id="{C7ECBDBB-E4CB-440F-92D2-496B9EBAE981}"/>
               </a:ext>
             </a:extLst>
@@ -10411,7 +11863,7 @@
 </p:sld>
 </file>
 
-<file path=ppt/slides/slide6.xml><?xml version="1.0" encoding="utf-8"?>
+<file path=ppt/slides/slide8.xml><?xml version="1.0" encoding="utf-8"?>
 <p:sld xmlns:a="http://schemas.openxmlformats.org/drawingml/2006/main" xmlns:r="http://schemas.openxmlformats.org/officeDocument/2006/relationships" xmlns:p="http://schemas.openxmlformats.org/presentationml/2006/main">
   <p:cSld>
     <p:spTree>
@@ -10757,7 +12209,7 @@
 </p:sld>
 </file>
 
-<file path=ppt/slides/slide7.xml><?xml version="1.0" encoding="utf-8"?>
+<file path=ppt/slides/slide9.xml><?xml version="1.0" encoding="utf-8"?>
 <p:sld xmlns:a="http://schemas.openxmlformats.org/drawingml/2006/main" xmlns:r="http://schemas.openxmlformats.org/officeDocument/2006/relationships" xmlns:p="http://schemas.openxmlformats.org/presentationml/2006/main">
   <p:cSld>
     <p:spTree>
@@ -10903,1103 +12355,6 @@
     <p:extLst>
       <p:ext uri="{BB962C8B-B14F-4D97-AF65-F5344CB8AC3E}">
         <p14:creationId xmlns:p14="http://schemas.microsoft.com/office/powerpoint/2010/main" val="4233751017"/>
-      </p:ext>
-    </p:extLst>
-  </p:cSld>
-  <p:clrMapOvr>
-    <a:masterClrMapping/>
-  </p:clrMapOvr>
-</p:sld>
-</file>
-
-<file path=ppt/slides/slide8.xml><?xml version="1.0" encoding="utf-8"?>
-<p:sld xmlns:a="http://schemas.openxmlformats.org/drawingml/2006/main" xmlns:r="http://schemas.openxmlformats.org/officeDocument/2006/relationships" xmlns:p="http://schemas.openxmlformats.org/presentationml/2006/main">
-  <p:cSld>
-    <p:spTree>
-      <p:nvGrpSpPr>
-        <p:cNvPr id="1" name=""/>
-        <p:cNvGrpSpPr/>
-        <p:nvPr/>
-      </p:nvGrpSpPr>
-      <p:grpSpPr>
-        <a:xfrm>
-          <a:off x="0" y="0"/>
-          <a:ext cx="0" cy="0"/>
-          <a:chOff x="0" y="0"/>
-          <a:chExt cx="0" cy="0"/>
-        </a:xfrm>
-      </p:grpSpPr>
-      <p:sp>
-        <p:nvSpPr>
-          <p:cNvPr id="2" name="Title 1">
-            <a:extLst>
-              <a:ext uri="{FF2B5EF4-FFF2-40B4-BE49-F238E27FC236}">
-                <a16:creationId xmlns:a16="http://schemas.microsoft.com/office/drawing/2014/main" id="{98AE3BDA-62F1-48C0-A34F-10CCD6897A5E}"/>
-              </a:ext>
-            </a:extLst>
-          </p:cNvPr>
-          <p:cNvSpPr>
-            <a:spLocks noGrp="1"/>
-          </p:cNvSpPr>
-          <p:nvPr>
-            <p:ph type="title"/>
-          </p:nvPr>
-        </p:nvSpPr>
-        <p:spPr/>
-        <p:txBody>
-          <a:bodyPr/>
-          <a:lstStyle/>
-          <a:p>
-            <a:r>
-              <a:rPr lang="en-US" b="1" dirty="0"/>
-              <a:t>Separation of Appearance and Behavior</a:t>
-            </a:r>
-            <a:endParaRPr lang="en-US" dirty="0"/>
-          </a:p>
-        </p:txBody>
-      </p:sp>
-      <p:sp>
-        <p:nvSpPr>
-          <p:cNvPr id="3" name="Content Placeholder 2">
-            <a:extLst>
-              <a:ext uri="{FF2B5EF4-FFF2-40B4-BE49-F238E27FC236}">
-                <a16:creationId xmlns:a16="http://schemas.microsoft.com/office/drawing/2014/main" id="{C02A9C6F-DFE5-4310-9481-92D5AF26050C}"/>
-              </a:ext>
-            </a:extLst>
-          </p:cNvPr>
-          <p:cNvSpPr>
-            <a:spLocks noGrp="1"/>
-          </p:cNvSpPr>
-          <p:nvPr>
-            <p:ph idx="1"/>
-          </p:nvPr>
-        </p:nvSpPr>
-        <p:spPr/>
-        <p:txBody>
-          <a:bodyPr>
-            <a:normAutofit/>
-          </a:bodyPr>
-          <a:lstStyle/>
-          <a:p>
-            <a:pPr marL="0" indent="0">
-              <a:buNone/>
-            </a:pPr>
-            <a:r>
-              <a:rPr lang="en-US" dirty="0"/>
-              <a:t>Every View screen  has two files</a:t>
-            </a:r>
-          </a:p>
-          <a:p>
-            <a:pPr marL="0" indent="0">
-              <a:buNone/>
-            </a:pPr>
-            <a:r>
-              <a:rPr lang="en-US" dirty="0"/>
-              <a:t>	1. XAML </a:t>
-            </a:r>
-          </a:p>
-          <a:p>
-            <a:pPr marL="0" indent="0">
-              <a:buNone/>
-            </a:pPr>
-            <a:r>
-              <a:rPr lang="en-US" dirty="0"/>
-              <a:t>	2. .cs File</a:t>
-            </a:r>
-          </a:p>
-          <a:p>
-            <a:pPr marL="0" indent="0">
-              <a:buNone/>
-            </a:pPr>
-            <a:endParaRPr lang="en-US" dirty="0"/>
-          </a:p>
-          <a:p>
-            <a:pPr marL="0" indent="0">
-              <a:buNone/>
-            </a:pPr>
-            <a:r>
-              <a:rPr lang="en-US" dirty="0"/>
-              <a:t>Benefits:</a:t>
-            </a:r>
-          </a:p>
-          <a:p>
-            <a:r>
-              <a:rPr lang="en-US" sz="1800" dirty="0"/>
-              <a:t>Appearance and behavior are loosely coupled</a:t>
-            </a:r>
-          </a:p>
-          <a:p>
-            <a:r>
-              <a:rPr lang="en-US" sz="1800" dirty="0"/>
-              <a:t>Designers and developers can work on separate models.</a:t>
-            </a:r>
-          </a:p>
-        </p:txBody>
-      </p:sp>
-    </p:spTree>
-    <p:extLst>
-      <p:ext uri="{BB962C8B-B14F-4D97-AF65-F5344CB8AC3E}">
-        <p14:creationId xmlns:p14="http://schemas.microsoft.com/office/powerpoint/2010/main" val="640307417"/>
-      </p:ext>
-    </p:extLst>
-  </p:cSld>
-  <p:clrMapOvr>
-    <a:masterClrMapping/>
-  </p:clrMapOvr>
-</p:sld>
-</file>
-
-<file path=ppt/slides/slide9.xml><?xml version="1.0" encoding="utf-8"?>
-<p:sld xmlns:a="http://schemas.openxmlformats.org/drawingml/2006/main" xmlns:r="http://schemas.openxmlformats.org/officeDocument/2006/relationships" xmlns:p="http://schemas.openxmlformats.org/presentationml/2006/main">
-  <p:cSld>
-    <p:spTree>
-      <p:nvGrpSpPr>
-        <p:cNvPr id="1" name=""/>
-        <p:cNvGrpSpPr/>
-        <p:nvPr/>
-      </p:nvGrpSpPr>
-      <p:grpSpPr>
-        <a:xfrm>
-          <a:off x="0" y="0"/>
-          <a:ext cx="0" cy="0"/>
-          <a:chOff x="0" y="0"/>
-          <a:chExt cx="0" cy="0"/>
-        </a:xfrm>
-      </p:grpSpPr>
-      <p:sp>
-        <p:nvSpPr>
-          <p:cNvPr id="2" name="Title 1">
-            <a:extLst>
-              <a:ext uri="{FF2B5EF4-FFF2-40B4-BE49-F238E27FC236}">
-                <a16:creationId xmlns:a16="http://schemas.microsoft.com/office/drawing/2014/main" id="{614C9108-D82D-43DE-A35E-E2E57FC0ED55}"/>
-              </a:ext>
-            </a:extLst>
-          </p:cNvPr>
-          <p:cNvSpPr>
-            <a:spLocks noGrp="1"/>
-          </p:cNvSpPr>
-          <p:nvPr>
-            <p:ph type="title"/>
-          </p:nvPr>
-        </p:nvSpPr>
-        <p:spPr/>
-        <p:txBody>
-          <a:bodyPr/>
-          <a:lstStyle/>
-          <a:p>
-            <a:r>
-              <a:rPr lang="en-US" dirty="0"/>
-              <a:t>Highly Customizable</a:t>
-            </a:r>
-          </a:p>
-        </p:txBody>
-      </p:sp>
-      <p:sp>
-        <p:nvSpPr>
-          <p:cNvPr id="3" name="Content Placeholder 2">
-            <a:extLst>
-              <a:ext uri="{FF2B5EF4-FFF2-40B4-BE49-F238E27FC236}">
-                <a16:creationId xmlns:a16="http://schemas.microsoft.com/office/drawing/2014/main" id="{0994B96E-E96B-4316-9488-4ADDF0DF0E6B}"/>
-              </a:ext>
-            </a:extLst>
-          </p:cNvPr>
-          <p:cNvSpPr>
-            <a:spLocks noGrp="1"/>
-          </p:cNvSpPr>
-          <p:nvPr>
-            <p:ph idx="1"/>
-          </p:nvPr>
-        </p:nvSpPr>
-        <p:spPr/>
-        <p:txBody>
-          <a:bodyPr/>
-          <a:lstStyle/>
-          <a:p>
-            <a:pPr marL="514350" indent="-514350">
-              <a:buFont typeface="+mj-lt"/>
-              <a:buAutoNum type="arabicPeriod"/>
-            </a:pPr>
-            <a:r>
-              <a:rPr lang="en-US" dirty="0"/>
-              <a:t>Rich Composition </a:t>
-            </a:r>
-          </a:p>
-          <a:p>
-            <a:pPr marL="514350" indent="-514350">
-              <a:buFont typeface="+mj-lt"/>
-              <a:buAutoNum type="arabicPeriod"/>
-            </a:pPr>
-            <a:r>
-              <a:rPr lang="en-US" dirty="0"/>
-              <a:t>Styling – Style and Template</a:t>
-            </a:r>
-          </a:p>
-          <a:p>
-            <a:pPr marL="514350" indent="-514350">
-              <a:buFont typeface="+mj-lt"/>
-              <a:buAutoNum type="arabicPeriod"/>
-            </a:pPr>
-            <a:r>
-              <a:rPr lang="en-US" dirty="0"/>
-              <a:t>Resolution Independent</a:t>
-            </a:r>
-          </a:p>
-          <a:p>
-            <a:pPr marL="0" indent="0">
-              <a:buNone/>
-            </a:pPr>
-            <a:endParaRPr lang="en-US" dirty="0"/>
-          </a:p>
-          <a:p>
-            <a:pPr marL="514350" indent="-514350">
-              <a:buFont typeface="+mj-lt"/>
-              <a:buAutoNum type="arabicPeriod"/>
-            </a:pPr>
-            <a:endParaRPr lang="en-US" dirty="0"/>
-          </a:p>
-        </p:txBody>
-      </p:sp>
-      <p:sp>
-        <p:nvSpPr>
-          <p:cNvPr id="4" name="Rectangle 1">
-            <a:extLst>
-              <a:ext uri="{FF2B5EF4-FFF2-40B4-BE49-F238E27FC236}">
-                <a16:creationId xmlns:a16="http://schemas.microsoft.com/office/drawing/2014/main" id="{6D3CD992-0AAF-4D8F-B968-634C610B0A39}"/>
-              </a:ext>
-            </a:extLst>
-          </p:cNvPr>
-          <p:cNvSpPr>
-            <a:spLocks noChangeArrowheads="1"/>
-          </p:cNvSpPr>
-          <p:nvPr/>
-        </p:nvSpPr>
-        <p:spPr bwMode="auto">
-          <a:xfrm>
-            <a:off x="1810043" y="4001294"/>
-            <a:ext cx="7160455" cy="3070792"/>
-          </a:xfrm>
-          <a:prstGeom prst="rect">
-            <a:avLst/>
-          </a:prstGeom>
-          <a:noFill/>
-          <a:ln>
-            <a:noFill/>
-          </a:ln>
-          <a:effectLst/>
-          <a:extLst>
-            <a:ext uri="{909E8E84-426E-40DD-AFC4-6F175D3DCCD1}">
-              <a14:hiddenFill xmlns:a14="http://schemas.microsoft.com/office/drawing/2010/main">
-                <a:solidFill>
-                  <a:schemeClr val="accent1"/>
-                </a:solidFill>
-              </a14:hiddenFill>
-            </a:ext>
-            <a:ext uri="{91240B29-F687-4F45-9708-019B960494DF}">
-              <a14:hiddenLine xmlns:a14="http://schemas.microsoft.com/office/drawing/2010/main" w="9525">
-                <a:solidFill>
-                  <a:schemeClr val="tx1"/>
-                </a:solidFill>
-                <a:miter lim="800000"/>
-                <a:headEnd/>
-                <a:tailEnd/>
-              </a14:hiddenLine>
-            </a:ext>
-            <a:ext uri="{AF507438-7753-43E0-B8FC-AC1667EBCBE1}">
-              <a14:hiddenEffects xmlns:a14="http://schemas.microsoft.com/office/drawing/2010/main">
-                <a:effectLst>
-                  <a:outerShdw dist="35921" dir="2700000" algn="ctr" rotWithShape="0">
-                    <a:schemeClr val="bg2"/>
-                  </a:outerShdw>
-                </a:effectLst>
-              </a14:hiddenEffects>
-            </a:ext>
-          </a:extLst>
-        </p:spPr>
-        <p:txBody>
-          <a:bodyPr vert="horz" wrap="square" lIns="0" tIns="-71415" rIns="-71415" bIns="-179331" numCol="1" anchor="ctr" anchorCtr="0" compatLnSpc="1">
-            <a:prstTxWarp prst="textNoShape">
-              <a:avLst/>
-            </a:prstTxWarp>
-            <a:spAutoFit/>
-          </a:bodyPr>
-          <a:lstStyle/>
-          <a:p>
-            <a:pPr marL="0" marR="0" lvl="0" indent="0" algn="l" defTabSz="914400" rtl="0" eaLnBrk="0" fontAlgn="base" latinLnBrk="0" hangingPunct="0">
-              <a:lnSpc>
-                <a:spcPct val="100000"/>
-              </a:lnSpc>
-              <a:spcBef>
-                <a:spcPct val="0"/>
-              </a:spcBef>
-              <a:spcAft>
-                <a:spcPct val="0"/>
-              </a:spcAft>
-              <a:buClrTx/>
-              <a:buSzTx/>
-              <a:buFontTx/>
-              <a:buNone/>
-              <a:tabLst/>
-            </a:pPr>
-            <a:endParaRPr kumimoji="0" lang="en-US" altLang="en-US" b="0" i="0" u="none" strike="noStrike" cap="none" normalizeH="0" baseline="0" dirty="0">
-              <a:ln>
-                <a:noFill/>
-              </a:ln>
-              <a:solidFill>
-                <a:srgbClr val="800000"/>
-              </a:solidFill>
-              <a:effectLst/>
-              <a:latin typeface="Courier New" panose="02070309020205020404" pitchFamily="49" charset="0"/>
-              <a:cs typeface="Courier New" panose="02070309020205020404" pitchFamily="49" charset="0"/>
-            </a:endParaRPr>
-          </a:p>
-          <a:p>
-            <a:pPr marL="0" marR="0" lvl="0" indent="0" algn="l" defTabSz="914400" rtl="0" eaLnBrk="0" fontAlgn="base" latinLnBrk="0" hangingPunct="0">
-              <a:lnSpc>
-                <a:spcPct val="100000"/>
-              </a:lnSpc>
-              <a:spcBef>
-                <a:spcPct val="0"/>
-              </a:spcBef>
-              <a:spcAft>
-                <a:spcPct val="0"/>
-              </a:spcAft>
-              <a:buClrTx/>
-              <a:buSzTx/>
-              <a:buFontTx/>
-              <a:buNone/>
-              <a:tabLst/>
-            </a:pPr>
-            <a:endParaRPr lang="en-US" altLang="en-US" dirty="0">
-              <a:solidFill>
-                <a:srgbClr val="800000"/>
-              </a:solidFill>
-              <a:latin typeface="Courier New" panose="02070309020205020404" pitchFamily="49" charset="0"/>
-              <a:cs typeface="Courier New" panose="02070309020205020404" pitchFamily="49" charset="0"/>
-            </a:endParaRPr>
-          </a:p>
-          <a:p>
-            <a:pPr marL="0" marR="0" lvl="0" indent="0" algn="l" defTabSz="914400" rtl="0" eaLnBrk="0" fontAlgn="base" latinLnBrk="0" hangingPunct="0">
-              <a:lnSpc>
-                <a:spcPct val="100000"/>
-              </a:lnSpc>
-              <a:spcBef>
-                <a:spcPct val="0"/>
-              </a:spcBef>
-              <a:spcAft>
-                <a:spcPct val="0"/>
-              </a:spcAft>
-              <a:buClrTx/>
-              <a:buSzTx/>
-              <a:buFontTx/>
-              <a:buNone/>
-              <a:tabLst/>
-            </a:pPr>
-            <a:r>
-              <a:rPr kumimoji="0" lang="en-US" altLang="en-US" b="0" i="0" u="none" strike="noStrike" cap="none" normalizeH="0" baseline="0" dirty="0">
-                <a:ln>
-                  <a:noFill/>
-                </a:ln>
-                <a:solidFill>
-                  <a:srgbClr val="800000"/>
-                </a:solidFill>
-                <a:effectLst/>
-                <a:latin typeface="Courier New" panose="02070309020205020404" pitchFamily="49" charset="0"/>
-                <a:cs typeface="Courier New" panose="02070309020205020404" pitchFamily="49" charset="0"/>
-              </a:rPr>
-              <a:t>&lt;Button&gt;</a:t>
-            </a:r>
-            <a:r>
-              <a:rPr kumimoji="0" lang="en-US" altLang="en-US" b="0" i="0" u="none" strike="noStrike" cap="none" normalizeH="0" baseline="0" dirty="0">
-                <a:ln>
-                  <a:noFill/>
-                </a:ln>
-                <a:solidFill>
-                  <a:srgbClr val="444444"/>
-                </a:solidFill>
-                <a:effectLst/>
-                <a:latin typeface="Courier New" panose="02070309020205020404" pitchFamily="49" charset="0"/>
-                <a:cs typeface="Courier New" panose="02070309020205020404" pitchFamily="49" charset="0"/>
-              </a:rPr>
-              <a:t> </a:t>
-            </a:r>
-          </a:p>
-          <a:p>
-            <a:pPr marL="0" marR="0" lvl="0" indent="0" algn="l" defTabSz="914400" rtl="0" eaLnBrk="0" fontAlgn="base" latinLnBrk="0" hangingPunct="0">
-              <a:lnSpc>
-                <a:spcPct val="100000"/>
-              </a:lnSpc>
-              <a:spcBef>
-                <a:spcPct val="0"/>
-              </a:spcBef>
-              <a:spcAft>
-                <a:spcPct val="0"/>
-              </a:spcAft>
-              <a:buClrTx/>
-              <a:buSzTx/>
-              <a:buFontTx/>
-              <a:buNone/>
-              <a:tabLst/>
-            </a:pPr>
-            <a:r>
-              <a:rPr kumimoji="0" lang="en-US" altLang="en-US" b="0" i="0" u="none" strike="noStrike" cap="none" normalizeH="0" baseline="0" dirty="0">
-                <a:ln>
-                  <a:noFill/>
-                </a:ln>
-                <a:solidFill>
-                  <a:srgbClr val="800000"/>
-                </a:solidFill>
-                <a:effectLst/>
-                <a:latin typeface="Courier New" panose="02070309020205020404" pitchFamily="49" charset="0"/>
-                <a:cs typeface="Courier New" panose="02070309020205020404" pitchFamily="49" charset="0"/>
-              </a:rPr>
-              <a:t>	&lt;</a:t>
-            </a:r>
-            <a:r>
-              <a:rPr kumimoji="0" lang="en-US" altLang="en-US" b="0" i="0" u="none" strike="noStrike" cap="none" normalizeH="0" baseline="0" dirty="0" err="1">
-                <a:ln>
-                  <a:noFill/>
-                </a:ln>
-                <a:solidFill>
-                  <a:srgbClr val="800000"/>
-                </a:solidFill>
-                <a:effectLst/>
-                <a:latin typeface="Courier New" panose="02070309020205020404" pitchFamily="49" charset="0"/>
-                <a:cs typeface="Courier New" panose="02070309020205020404" pitchFamily="49" charset="0"/>
-              </a:rPr>
-              <a:t>StackPanel</a:t>
-            </a:r>
-            <a:r>
-              <a:rPr kumimoji="0" lang="en-US" altLang="en-US" b="0" i="0" u="none" strike="noStrike" cap="none" normalizeH="0" baseline="0" dirty="0">
-                <a:ln>
-                  <a:noFill/>
-                </a:ln>
-                <a:solidFill>
-                  <a:srgbClr val="800000"/>
-                </a:solidFill>
-                <a:effectLst/>
-                <a:latin typeface="Courier New" panose="02070309020205020404" pitchFamily="49" charset="0"/>
-                <a:cs typeface="Courier New" panose="02070309020205020404" pitchFamily="49" charset="0"/>
-              </a:rPr>
-              <a:t> </a:t>
-            </a:r>
-            <a:r>
-              <a:rPr kumimoji="0" lang="en-US" altLang="en-US" b="0" i="0" u="none" strike="noStrike" cap="none" normalizeH="0" baseline="0" dirty="0">
-                <a:ln>
-                  <a:noFill/>
-                </a:ln>
-                <a:solidFill>
-                  <a:srgbClr val="FF0000"/>
-                </a:solidFill>
-                <a:effectLst/>
-                <a:latin typeface="Courier New" panose="02070309020205020404" pitchFamily="49" charset="0"/>
-                <a:cs typeface="Courier New" panose="02070309020205020404" pitchFamily="49" charset="0"/>
-              </a:rPr>
-              <a:t>Orientation</a:t>
-            </a:r>
-            <a:r>
-              <a:rPr kumimoji="0" lang="en-US" altLang="en-US" b="0" i="0" u="none" strike="noStrike" cap="none" normalizeH="0" baseline="0" dirty="0">
-                <a:ln>
-                  <a:noFill/>
-                </a:ln>
-                <a:solidFill>
-                  <a:srgbClr val="800000"/>
-                </a:solidFill>
-                <a:effectLst/>
-                <a:latin typeface="Courier New" panose="02070309020205020404" pitchFamily="49" charset="0"/>
-                <a:cs typeface="Courier New" panose="02070309020205020404" pitchFamily="49" charset="0"/>
-              </a:rPr>
-              <a:t>=</a:t>
-            </a:r>
-            <a:r>
-              <a:rPr kumimoji="0" lang="en-US" altLang="en-US" b="0" i="0" u="none" strike="noStrike" cap="none" normalizeH="0" baseline="0" dirty="0">
-                <a:ln>
-                  <a:noFill/>
-                </a:ln>
-                <a:solidFill>
-                  <a:srgbClr val="0000FF"/>
-                </a:solidFill>
-                <a:effectLst/>
-                <a:latin typeface="Courier New" panose="02070309020205020404" pitchFamily="49" charset="0"/>
-                <a:cs typeface="Courier New" panose="02070309020205020404" pitchFamily="49" charset="0"/>
-              </a:rPr>
-              <a:t>"Horizontal"</a:t>
-            </a:r>
-            <a:r>
-              <a:rPr kumimoji="0" lang="en-US" altLang="en-US" b="0" i="0" u="none" strike="noStrike" cap="none" normalizeH="0" baseline="0" dirty="0">
-                <a:ln>
-                  <a:noFill/>
-                </a:ln>
-                <a:solidFill>
-                  <a:srgbClr val="800000"/>
-                </a:solidFill>
-                <a:effectLst/>
-                <a:latin typeface="Courier New" panose="02070309020205020404" pitchFamily="49" charset="0"/>
-                <a:cs typeface="Courier New" panose="02070309020205020404" pitchFamily="49" charset="0"/>
-              </a:rPr>
-              <a:t>&gt;</a:t>
-            </a:r>
-            <a:r>
-              <a:rPr kumimoji="0" lang="en-US" altLang="en-US" b="0" i="0" u="none" strike="noStrike" cap="none" normalizeH="0" baseline="0" dirty="0">
-                <a:ln>
-                  <a:noFill/>
-                </a:ln>
-                <a:solidFill>
-                  <a:srgbClr val="444444"/>
-                </a:solidFill>
-                <a:effectLst/>
-                <a:latin typeface="Courier New" panose="02070309020205020404" pitchFamily="49" charset="0"/>
-                <a:cs typeface="Courier New" panose="02070309020205020404" pitchFamily="49" charset="0"/>
-              </a:rPr>
-              <a:t> </a:t>
-            </a:r>
-          </a:p>
-          <a:p>
-            <a:pPr marL="0" marR="0" lvl="0" indent="0" algn="l" defTabSz="914400" rtl="0" eaLnBrk="0" fontAlgn="base" latinLnBrk="0" hangingPunct="0">
-              <a:lnSpc>
-                <a:spcPct val="100000"/>
-              </a:lnSpc>
-              <a:spcBef>
-                <a:spcPct val="0"/>
-              </a:spcBef>
-              <a:spcAft>
-                <a:spcPct val="0"/>
-              </a:spcAft>
-              <a:buClrTx/>
-              <a:buSzTx/>
-              <a:buFontTx/>
-              <a:buNone/>
-              <a:tabLst/>
-            </a:pPr>
-            <a:r>
-              <a:rPr kumimoji="0" lang="en-US" altLang="en-US" b="0" i="0" u="none" strike="noStrike" cap="none" normalizeH="0" baseline="0" dirty="0">
-                <a:ln>
-                  <a:noFill/>
-                </a:ln>
-                <a:solidFill>
-                  <a:srgbClr val="800000"/>
-                </a:solidFill>
-                <a:effectLst/>
-                <a:latin typeface="Courier New" panose="02070309020205020404" pitchFamily="49" charset="0"/>
-                <a:cs typeface="Courier New" panose="02070309020205020404" pitchFamily="49" charset="0"/>
-              </a:rPr>
-              <a:t>		&lt;Image </a:t>
-            </a:r>
-            <a:r>
-              <a:rPr kumimoji="0" lang="en-US" altLang="en-US" b="0" i="0" u="none" strike="noStrike" cap="none" normalizeH="0" baseline="0" dirty="0">
-                <a:ln>
-                  <a:noFill/>
-                </a:ln>
-                <a:solidFill>
-                  <a:srgbClr val="FF0000"/>
-                </a:solidFill>
-                <a:effectLst/>
-                <a:latin typeface="Courier New" panose="02070309020205020404" pitchFamily="49" charset="0"/>
-                <a:cs typeface="Courier New" panose="02070309020205020404" pitchFamily="49" charset="0"/>
-              </a:rPr>
-              <a:t>Source</a:t>
-            </a:r>
-            <a:r>
-              <a:rPr kumimoji="0" lang="en-US" altLang="en-US" b="0" i="0" u="none" strike="noStrike" cap="none" normalizeH="0" baseline="0" dirty="0">
-                <a:ln>
-                  <a:noFill/>
-                </a:ln>
-                <a:solidFill>
-                  <a:srgbClr val="800000"/>
-                </a:solidFill>
-                <a:effectLst/>
-                <a:latin typeface="Courier New" panose="02070309020205020404" pitchFamily="49" charset="0"/>
-                <a:cs typeface="Courier New" panose="02070309020205020404" pitchFamily="49" charset="0"/>
-              </a:rPr>
-              <a:t>=</a:t>
-            </a:r>
-            <a:r>
-              <a:rPr kumimoji="0" lang="en-US" altLang="en-US" b="0" i="0" u="none" strike="noStrike" cap="none" normalizeH="0" baseline="0" dirty="0">
-                <a:ln>
-                  <a:noFill/>
-                </a:ln>
-                <a:solidFill>
-                  <a:srgbClr val="0000FF"/>
-                </a:solidFill>
-                <a:effectLst/>
-                <a:latin typeface="Courier New" panose="02070309020205020404" pitchFamily="49" charset="0"/>
-                <a:cs typeface="Courier New" panose="02070309020205020404" pitchFamily="49" charset="0"/>
-              </a:rPr>
-              <a:t>"speaker.png"</a:t>
-            </a:r>
-            <a:r>
-              <a:rPr kumimoji="0" lang="en-US" altLang="en-US" b="0" i="0" u="none" strike="noStrike" cap="none" normalizeH="0" baseline="0" dirty="0">
-                <a:ln>
-                  <a:noFill/>
-                </a:ln>
-                <a:solidFill>
-                  <a:srgbClr val="800000"/>
-                </a:solidFill>
-                <a:effectLst/>
-                <a:latin typeface="Courier New" panose="02070309020205020404" pitchFamily="49" charset="0"/>
-                <a:cs typeface="Courier New" panose="02070309020205020404" pitchFamily="49" charset="0"/>
-              </a:rPr>
-              <a:t> 				 </a:t>
-            </a:r>
-            <a:r>
-              <a:rPr kumimoji="0" lang="en-US" altLang="en-US" b="0" i="0" u="none" strike="noStrike" cap="none" normalizeH="0" baseline="0" dirty="0">
-                <a:ln>
-                  <a:noFill/>
-                </a:ln>
-                <a:solidFill>
-                  <a:srgbClr val="FF0000"/>
-                </a:solidFill>
-                <a:effectLst/>
-                <a:latin typeface="Courier New" panose="02070309020205020404" pitchFamily="49" charset="0"/>
-                <a:cs typeface="Courier New" panose="02070309020205020404" pitchFamily="49" charset="0"/>
-              </a:rPr>
-              <a:t>Stretch</a:t>
-            </a:r>
-            <a:r>
-              <a:rPr kumimoji="0" lang="en-US" altLang="en-US" b="0" i="0" u="none" strike="noStrike" cap="none" normalizeH="0" baseline="0" dirty="0">
-                <a:ln>
-                  <a:noFill/>
-                </a:ln>
-                <a:solidFill>
-                  <a:srgbClr val="800000"/>
-                </a:solidFill>
-                <a:effectLst/>
-                <a:latin typeface="Courier New" panose="02070309020205020404" pitchFamily="49" charset="0"/>
-                <a:cs typeface="Courier New" panose="02070309020205020404" pitchFamily="49" charset="0"/>
-              </a:rPr>
-              <a:t>=</a:t>
-            </a:r>
-            <a:r>
-              <a:rPr kumimoji="0" lang="en-US" altLang="en-US" b="0" i="0" u="none" strike="noStrike" cap="none" normalizeH="0" baseline="0" dirty="0">
-                <a:ln>
-                  <a:noFill/>
-                </a:ln>
-                <a:solidFill>
-                  <a:srgbClr val="0000FF"/>
-                </a:solidFill>
-                <a:effectLst/>
-                <a:latin typeface="Courier New" panose="02070309020205020404" pitchFamily="49" charset="0"/>
-                <a:cs typeface="Courier New" panose="02070309020205020404" pitchFamily="49" charset="0"/>
-              </a:rPr>
-              <a:t>"Uniform"</a:t>
-            </a:r>
-            <a:r>
-              <a:rPr kumimoji="0" lang="en-US" altLang="en-US" b="0" i="0" u="none" strike="noStrike" cap="none" normalizeH="0" baseline="0" dirty="0">
-                <a:ln>
-                  <a:noFill/>
-                </a:ln>
-                <a:solidFill>
-                  <a:srgbClr val="800000"/>
-                </a:solidFill>
-                <a:effectLst/>
-                <a:latin typeface="Courier New" panose="02070309020205020404" pitchFamily="49" charset="0"/>
-                <a:cs typeface="Courier New" panose="02070309020205020404" pitchFamily="49" charset="0"/>
-              </a:rPr>
-              <a:t>/&gt;</a:t>
-            </a:r>
-          </a:p>
-          <a:p>
-            <a:pPr marL="0" marR="0" lvl="0" indent="0" algn="l" defTabSz="914400" rtl="0" eaLnBrk="0" fontAlgn="base" latinLnBrk="0" hangingPunct="0">
-              <a:lnSpc>
-                <a:spcPct val="100000"/>
-              </a:lnSpc>
-              <a:spcBef>
-                <a:spcPct val="0"/>
-              </a:spcBef>
-              <a:spcAft>
-                <a:spcPct val="0"/>
-              </a:spcAft>
-              <a:buClrTx/>
-              <a:buSzTx/>
-              <a:buFontTx/>
-              <a:buNone/>
-              <a:tabLst/>
-            </a:pPr>
-            <a:r>
-              <a:rPr lang="en-US" altLang="en-US" dirty="0">
-                <a:solidFill>
-                  <a:srgbClr val="800000"/>
-                </a:solidFill>
-                <a:latin typeface="Courier New" panose="02070309020205020404" pitchFamily="49" charset="0"/>
-                <a:cs typeface="Courier New" panose="02070309020205020404" pitchFamily="49" charset="0"/>
-              </a:rPr>
-              <a:t>			</a:t>
-            </a:r>
-            <a:r>
-              <a:rPr kumimoji="0" lang="en-US" altLang="en-US" b="0" i="0" u="none" strike="noStrike" cap="none" normalizeH="0" baseline="0" dirty="0">
-                <a:ln>
-                  <a:noFill/>
-                </a:ln>
-                <a:solidFill>
-                  <a:srgbClr val="444444"/>
-                </a:solidFill>
-                <a:effectLst/>
-                <a:latin typeface="Courier New" panose="02070309020205020404" pitchFamily="49" charset="0"/>
-                <a:cs typeface="Courier New" panose="02070309020205020404" pitchFamily="49" charset="0"/>
-              </a:rPr>
-              <a:t> </a:t>
-            </a:r>
-            <a:r>
-              <a:rPr kumimoji="0" lang="en-US" altLang="en-US" b="0" i="0" u="none" strike="noStrike" cap="none" normalizeH="0" baseline="0" dirty="0">
-                <a:ln>
-                  <a:noFill/>
-                </a:ln>
-                <a:solidFill>
-                  <a:srgbClr val="800000"/>
-                </a:solidFill>
-                <a:effectLst/>
-                <a:latin typeface="Courier New" panose="02070309020205020404" pitchFamily="49" charset="0"/>
-                <a:cs typeface="Courier New" panose="02070309020205020404" pitchFamily="49" charset="0"/>
-              </a:rPr>
-              <a:t>&lt;</a:t>
-            </a:r>
-            <a:r>
-              <a:rPr kumimoji="0" lang="en-US" altLang="en-US" b="0" i="0" u="none" strike="noStrike" cap="none" normalizeH="0" baseline="0" dirty="0" err="1">
-                <a:ln>
-                  <a:noFill/>
-                </a:ln>
-                <a:solidFill>
-                  <a:srgbClr val="800000"/>
-                </a:solidFill>
-                <a:effectLst/>
-                <a:latin typeface="Courier New" panose="02070309020205020404" pitchFamily="49" charset="0"/>
-                <a:cs typeface="Courier New" panose="02070309020205020404" pitchFamily="49" charset="0"/>
-              </a:rPr>
-              <a:t>TextBlock</a:t>
-            </a:r>
-            <a:r>
-              <a:rPr kumimoji="0" lang="en-US" altLang="en-US" b="0" i="0" u="none" strike="noStrike" cap="none" normalizeH="0" baseline="0" dirty="0">
-                <a:ln>
-                  <a:noFill/>
-                </a:ln>
-                <a:solidFill>
-                  <a:srgbClr val="800000"/>
-                </a:solidFill>
-                <a:effectLst/>
-                <a:latin typeface="Courier New" panose="02070309020205020404" pitchFamily="49" charset="0"/>
-                <a:cs typeface="Courier New" panose="02070309020205020404" pitchFamily="49" charset="0"/>
-              </a:rPr>
-              <a:t> </a:t>
-            </a:r>
-            <a:r>
-              <a:rPr kumimoji="0" lang="en-US" altLang="en-US" b="0" i="0" u="none" strike="noStrike" cap="none" normalizeH="0" baseline="0" dirty="0">
-                <a:ln>
-                  <a:noFill/>
-                </a:ln>
-                <a:solidFill>
-                  <a:srgbClr val="FF0000"/>
-                </a:solidFill>
-                <a:effectLst/>
-                <a:latin typeface="Courier New" panose="02070309020205020404" pitchFamily="49" charset="0"/>
-                <a:cs typeface="Courier New" panose="02070309020205020404" pitchFamily="49" charset="0"/>
-              </a:rPr>
-              <a:t>Text</a:t>
-            </a:r>
-            <a:r>
-              <a:rPr kumimoji="0" lang="en-US" altLang="en-US" b="0" i="0" u="none" strike="noStrike" cap="none" normalizeH="0" baseline="0" dirty="0">
-                <a:ln>
-                  <a:noFill/>
-                </a:ln>
-                <a:solidFill>
-                  <a:srgbClr val="800000"/>
-                </a:solidFill>
-                <a:effectLst/>
-                <a:latin typeface="Courier New" panose="02070309020205020404" pitchFamily="49" charset="0"/>
-                <a:cs typeface="Courier New" panose="02070309020205020404" pitchFamily="49" charset="0"/>
-              </a:rPr>
-              <a:t>=</a:t>
-            </a:r>
-            <a:r>
-              <a:rPr kumimoji="0" lang="en-US" altLang="en-US" b="0" i="0" u="none" strike="noStrike" cap="none" normalizeH="0" baseline="0" dirty="0">
-                <a:ln>
-                  <a:noFill/>
-                </a:ln>
-                <a:solidFill>
-                  <a:srgbClr val="0000FF"/>
-                </a:solidFill>
-                <a:effectLst/>
-                <a:latin typeface="Courier New" panose="02070309020205020404" pitchFamily="49" charset="0"/>
-                <a:cs typeface="Courier New" panose="02070309020205020404" pitchFamily="49" charset="0"/>
-              </a:rPr>
-              <a:t>"Play Sound"</a:t>
-            </a:r>
-            <a:r>
-              <a:rPr kumimoji="0" lang="en-US" altLang="en-US" b="0" i="0" u="none" strike="noStrike" cap="none" normalizeH="0" baseline="0" dirty="0">
-                <a:ln>
-                  <a:noFill/>
-                </a:ln>
-                <a:solidFill>
-                  <a:srgbClr val="800000"/>
-                </a:solidFill>
-                <a:effectLst/>
-                <a:latin typeface="Courier New" panose="02070309020205020404" pitchFamily="49" charset="0"/>
-                <a:cs typeface="Courier New" panose="02070309020205020404" pitchFamily="49" charset="0"/>
-              </a:rPr>
-              <a:t> /&gt;</a:t>
-            </a:r>
-            <a:r>
-              <a:rPr kumimoji="0" lang="en-US" altLang="en-US" b="0" i="0" u="none" strike="noStrike" cap="none" normalizeH="0" baseline="0" dirty="0">
-                <a:ln>
-                  <a:noFill/>
-                </a:ln>
-                <a:solidFill>
-                  <a:srgbClr val="444444"/>
-                </a:solidFill>
-                <a:effectLst/>
-                <a:latin typeface="Courier New" panose="02070309020205020404" pitchFamily="49" charset="0"/>
-                <a:cs typeface="Courier New" panose="02070309020205020404" pitchFamily="49" charset="0"/>
-              </a:rPr>
-              <a:t> 	</a:t>
-            </a:r>
-            <a:r>
-              <a:rPr kumimoji="0" lang="en-US" altLang="en-US" b="0" i="0" u="none" strike="noStrike" cap="none" normalizeH="0" baseline="0" dirty="0">
-                <a:ln>
-                  <a:noFill/>
-                </a:ln>
-                <a:solidFill>
-                  <a:srgbClr val="800000"/>
-                </a:solidFill>
-                <a:effectLst/>
-                <a:latin typeface="Courier New" panose="02070309020205020404" pitchFamily="49" charset="0"/>
-                <a:cs typeface="Courier New" panose="02070309020205020404" pitchFamily="49" charset="0"/>
-              </a:rPr>
-              <a:t>&lt;/</a:t>
-            </a:r>
-            <a:r>
-              <a:rPr kumimoji="0" lang="en-US" altLang="en-US" b="0" i="0" u="none" strike="noStrike" cap="none" normalizeH="0" baseline="0" dirty="0" err="1">
-                <a:ln>
-                  <a:noFill/>
-                </a:ln>
-                <a:solidFill>
-                  <a:srgbClr val="800000"/>
-                </a:solidFill>
-                <a:effectLst/>
-                <a:latin typeface="Courier New" panose="02070309020205020404" pitchFamily="49" charset="0"/>
-                <a:cs typeface="Courier New" panose="02070309020205020404" pitchFamily="49" charset="0"/>
-              </a:rPr>
-              <a:t>StackPanel</a:t>
-            </a:r>
-            <a:r>
-              <a:rPr kumimoji="0" lang="en-US" altLang="en-US" b="0" i="0" u="none" strike="noStrike" cap="none" normalizeH="0" baseline="0" dirty="0">
-                <a:ln>
-                  <a:noFill/>
-                </a:ln>
-                <a:solidFill>
-                  <a:srgbClr val="800000"/>
-                </a:solidFill>
-                <a:effectLst/>
-                <a:latin typeface="Courier New" panose="02070309020205020404" pitchFamily="49" charset="0"/>
-                <a:cs typeface="Courier New" panose="02070309020205020404" pitchFamily="49" charset="0"/>
-              </a:rPr>
-              <a:t>&gt;</a:t>
-            </a:r>
-            <a:r>
-              <a:rPr kumimoji="0" lang="en-US" altLang="en-US" b="0" i="0" u="none" strike="noStrike" cap="none" normalizeH="0" baseline="0" dirty="0">
-                <a:ln>
-                  <a:noFill/>
-                </a:ln>
-                <a:solidFill>
-                  <a:srgbClr val="444444"/>
-                </a:solidFill>
-                <a:effectLst/>
-                <a:latin typeface="Courier New" panose="02070309020205020404" pitchFamily="49" charset="0"/>
-                <a:cs typeface="Courier New" panose="02070309020205020404" pitchFamily="49" charset="0"/>
-              </a:rPr>
-              <a:t> </a:t>
-            </a:r>
-          </a:p>
-          <a:p>
-            <a:pPr marL="0" marR="0" lvl="0" indent="0" algn="l" defTabSz="914400" rtl="0" eaLnBrk="0" fontAlgn="base" latinLnBrk="0" hangingPunct="0">
-              <a:lnSpc>
-                <a:spcPct val="100000"/>
-              </a:lnSpc>
-              <a:spcBef>
-                <a:spcPct val="0"/>
-              </a:spcBef>
-              <a:spcAft>
-                <a:spcPct val="0"/>
-              </a:spcAft>
-              <a:buClrTx/>
-              <a:buSzTx/>
-              <a:buFontTx/>
-              <a:buNone/>
-              <a:tabLst/>
-            </a:pPr>
-            <a:r>
-              <a:rPr kumimoji="0" lang="en-US" altLang="en-US" b="0" i="0" u="none" strike="noStrike" cap="none" normalizeH="0" baseline="0" dirty="0">
-                <a:ln>
-                  <a:noFill/>
-                </a:ln>
-                <a:solidFill>
-                  <a:srgbClr val="800000"/>
-                </a:solidFill>
-                <a:effectLst/>
-                <a:latin typeface="Courier New" panose="02070309020205020404" pitchFamily="49" charset="0"/>
-                <a:cs typeface="Courier New" panose="02070309020205020404" pitchFamily="49" charset="0"/>
-              </a:rPr>
-              <a:t>&lt;/Button&gt;</a:t>
-            </a:r>
-            <a:r>
-              <a:rPr kumimoji="0" lang="en-US" altLang="en-US" b="0" i="0" u="none" strike="noStrike" cap="none" normalizeH="0" baseline="0" dirty="0">
-                <a:ln>
-                  <a:noFill/>
-                </a:ln>
-                <a:solidFill>
-                  <a:schemeClr val="tx1"/>
-                </a:solidFill>
-                <a:effectLst/>
-              </a:rPr>
-              <a:t> </a:t>
-            </a:r>
-          </a:p>
-          <a:p>
-            <a:pPr marL="0" marR="0" lvl="0" indent="0" algn="l" defTabSz="914400" rtl="0" eaLnBrk="0" fontAlgn="base" latinLnBrk="0" hangingPunct="0">
-              <a:lnSpc>
-                <a:spcPct val="100000"/>
-              </a:lnSpc>
-              <a:spcBef>
-                <a:spcPct val="0"/>
-              </a:spcBef>
-              <a:spcAft>
-                <a:spcPct val="0"/>
-              </a:spcAft>
-              <a:buClrTx/>
-              <a:buSzTx/>
-              <a:buFontTx/>
-              <a:buNone/>
-              <a:tabLst/>
-            </a:pPr>
-            <a:endParaRPr lang="en-US" altLang="en-US" dirty="0">
-              <a:latin typeface="Arial" panose="020B0604020202020204" pitchFamily="34" charset="0"/>
-            </a:endParaRPr>
-          </a:p>
-          <a:p>
-            <a:pPr marL="0" marR="0" lvl="0" indent="0" algn="l" defTabSz="914400" rtl="0" eaLnBrk="0" fontAlgn="base" latinLnBrk="0" hangingPunct="0">
-              <a:lnSpc>
-                <a:spcPct val="100000"/>
-              </a:lnSpc>
-              <a:spcBef>
-                <a:spcPct val="0"/>
-              </a:spcBef>
-              <a:spcAft>
-                <a:spcPct val="0"/>
-              </a:spcAft>
-              <a:buClrTx/>
-              <a:buSzTx/>
-              <a:buFontTx/>
-              <a:buNone/>
-              <a:tabLst/>
-            </a:pPr>
-            <a:endParaRPr kumimoji="0" lang="en-US" altLang="en-US" b="0" i="0" u="none" strike="noStrike" cap="none" normalizeH="0" baseline="0" dirty="0">
-              <a:ln>
-                <a:noFill/>
-              </a:ln>
-              <a:solidFill>
-                <a:schemeClr val="tx1"/>
-              </a:solidFill>
-              <a:effectLst/>
-              <a:latin typeface="Arial" panose="020B0604020202020204" pitchFamily="34" charset="0"/>
-            </a:endParaRPr>
-          </a:p>
-          <a:p>
-            <a:pPr marL="0" marR="0" lvl="0" indent="0" algn="l" defTabSz="914400" rtl="0" eaLnBrk="0" fontAlgn="base" latinLnBrk="0" hangingPunct="0">
-              <a:lnSpc>
-                <a:spcPct val="100000"/>
-              </a:lnSpc>
-              <a:spcBef>
-                <a:spcPct val="0"/>
-              </a:spcBef>
-              <a:spcAft>
-                <a:spcPct val="0"/>
-              </a:spcAft>
-              <a:buClrTx/>
-              <a:buSzTx/>
-              <a:buFontTx/>
-              <a:buNone/>
-              <a:tabLst/>
-            </a:pPr>
-            <a:endParaRPr kumimoji="0" lang="en-US" altLang="en-US" b="0" i="0" u="none" strike="noStrike" cap="none" normalizeH="0" baseline="0" dirty="0">
-              <a:ln>
-                <a:noFill/>
-              </a:ln>
-              <a:solidFill>
-                <a:schemeClr val="tx1"/>
-              </a:solidFill>
-              <a:effectLst/>
-              <a:latin typeface="Arial" panose="020B0604020202020204" pitchFamily="34" charset="0"/>
-            </a:endParaRPr>
-          </a:p>
-        </p:txBody>
-      </p:sp>
-      <p:sp>
-        <p:nvSpPr>
-          <p:cNvPr id="5" name="TextBox 4">
-            <a:extLst>
-              <a:ext uri="{FF2B5EF4-FFF2-40B4-BE49-F238E27FC236}">
-                <a16:creationId xmlns:a16="http://schemas.microsoft.com/office/drawing/2014/main" id="{9146446C-E63E-49A7-B41A-9F87D13B62E3}"/>
-              </a:ext>
-            </a:extLst>
-          </p:cNvPr>
-          <p:cNvSpPr txBox="1"/>
-          <p:nvPr/>
-        </p:nvSpPr>
-        <p:spPr>
-          <a:xfrm>
-            <a:off x="6513342" y="2309880"/>
-            <a:ext cx="5219113" cy="1200329"/>
-          </a:xfrm>
-          <a:prstGeom prst="rect">
-            <a:avLst/>
-          </a:prstGeom>
-          <a:noFill/>
-        </p:spPr>
-        <p:txBody>
-          <a:bodyPr wrap="square" rtlCol="0">
-            <a:spAutoFit/>
-          </a:bodyPr>
-          <a:lstStyle/>
-          <a:p>
-            <a:r>
-              <a:rPr lang="en-US" dirty="0"/>
-              <a:t>&lt;Style </a:t>
-            </a:r>
-            <a:r>
-              <a:rPr lang="en-US" dirty="0" err="1"/>
-              <a:t>TargetType</a:t>
-            </a:r>
-            <a:r>
-              <a:rPr lang="en-US" dirty="0"/>
-              <a:t>="Button"&gt;</a:t>
-            </a:r>
-          </a:p>
-          <a:p>
-            <a:r>
-              <a:rPr lang="en-US" dirty="0"/>
-              <a:t>            &lt;Setter Property="</a:t>
-            </a:r>
-            <a:r>
-              <a:rPr lang="en-US" dirty="0" err="1"/>
-              <a:t>FontSize</a:t>
-            </a:r>
-            <a:r>
-              <a:rPr lang="en-US" dirty="0"/>
-              <a:t>" Value="14"/&gt;</a:t>
-            </a:r>
-          </a:p>
-          <a:p>
-            <a:r>
-              <a:rPr lang="en-US" dirty="0"/>
-              <a:t>&lt;/Style&gt;</a:t>
-            </a:r>
-          </a:p>
-          <a:p>
-            <a:endParaRPr lang="en-US" dirty="0"/>
-          </a:p>
-        </p:txBody>
-      </p:sp>
-    </p:spTree>
-    <p:extLst>
-      <p:ext uri="{BB962C8B-B14F-4D97-AF65-F5344CB8AC3E}">
-        <p14:creationId xmlns:p14="http://schemas.microsoft.com/office/powerpoint/2010/main" val="1723496461"/>
       </p:ext>
     </p:extLst>
   </p:cSld>

--- a/Introduction.pptx
+++ b/Introduction.pptx
@@ -12,7 +12,7 @@
     <p:sldId id="269" r:id="rId3"/>
     <p:sldId id="280" r:id="rId4"/>
     <p:sldId id="279" r:id="rId5"/>
-    <p:sldId id="270" r:id="rId6"/>
+    <p:sldId id="281" r:id="rId6"/>
     <p:sldId id="271" r:id="rId7"/>
     <p:sldId id="273" r:id="rId8"/>
     <p:sldId id="272" r:id="rId9"/>
@@ -219,7 +219,7 @@
           <a:p>
             <a:fld id="{9D46689B-8FBB-4C06-A74A-ED2FBE7CBE61}" type="datetimeFigureOut">
               <a:rPr lang="en-US" smtClean="0"/>
-              <a:t>10/20/2020</a:t>
+              <a:t>10/21/2020</a:t>
             </a:fld>
             <a:endParaRPr lang="en-US"/>
           </a:p>
@@ -1943,7 +1943,7 @@
     </p:spTree>
     <p:extLst>
       <p:ext uri="{BB962C8B-B14F-4D97-AF65-F5344CB8AC3E}">
-        <p14:creationId xmlns:p14="http://schemas.microsoft.com/office/powerpoint/2010/main" val="2059023489"/>
+        <p14:creationId xmlns:p14="http://schemas.microsoft.com/office/powerpoint/2010/main" val="307715139"/>
       </p:ext>
     </p:extLst>
   </p:cSld>
@@ -2719,7 +2719,7 @@
           <a:p>
             <a:fld id="{C5C6E621-F223-41F5-8420-74EB8708A5A2}" type="datetimeFigureOut">
               <a:rPr lang="en-US" smtClean="0"/>
-              <a:t>10/20/2020</a:t>
+              <a:t>10/21/2020</a:t>
             </a:fld>
             <a:endParaRPr lang="en-US"/>
           </a:p>
@@ -2981,7 +2981,7 @@
           <a:p>
             <a:fld id="{C5C6E621-F223-41F5-8420-74EB8708A5A2}" type="datetimeFigureOut">
               <a:rPr lang="en-US" smtClean="0"/>
-              <a:t>10/20/2020</a:t>
+              <a:t>10/21/2020</a:t>
             </a:fld>
             <a:endParaRPr lang="en-US"/>
           </a:p>
@@ -3216,7 +3216,7 @@
           <a:p>
             <a:fld id="{C5C6E621-F223-41F5-8420-74EB8708A5A2}" type="datetimeFigureOut">
               <a:rPr lang="en-US" smtClean="0"/>
-              <a:t>10/20/2020</a:t>
+              <a:t>10/21/2020</a:t>
             </a:fld>
             <a:endParaRPr lang="en-US"/>
           </a:p>
@@ -3456,7 +3456,7 @@
           <a:p>
             <a:fld id="{C5C6E621-F223-41F5-8420-74EB8708A5A2}" type="datetimeFigureOut">
               <a:rPr lang="en-US" smtClean="0"/>
-              <a:t>10/20/2020</a:t>
+              <a:t>10/21/2020</a:t>
             </a:fld>
             <a:endParaRPr lang="en-US"/>
           </a:p>
@@ -3763,7 +3763,7 @@
           <a:p>
             <a:fld id="{C5C6E621-F223-41F5-8420-74EB8708A5A2}" type="datetimeFigureOut">
               <a:rPr lang="en-US" smtClean="0"/>
-              <a:t>10/20/2020</a:t>
+              <a:t>10/21/2020</a:t>
             </a:fld>
             <a:endParaRPr lang="en-US"/>
           </a:p>
@@ -4065,7 +4065,7 @@
           <a:p>
             <a:fld id="{C5C6E621-F223-41F5-8420-74EB8708A5A2}" type="datetimeFigureOut">
               <a:rPr lang="en-US" smtClean="0"/>
-              <a:t>10/20/2020</a:t>
+              <a:t>10/21/2020</a:t>
             </a:fld>
             <a:endParaRPr lang="en-US"/>
           </a:p>
@@ -4487,7 +4487,7 @@
           <a:p>
             <a:fld id="{C5C6E621-F223-41F5-8420-74EB8708A5A2}" type="datetimeFigureOut">
               <a:rPr lang="en-US" smtClean="0"/>
-              <a:t>10/20/2020</a:t>
+              <a:t>10/21/2020</a:t>
             </a:fld>
             <a:endParaRPr lang="en-US"/>
           </a:p>
@@ -4649,7 +4649,7 @@
           <a:p>
             <a:fld id="{C5C6E621-F223-41F5-8420-74EB8708A5A2}" type="datetimeFigureOut">
               <a:rPr lang="en-US" smtClean="0"/>
-              <a:t>10/20/2020</a:t>
+              <a:t>10/21/2020</a:t>
             </a:fld>
             <a:endParaRPr lang="en-US"/>
           </a:p>
@@ -4744,7 +4744,7 @@
           <a:p>
             <a:fld id="{C5C6E621-F223-41F5-8420-74EB8708A5A2}" type="datetimeFigureOut">
               <a:rPr lang="en-US" smtClean="0"/>
-              <a:t>10/20/2020</a:t>
+              <a:t>10/21/2020</a:t>
             </a:fld>
             <a:endParaRPr lang="en-US"/>
           </a:p>
@@ -5122,7 +5122,7 @@
           <a:p>
             <a:fld id="{C5C6E621-F223-41F5-8420-74EB8708A5A2}" type="datetimeFigureOut">
               <a:rPr lang="en-US" smtClean="0"/>
-              <a:t>10/20/2020</a:t>
+              <a:t>10/21/2020</a:t>
             </a:fld>
             <a:endParaRPr lang="en-US"/>
           </a:p>
@@ -5411,7 +5411,7 @@
           <a:p>
             <a:fld id="{C5C6E621-F223-41F5-8420-74EB8708A5A2}" type="datetimeFigureOut">
               <a:rPr lang="en-US" smtClean="0"/>
-              <a:t>10/20/2020</a:t>
+              <a:t>10/21/2020</a:t>
             </a:fld>
             <a:endParaRPr lang="en-US"/>
           </a:p>
@@ -5622,7 +5622,7 @@
           <a:p>
             <a:fld id="{C5C6E621-F223-41F5-8420-74EB8708A5A2}" type="datetimeFigureOut">
               <a:rPr lang="en-US" smtClean="0"/>
-              <a:t>10/20/2020</a:t>
+              <a:t>10/21/2020</a:t>
             </a:fld>
             <a:endParaRPr lang="en-US"/>
           </a:p>
@@ -11362,6 +11362,14 @@
 <file path=ppt/slides/slide5.xml><?xml version="1.0" encoding="utf-8"?>
 <p:sld xmlns:a="http://schemas.openxmlformats.org/drawingml/2006/main" xmlns:r="http://schemas.openxmlformats.org/officeDocument/2006/relationships" xmlns:p="http://schemas.openxmlformats.org/presentationml/2006/main">
   <p:cSld>
+    <p:bg>
+      <p:bgPr>
+        <a:solidFill>
+          <a:schemeClr val="bg1"/>
+        </a:solidFill>
+        <a:effectLst/>
+      </p:bgPr>
+    </p:bg>
     <p:spTree>
       <p:nvGrpSpPr>
         <p:cNvPr id="1" name=""/>
@@ -11381,7 +11389,7 @@
           <p:cNvPr id="2" name="Title 1">
             <a:extLst>
               <a:ext uri="{FF2B5EF4-FFF2-40B4-BE49-F238E27FC236}">
-                <a16:creationId xmlns:a16="http://schemas.microsoft.com/office/drawing/2014/main" id="{E87A335C-CC75-44BC-AA8F-7BB4B188619E}"/>
+                <a16:creationId xmlns:a16="http://schemas.microsoft.com/office/drawing/2014/main" id="{2CB9B349-5DEB-4276-B758-21C98E3E1D49}"/>
               </a:ext>
             </a:extLst>
           </p:cNvPr>
@@ -11392,35 +11400,256 @@
             <p:ph type="title"/>
           </p:nvPr>
         </p:nvSpPr>
-        <p:spPr/>
-        <p:txBody>
-          <a:bodyPr/>
+        <p:spPr>
+          <a:xfrm>
+            <a:off x="581192" y="702156"/>
+            <a:ext cx="11029616" cy="1013800"/>
+          </a:xfrm>
+        </p:spPr>
+        <p:txBody>
+          <a:bodyPr>
+            <a:normAutofit/>
+          </a:bodyPr>
           <a:lstStyle/>
           <a:p>
             <a:r>
-              <a:rPr lang="en-US" dirty="0"/>
-              <a:t>WPF : Class Hierarchy</a:t>
+              <a:rPr lang="en-US">
+                <a:solidFill>
+                  <a:srgbClr val="FFFFFF"/>
+                </a:solidFill>
+              </a:rPr>
+              <a:t>WPF Class Hierarchy </a:t>
+            </a:r>
+            <a:endParaRPr lang="en-US" dirty="0">
+              <a:solidFill>
+                <a:srgbClr val="FFFFFF"/>
+              </a:solidFill>
+            </a:endParaRPr>
+          </a:p>
+        </p:txBody>
+      </p:sp>
+      <p:sp>
+        <p:nvSpPr>
+          <p:cNvPr id="7" name="Content Placeholder 6">
+            <a:extLst>
+              <a:ext uri="{FF2B5EF4-FFF2-40B4-BE49-F238E27FC236}">
+                <a16:creationId xmlns:a16="http://schemas.microsoft.com/office/drawing/2014/main" id="{24D20B07-8AA9-49D8-ACD2-886F66849CDF}"/>
+              </a:ext>
+            </a:extLst>
+          </p:cNvPr>
+          <p:cNvSpPr txBox="1">
+            <a:spLocks noGrp="1"/>
+          </p:cNvSpPr>
+          <p:nvPr>
+            <p:ph idx="1"/>
+          </p:nvPr>
+        </p:nvSpPr>
+        <p:spPr>
+          <a:xfrm>
+            <a:off x="581192" y="2180496"/>
+            <a:ext cx="7225075" cy="3678303"/>
+          </a:xfrm>
+          <a:prstGeom prst="rect">
+            <a:avLst/>
+          </a:prstGeom>
+        </p:spPr>
+        <p:txBody>
+          <a:bodyPr rtlCol="0">
+            <a:normAutofit/>
+          </a:bodyPr>
+          <a:lstStyle/>
+          <a:p>
+            <a:pPr marL="285750" indent="-285750">
+              <a:lnSpc>
+                <a:spcPct val="90000"/>
+              </a:lnSpc>
+              <a:buFont typeface="Arial" panose="020B0604020202020204" pitchFamily="34" charset="0"/>
+              <a:buChar char="•"/>
+            </a:pPr>
+            <a:r>
+              <a:rPr lang="en-US" err="1"/>
+              <a:t>DispatcherObject</a:t>
+            </a:r>
+            <a:r>
+              <a:rPr lang="en-US"/>
+              <a:t>: Mother of all WPF controls which takes care of UI thread</a:t>
+            </a:r>
+          </a:p>
+          <a:p>
+            <a:pPr marL="285750" indent="-285750">
+              <a:lnSpc>
+                <a:spcPct val="90000"/>
+              </a:lnSpc>
+              <a:buFont typeface="Arial" panose="020B0604020202020204" pitchFamily="34" charset="0"/>
+              <a:buChar char="•"/>
+            </a:pPr>
+            <a:r>
+              <a:rPr lang="en-US" err="1"/>
+              <a:t>DependencyObject</a:t>
+            </a:r>
+            <a:r>
+              <a:rPr lang="en-US"/>
+              <a:t>: Builds the Observer for Dependency Properties</a:t>
+            </a:r>
+          </a:p>
+          <a:p>
+            <a:pPr marL="285750" indent="-285750">
+              <a:lnSpc>
+                <a:spcPct val="90000"/>
+              </a:lnSpc>
+              <a:buFont typeface="Arial" panose="020B0604020202020204" pitchFamily="34" charset="0"/>
+              <a:buChar char="•"/>
+            </a:pPr>
+            <a:r>
+              <a:rPr lang="en-US"/>
+              <a:t>Visual: Links between managed libraries and </a:t>
+            </a:r>
+            <a:r>
+              <a:rPr lang="en-US" err="1"/>
+              <a:t>milcore</a:t>
+            </a:r>
+            <a:endParaRPr lang="en-US"/>
+          </a:p>
+          <a:p>
+            <a:pPr marL="285750" indent="-285750">
+              <a:lnSpc>
+                <a:spcPct val="90000"/>
+              </a:lnSpc>
+              <a:buFont typeface="Arial" panose="020B0604020202020204" pitchFamily="34" charset="0"/>
+              <a:buChar char="•"/>
+            </a:pPr>
+            <a:r>
+              <a:rPr lang="en-US" err="1"/>
+              <a:t>UIElement</a:t>
+            </a:r>
+            <a:r>
+              <a:rPr lang="en-US"/>
+              <a:t>: Adds supports for WPF features like layout, input, events, etc.</a:t>
+            </a:r>
+          </a:p>
+          <a:p>
+            <a:pPr marL="285750" indent="-285750">
+              <a:lnSpc>
+                <a:spcPct val="90000"/>
+              </a:lnSpc>
+              <a:buFont typeface="Arial" panose="020B0604020202020204" pitchFamily="34" charset="0"/>
+              <a:buChar char="•"/>
+            </a:pPr>
+            <a:r>
+              <a:rPr lang="en-US" err="1"/>
+              <a:t>FrameworkElement</a:t>
+            </a:r>
+            <a:r>
+              <a:rPr lang="en-US"/>
+              <a:t>: Implementation of </a:t>
+            </a:r>
+            <a:r>
+              <a:rPr lang="en-US" err="1"/>
+              <a:t>UIElement</a:t>
+            </a:r>
+            <a:endParaRPr lang="en-US"/>
+          </a:p>
+          <a:p>
+            <a:pPr marL="285750" indent="-285750">
+              <a:lnSpc>
+                <a:spcPct val="90000"/>
+              </a:lnSpc>
+              <a:buFont typeface="Arial" panose="020B0604020202020204" pitchFamily="34" charset="0"/>
+              <a:buChar char="•"/>
+            </a:pPr>
+            <a:r>
+              <a:rPr lang="en-US"/>
+              <a:t>Shape: Base class of all the Basic Shapes</a:t>
+            </a:r>
+          </a:p>
+          <a:p>
+            <a:pPr marL="285750" indent="-285750">
+              <a:lnSpc>
+                <a:spcPct val="90000"/>
+              </a:lnSpc>
+              <a:buFont typeface="Arial" panose="020B0604020202020204" pitchFamily="34" charset="0"/>
+              <a:buChar char="•"/>
+            </a:pPr>
+            <a:r>
+              <a:rPr lang="en-US"/>
+              <a:t>Panel: </a:t>
+            </a:r>
+            <a:r>
+              <a:rPr lang="en-US" err="1"/>
+              <a:t>Baseclass</a:t>
+            </a:r>
+            <a:r>
+              <a:rPr lang="en-US"/>
+              <a:t> of all panels which show one or more controls within it</a:t>
+            </a:r>
+          </a:p>
+          <a:p>
+            <a:pPr marL="285750" indent="-285750">
+              <a:lnSpc>
+                <a:spcPct val="90000"/>
+              </a:lnSpc>
+              <a:buFont typeface="Arial" panose="020B0604020202020204" pitchFamily="34" charset="0"/>
+              <a:buChar char="•"/>
+            </a:pPr>
+            <a:r>
+              <a:rPr lang="en-US" err="1"/>
+              <a:t>ItemsControl</a:t>
+            </a:r>
+            <a:r>
+              <a:rPr lang="en-US"/>
+              <a:t>: </a:t>
+            </a:r>
+            <a:r>
+              <a:rPr lang="en-US" err="1"/>
+              <a:t>Baseclass</a:t>
+            </a:r>
+            <a:r>
+              <a:rPr lang="en-US"/>
+              <a:t> for all controls that show a collection</a:t>
+            </a:r>
+          </a:p>
+          <a:p>
+            <a:pPr marL="285750" indent="-285750">
+              <a:lnSpc>
+                <a:spcPct val="90000"/>
+              </a:lnSpc>
+              <a:buFont typeface="Arial" panose="020B0604020202020204" pitchFamily="34" charset="0"/>
+              <a:buChar char="•"/>
+            </a:pPr>
+            <a:r>
+              <a:rPr lang="en-US" err="1"/>
+              <a:t>ContentControl</a:t>
+            </a:r>
+            <a:r>
+              <a:rPr lang="en-US"/>
+              <a:t>: </a:t>
+            </a:r>
+            <a:r>
+              <a:rPr lang="en-US" err="1"/>
+              <a:t>Baseclass</a:t>
+            </a:r>
+            <a:r>
+              <a:rPr lang="en-US"/>
+              <a:t> of all controls that have single content</a:t>
             </a:r>
           </a:p>
         </p:txBody>
       </p:sp>
       <p:pic>
         <p:nvPicPr>
-          <p:cNvPr id="5" name="Content Placeholder 4">
+          <p:cNvPr id="1026" name="Picture 2" descr="Graphical user interface, application, Word&#10;&#10;Description automatically generated">
             <a:extLst>
               <a:ext uri="{FF2B5EF4-FFF2-40B4-BE49-F238E27FC236}">
-                <a16:creationId xmlns:a16="http://schemas.microsoft.com/office/drawing/2014/main" id="{58003423-3410-4395-80C5-987BE0AB05E7}"/>
+                <a16:creationId xmlns:a16="http://schemas.microsoft.com/office/drawing/2014/main" id="{44A55583-90D8-4618-8DE2-5DC18D8376EE}"/>
               </a:ext>
             </a:extLst>
           </p:cNvPr>
           <p:cNvPicPr>
-            <a:picLocks noGrp="1" noChangeAspect="1"/>
+            <a:picLocks noChangeAspect="1" noChangeArrowheads="1"/>
           </p:cNvPicPr>
-          <p:nvPr>
-            <p:ph idx="1"/>
-          </p:nvPr>
+          <p:nvPr/>
         </p:nvPicPr>
-        <p:blipFill>
+        <p:blipFill rotWithShape="1">
           <a:blip r:embed="rId3">
             <a:extLst>
               <a:ext uri="{28A0092B-C50C-407E-A947-70E740481C1C}">
@@ -11428,225 +11657,33 @@
               </a:ext>
             </a:extLst>
           </a:blip>
-          <a:stretch>
-            <a:fillRect/>
-          </a:stretch>
+          <a:srcRect r="1784" b="3"/>
+          <a:stretch/>
         </p:blipFill>
-        <p:spPr>
+        <p:spPr bwMode="auto">
           <a:xfrm>
-            <a:off x="581192" y="2477606"/>
-            <a:ext cx="2974682" cy="3678238"/>
-          </a:xfrm>
-        </p:spPr>
-      </p:pic>
-      <p:sp>
-        <p:nvSpPr>
-          <p:cNvPr id="6" name="TextBox 5">
-            <a:extLst>
-              <a:ext uri="{FF2B5EF4-FFF2-40B4-BE49-F238E27FC236}">
-                <a16:creationId xmlns:a16="http://schemas.microsoft.com/office/drawing/2014/main" id="{05AB6C2D-FEF3-493E-965E-96D2A5397128}"/>
-              </a:ext>
-            </a:extLst>
-          </p:cNvPr>
-          <p:cNvSpPr txBox="1"/>
-          <p:nvPr/>
-        </p:nvSpPr>
-        <p:spPr>
-          <a:xfrm>
-            <a:off x="4240695" y="2372821"/>
-            <a:ext cx="7951305" cy="3783023"/>
+            <a:off x="8051799" y="1871133"/>
+            <a:ext cx="3683001" cy="4504267"/>
           </a:xfrm>
           <a:prstGeom prst="rect">
             <a:avLst/>
           </a:prstGeom>
           <a:noFill/>
+          <a:extLst>
+            <a:ext uri="{909E8E84-426E-40DD-AFC4-6F175D3DCCD1}">
+              <a14:hiddenFill xmlns:a14="http://schemas.microsoft.com/office/drawing/2010/main">
+                <a:solidFill>
+                  <a:srgbClr val="FFFFFF"/>
+                </a:solidFill>
+              </a14:hiddenFill>
+            </a:ext>
+          </a:extLst>
         </p:spPr>
-        <p:txBody>
-          <a:bodyPr wrap="square" rtlCol="0">
-            <a:spAutoFit/>
-          </a:bodyPr>
-          <a:lstStyle/>
-          <a:p>
-            <a:pPr marL="285750" indent="-285750">
-              <a:lnSpc>
-                <a:spcPct val="150000"/>
-              </a:lnSpc>
-              <a:buFont typeface="Arial" panose="020B0604020202020204" pitchFamily="34" charset="0"/>
-              <a:buChar char="•"/>
-            </a:pPr>
-            <a:r>
-              <a:rPr lang="en-US" dirty="0" err="1"/>
-              <a:t>DispatcherObject</a:t>
-            </a:r>
-            <a:r>
-              <a:rPr lang="en-US" dirty="0"/>
-              <a:t>: Mother of all WPF controls which takes care of UI thread</a:t>
-            </a:r>
-          </a:p>
-          <a:p>
-            <a:pPr marL="285750" indent="-285750">
-              <a:lnSpc>
-                <a:spcPct val="150000"/>
-              </a:lnSpc>
-              <a:buFont typeface="Arial" panose="020B0604020202020204" pitchFamily="34" charset="0"/>
-              <a:buChar char="•"/>
-            </a:pPr>
-            <a:r>
-              <a:rPr lang="en-US" dirty="0" err="1"/>
-              <a:t>DependencyObject</a:t>
-            </a:r>
-            <a:r>
-              <a:rPr lang="en-US" dirty="0"/>
-              <a:t>: Builds the Observer for Dependency Properties</a:t>
-            </a:r>
-          </a:p>
-          <a:p>
-            <a:pPr marL="285750" indent="-285750">
-              <a:lnSpc>
-                <a:spcPct val="150000"/>
-              </a:lnSpc>
-              <a:buFont typeface="Arial" panose="020B0604020202020204" pitchFamily="34" charset="0"/>
-              <a:buChar char="•"/>
-            </a:pPr>
-            <a:r>
-              <a:rPr lang="en-US" dirty="0"/>
-              <a:t>Visual: Links between managed libraries and </a:t>
-            </a:r>
-            <a:r>
-              <a:rPr lang="en-US" dirty="0" err="1"/>
-              <a:t>milcore</a:t>
-            </a:r>
-            <a:endParaRPr lang="en-US" dirty="0"/>
-          </a:p>
-          <a:p>
-            <a:pPr marL="285750" indent="-285750">
-              <a:lnSpc>
-                <a:spcPct val="150000"/>
-              </a:lnSpc>
-              <a:buFont typeface="Arial" panose="020B0604020202020204" pitchFamily="34" charset="0"/>
-              <a:buChar char="•"/>
-            </a:pPr>
-            <a:r>
-              <a:rPr lang="en-US" dirty="0" err="1"/>
-              <a:t>UIElement</a:t>
-            </a:r>
-            <a:r>
-              <a:rPr lang="en-US" dirty="0"/>
-              <a:t>: Adds supports for WPF features like layout, input, events, etc.</a:t>
-            </a:r>
-          </a:p>
-          <a:p>
-            <a:pPr marL="285750" indent="-285750">
-              <a:lnSpc>
-                <a:spcPct val="150000"/>
-              </a:lnSpc>
-              <a:buFont typeface="Arial" panose="020B0604020202020204" pitchFamily="34" charset="0"/>
-              <a:buChar char="•"/>
-            </a:pPr>
-            <a:r>
-              <a:rPr lang="en-US" dirty="0" err="1"/>
-              <a:t>FrameworkElement</a:t>
-            </a:r>
-            <a:r>
-              <a:rPr lang="en-US" dirty="0"/>
-              <a:t>: Implementation of </a:t>
-            </a:r>
-            <a:r>
-              <a:rPr lang="en-US" dirty="0" err="1"/>
-              <a:t>UIElement</a:t>
-            </a:r>
-            <a:endParaRPr lang="en-US" dirty="0"/>
-          </a:p>
-          <a:p>
-            <a:pPr marL="285750" indent="-285750">
-              <a:lnSpc>
-                <a:spcPct val="150000"/>
-              </a:lnSpc>
-              <a:buFont typeface="Arial" panose="020B0604020202020204" pitchFamily="34" charset="0"/>
-              <a:buChar char="•"/>
-            </a:pPr>
-            <a:r>
-              <a:rPr lang="en-US" dirty="0"/>
-              <a:t>Shape: Base class of all the Basic Shapes</a:t>
-            </a:r>
-          </a:p>
-          <a:p>
-            <a:pPr marL="285750" indent="-285750">
-              <a:lnSpc>
-                <a:spcPct val="150000"/>
-              </a:lnSpc>
-              <a:buFont typeface="Arial" panose="020B0604020202020204" pitchFamily="34" charset="0"/>
-              <a:buChar char="•"/>
-            </a:pPr>
-            <a:r>
-              <a:rPr lang="en-US" dirty="0"/>
-              <a:t>Panel: </a:t>
-            </a:r>
-            <a:r>
-              <a:rPr lang="en-US" dirty="0" err="1"/>
-              <a:t>Baseclass</a:t>
-            </a:r>
-            <a:r>
-              <a:rPr lang="en-US" dirty="0"/>
-              <a:t> of all panels which show one or more controls within it</a:t>
-            </a:r>
-          </a:p>
-          <a:p>
-            <a:pPr marL="285750" indent="-285750">
-              <a:lnSpc>
-                <a:spcPct val="150000"/>
-              </a:lnSpc>
-              <a:buFont typeface="Arial" panose="020B0604020202020204" pitchFamily="34" charset="0"/>
-              <a:buChar char="•"/>
-            </a:pPr>
-            <a:r>
-              <a:rPr lang="en-US" dirty="0" err="1"/>
-              <a:t>ItemsControl</a:t>
-            </a:r>
-            <a:r>
-              <a:rPr lang="en-US" dirty="0"/>
-              <a:t>: </a:t>
-            </a:r>
-            <a:r>
-              <a:rPr lang="en-US" dirty="0" err="1"/>
-              <a:t>Baseclass</a:t>
-            </a:r>
-            <a:r>
-              <a:rPr lang="en-US" dirty="0"/>
-              <a:t> for all controls that show a collection</a:t>
-            </a:r>
-          </a:p>
-          <a:p>
-            <a:pPr marL="285750" indent="-285750">
-              <a:lnSpc>
-                <a:spcPct val="150000"/>
-              </a:lnSpc>
-              <a:buFont typeface="Arial" panose="020B0604020202020204" pitchFamily="34" charset="0"/>
-              <a:buChar char="•"/>
-            </a:pPr>
-            <a:r>
-              <a:rPr lang="en-US" dirty="0" err="1"/>
-              <a:t>ContentControl</a:t>
-            </a:r>
-            <a:r>
-              <a:rPr lang="en-US" dirty="0"/>
-              <a:t>: </a:t>
-            </a:r>
-            <a:r>
-              <a:rPr lang="en-US" dirty="0" err="1"/>
-              <a:t>Baseclass</a:t>
-            </a:r>
-            <a:r>
-              <a:rPr lang="en-US" dirty="0"/>
-              <a:t> of all controls that have single content</a:t>
-            </a:r>
-          </a:p>
-        </p:txBody>
-      </p:sp>
+      </p:pic>
     </p:spTree>
     <p:extLst>
       <p:ext uri="{BB962C8B-B14F-4D97-AF65-F5344CB8AC3E}">
-        <p14:creationId xmlns:p14="http://schemas.microsoft.com/office/powerpoint/2010/main" val="2090836958"/>
+        <p14:creationId xmlns:p14="http://schemas.microsoft.com/office/powerpoint/2010/main" val="2619691426"/>
       </p:ext>
     </p:extLst>
   </p:cSld>

--- a/Introduction.pptx
+++ b/Introduction.pptx
@@ -219,7 +219,7 @@
           <a:p>
             <a:fld id="{9D46689B-8FBB-4C06-A74A-ED2FBE7CBE61}" type="datetimeFigureOut">
               <a:rPr lang="en-US" smtClean="0"/>
-              <a:t>10/21/2020</a:t>
+              <a:t>10/25/2020</a:t>
             </a:fld>
             <a:endParaRPr lang="en-US"/>
           </a:p>
@@ -2719,7 +2719,7 @@
           <a:p>
             <a:fld id="{C5C6E621-F223-41F5-8420-74EB8708A5A2}" type="datetimeFigureOut">
               <a:rPr lang="en-US" smtClean="0"/>
-              <a:t>10/21/2020</a:t>
+              <a:t>10/25/2020</a:t>
             </a:fld>
             <a:endParaRPr lang="en-US"/>
           </a:p>
@@ -2981,7 +2981,7 @@
           <a:p>
             <a:fld id="{C5C6E621-F223-41F5-8420-74EB8708A5A2}" type="datetimeFigureOut">
               <a:rPr lang="en-US" smtClean="0"/>
-              <a:t>10/21/2020</a:t>
+              <a:t>10/25/2020</a:t>
             </a:fld>
             <a:endParaRPr lang="en-US"/>
           </a:p>
@@ -3216,7 +3216,7 @@
           <a:p>
             <a:fld id="{C5C6E621-F223-41F5-8420-74EB8708A5A2}" type="datetimeFigureOut">
               <a:rPr lang="en-US" smtClean="0"/>
-              <a:t>10/21/2020</a:t>
+              <a:t>10/25/2020</a:t>
             </a:fld>
             <a:endParaRPr lang="en-US"/>
           </a:p>
@@ -3456,7 +3456,7 @@
           <a:p>
             <a:fld id="{C5C6E621-F223-41F5-8420-74EB8708A5A2}" type="datetimeFigureOut">
               <a:rPr lang="en-US" smtClean="0"/>
-              <a:t>10/21/2020</a:t>
+              <a:t>10/25/2020</a:t>
             </a:fld>
             <a:endParaRPr lang="en-US"/>
           </a:p>
@@ -3763,7 +3763,7 @@
           <a:p>
             <a:fld id="{C5C6E621-F223-41F5-8420-74EB8708A5A2}" type="datetimeFigureOut">
               <a:rPr lang="en-US" smtClean="0"/>
-              <a:t>10/21/2020</a:t>
+              <a:t>10/25/2020</a:t>
             </a:fld>
             <a:endParaRPr lang="en-US"/>
           </a:p>
@@ -4065,7 +4065,7 @@
           <a:p>
             <a:fld id="{C5C6E621-F223-41F5-8420-74EB8708A5A2}" type="datetimeFigureOut">
               <a:rPr lang="en-US" smtClean="0"/>
-              <a:t>10/21/2020</a:t>
+              <a:t>10/25/2020</a:t>
             </a:fld>
             <a:endParaRPr lang="en-US"/>
           </a:p>
@@ -4487,7 +4487,7 @@
           <a:p>
             <a:fld id="{C5C6E621-F223-41F5-8420-74EB8708A5A2}" type="datetimeFigureOut">
               <a:rPr lang="en-US" smtClean="0"/>
-              <a:t>10/21/2020</a:t>
+              <a:t>10/25/2020</a:t>
             </a:fld>
             <a:endParaRPr lang="en-US"/>
           </a:p>
@@ -4649,7 +4649,7 @@
           <a:p>
             <a:fld id="{C5C6E621-F223-41F5-8420-74EB8708A5A2}" type="datetimeFigureOut">
               <a:rPr lang="en-US" smtClean="0"/>
-              <a:t>10/21/2020</a:t>
+              <a:t>10/25/2020</a:t>
             </a:fld>
             <a:endParaRPr lang="en-US"/>
           </a:p>
@@ -4744,7 +4744,7 @@
           <a:p>
             <a:fld id="{C5C6E621-F223-41F5-8420-74EB8708A5A2}" type="datetimeFigureOut">
               <a:rPr lang="en-US" smtClean="0"/>
-              <a:t>10/21/2020</a:t>
+              <a:t>10/25/2020</a:t>
             </a:fld>
             <a:endParaRPr lang="en-US"/>
           </a:p>
@@ -5122,7 +5122,7 @@
           <a:p>
             <a:fld id="{C5C6E621-F223-41F5-8420-74EB8708A5A2}" type="datetimeFigureOut">
               <a:rPr lang="en-US" smtClean="0"/>
-              <a:t>10/21/2020</a:t>
+              <a:t>10/25/2020</a:t>
             </a:fld>
             <a:endParaRPr lang="en-US"/>
           </a:p>
@@ -5411,7 +5411,7 @@
           <a:p>
             <a:fld id="{C5C6E621-F223-41F5-8420-74EB8708A5A2}" type="datetimeFigureOut">
               <a:rPr lang="en-US" smtClean="0"/>
-              <a:t>10/21/2020</a:t>
+              <a:t>10/25/2020</a:t>
             </a:fld>
             <a:endParaRPr lang="en-US"/>
           </a:p>
@@ -5622,7 +5622,7 @@
           <a:p>
             <a:fld id="{C5C6E621-F223-41F5-8420-74EB8708A5A2}" type="datetimeFigureOut">
               <a:rPr lang="en-US" smtClean="0"/>
-              <a:t>10/21/2020</a:t>
+              <a:t>10/25/2020</a:t>
             </a:fld>
             <a:endParaRPr lang="en-US"/>
           </a:p>
@@ -12286,7 +12286,7 @@
           <a:p>
             <a:r>
               <a:rPr lang="en-US" dirty="0"/>
-              <a:t>Introduction</a:t>
+              <a:t>Features</a:t>
             </a:r>
           </a:p>
         </p:txBody>
